--- a/docs/Presentation.pptx
+++ b/docs/Presentation.pptx
@@ -258,7 +258,7 @@
           <a:p>
             <a:fld id="{C0B1B5E3-F2FF-4447-9F2E-6FC79E5AC69B}" type="datetimeFigureOut">
               <a:rPr lang="en-MY" smtClean="0"/>
-              <a:t>28/1/2024</a:t>
+              <a:t>31/1/2024</a:t>
             </a:fld>
             <a:endParaRPr lang="en-MY"/>
           </a:p>
@@ -5672,7 +5672,7 @@
           </a:ln>
           <a:extLst>
             <a:ext uri="{C572A759-6A51-4108-AA02-DFA0A04FC94B}">
-              <ma14:wrappingTextBoxFlag xmlns="" xmlns:ma14="http://schemas.microsoft.com/office/mac/drawingml/2011/main" xmlns:a14="http://schemas.microsoft.com/office/drawing/2010/main" xmlns:m="http://schemas.openxmlformats.org/officeDocument/2006/math" val="1"/>
+              <ma14:wrappingTextBoxFlag xmlns:m="http://schemas.openxmlformats.org/officeDocument/2006/math" xmlns:a14="http://schemas.microsoft.com/office/drawing/2010/main" xmlns:ma14="http://schemas.microsoft.com/office/mac/drawingml/2011/main" xmlns="" val="1"/>
             </a:ext>
           </a:extLst>
         </p:spPr>
@@ -5777,7 +5777,7 @@
           </a:ln>
           <a:extLst>
             <a:ext uri="{C572A759-6A51-4108-AA02-DFA0A04FC94B}">
-              <ma14:wrappingTextBoxFlag xmlns="" xmlns:ma14="http://schemas.microsoft.com/office/mac/drawingml/2011/main" xmlns:a14="http://schemas.microsoft.com/office/drawing/2010/main" xmlns:m="http://schemas.openxmlformats.org/officeDocument/2006/math" val="1"/>
+              <ma14:wrappingTextBoxFlag xmlns:m="http://schemas.openxmlformats.org/officeDocument/2006/math" xmlns:a14="http://schemas.microsoft.com/office/drawing/2010/main" xmlns:ma14="http://schemas.microsoft.com/office/mac/drawingml/2011/main" xmlns="" val="1"/>
             </a:ext>
           </a:extLst>
         </p:spPr>
@@ -5882,7 +5882,7 @@
           </a:ln>
           <a:extLst>
             <a:ext uri="{C572A759-6A51-4108-AA02-DFA0A04FC94B}">
-              <ma14:wrappingTextBoxFlag xmlns="" xmlns:ma14="http://schemas.microsoft.com/office/mac/drawingml/2011/main" xmlns:a14="http://schemas.microsoft.com/office/drawing/2010/main" xmlns:m="http://schemas.openxmlformats.org/officeDocument/2006/math" val="1"/>
+              <ma14:wrappingTextBoxFlag xmlns:m="http://schemas.openxmlformats.org/officeDocument/2006/math" xmlns:a14="http://schemas.microsoft.com/office/drawing/2010/main" xmlns:ma14="http://schemas.microsoft.com/office/mac/drawingml/2011/main" xmlns="" val="1"/>
             </a:ext>
           </a:extLst>
         </p:spPr>
@@ -5987,7 +5987,7 @@
           </a:ln>
           <a:extLst>
             <a:ext uri="{C572A759-6A51-4108-AA02-DFA0A04FC94B}">
-              <ma14:wrappingTextBoxFlag xmlns="" xmlns:ma14="http://schemas.microsoft.com/office/mac/drawingml/2011/main" xmlns:a14="http://schemas.microsoft.com/office/drawing/2010/main" xmlns:m="http://schemas.openxmlformats.org/officeDocument/2006/math" val="1"/>
+              <ma14:wrappingTextBoxFlag xmlns:m="http://schemas.openxmlformats.org/officeDocument/2006/math" xmlns:a14="http://schemas.microsoft.com/office/drawing/2010/main" xmlns:ma14="http://schemas.microsoft.com/office/mac/drawingml/2011/main" xmlns="" val="1"/>
             </a:ext>
           </a:extLst>
         </p:spPr>
@@ -6095,7 +6095,7 @@
           </a:ln>
           <a:extLst>
             <a:ext uri="{C572A759-6A51-4108-AA02-DFA0A04FC94B}">
-              <ma14:wrappingTextBoxFlag xmlns="" xmlns:ma14="http://schemas.microsoft.com/office/mac/drawingml/2011/main" xmlns:a14="http://schemas.microsoft.com/office/drawing/2010/main" xmlns:m="http://schemas.openxmlformats.org/officeDocument/2006/math" val="1"/>
+              <ma14:wrappingTextBoxFlag xmlns:m="http://schemas.openxmlformats.org/officeDocument/2006/math" xmlns:a14="http://schemas.microsoft.com/office/drawing/2010/main" xmlns:ma14="http://schemas.microsoft.com/office/mac/drawingml/2011/main" xmlns="" val="1"/>
             </a:ext>
           </a:extLst>
         </p:spPr>
@@ -6329,7 +6329,7 @@
           </a:ln>
           <a:extLst>
             <a:ext uri="{C572A759-6A51-4108-AA02-DFA0A04FC94B}">
-              <ma14:wrappingTextBoxFlag xmlns="" xmlns:ma14="http://schemas.microsoft.com/office/mac/drawingml/2011/main" xmlns:a14="http://schemas.microsoft.com/office/drawing/2010/main" xmlns:m="http://schemas.openxmlformats.org/officeDocument/2006/math" val="1"/>
+              <ma14:wrappingTextBoxFlag xmlns:m="http://schemas.openxmlformats.org/officeDocument/2006/math" xmlns:a14="http://schemas.microsoft.com/office/drawing/2010/main" xmlns:ma14="http://schemas.microsoft.com/office/mac/drawingml/2011/main" xmlns="" val="1"/>
             </a:ext>
           </a:extLst>
         </p:spPr>
@@ -6434,7 +6434,7 @@
           </a:ln>
           <a:extLst>
             <a:ext uri="{C572A759-6A51-4108-AA02-DFA0A04FC94B}">
-              <ma14:wrappingTextBoxFlag xmlns="" xmlns:ma14="http://schemas.microsoft.com/office/mac/drawingml/2011/main" xmlns:a14="http://schemas.microsoft.com/office/drawing/2010/main" xmlns:m="http://schemas.openxmlformats.org/officeDocument/2006/math" val="1"/>
+              <ma14:wrappingTextBoxFlag xmlns:m="http://schemas.openxmlformats.org/officeDocument/2006/math" xmlns:a14="http://schemas.microsoft.com/office/drawing/2010/main" xmlns:ma14="http://schemas.microsoft.com/office/mac/drawingml/2011/main" xmlns="" val="1"/>
             </a:ext>
           </a:extLst>
         </p:spPr>
@@ -6539,7 +6539,7 @@
           </a:ln>
           <a:extLst>
             <a:ext uri="{C572A759-6A51-4108-AA02-DFA0A04FC94B}">
-              <ma14:wrappingTextBoxFlag xmlns="" xmlns:ma14="http://schemas.microsoft.com/office/mac/drawingml/2011/main" xmlns:a14="http://schemas.microsoft.com/office/drawing/2010/main" xmlns:m="http://schemas.openxmlformats.org/officeDocument/2006/math" val="1"/>
+              <ma14:wrappingTextBoxFlag xmlns:m="http://schemas.openxmlformats.org/officeDocument/2006/math" xmlns:a14="http://schemas.microsoft.com/office/drawing/2010/main" xmlns:ma14="http://schemas.microsoft.com/office/mac/drawingml/2011/main" xmlns="" val="1"/>
             </a:ext>
           </a:extLst>
         </p:spPr>
@@ -6647,7 +6647,7 @@
           </a:ln>
           <a:extLst>
             <a:ext uri="{C572A759-6A51-4108-AA02-DFA0A04FC94B}">
-              <ma14:wrappingTextBoxFlag xmlns="" xmlns:ma14="http://schemas.microsoft.com/office/mac/drawingml/2011/main" xmlns:a14="http://schemas.microsoft.com/office/drawing/2010/main" xmlns:m="http://schemas.openxmlformats.org/officeDocument/2006/math" val="1"/>
+              <ma14:wrappingTextBoxFlag xmlns:m="http://schemas.openxmlformats.org/officeDocument/2006/math" xmlns:a14="http://schemas.microsoft.com/office/drawing/2010/main" xmlns:ma14="http://schemas.microsoft.com/office/mac/drawingml/2011/main" xmlns="" val="1"/>
             </a:ext>
           </a:extLst>
         </p:spPr>
@@ -6865,7 +6865,7 @@
           </a:ln>
           <a:extLst>
             <a:ext uri="{C572A759-6A51-4108-AA02-DFA0A04FC94B}">
-              <ma14:wrappingTextBoxFlag xmlns="" xmlns:ma14="http://schemas.microsoft.com/office/mac/drawingml/2011/main" xmlns:a14="http://schemas.microsoft.com/office/drawing/2010/main" xmlns:m="http://schemas.openxmlformats.org/officeDocument/2006/math" val="1"/>
+              <ma14:wrappingTextBoxFlag xmlns:m="http://schemas.openxmlformats.org/officeDocument/2006/math" xmlns:a14="http://schemas.microsoft.com/office/drawing/2010/main" xmlns:ma14="http://schemas.microsoft.com/office/mac/drawingml/2011/main" xmlns="" val="1"/>
             </a:ext>
           </a:extLst>
         </p:spPr>
@@ -7064,7 +7064,7 @@
           </a:ln>
           <a:extLst>
             <a:ext uri="{C572A759-6A51-4108-AA02-DFA0A04FC94B}">
-              <ma14:wrappingTextBoxFlag xmlns="" xmlns:ma14="http://schemas.microsoft.com/office/mac/drawingml/2011/main" xmlns:a14="http://schemas.microsoft.com/office/drawing/2010/main" xmlns:m="http://schemas.openxmlformats.org/officeDocument/2006/math" val="1"/>
+              <ma14:wrappingTextBoxFlag xmlns:m="http://schemas.openxmlformats.org/officeDocument/2006/math" xmlns:a14="http://schemas.microsoft.com/office/drawing/2010/main" xmlns:ma14="http://schemas.microsoft.com/office/mac/drawingml/2011/main" xmlns="" val="1"/>
             </a:ext>
           </a:extLst>
         </p:spPr>
@@ -7639,7 +7639,7 @@
           </a:ln>
           <a:extLst>
             <a:ext uri="{C572A759-6A51-4108-AA02-DFA0A04FC94B}">
-              <ma14:wrappingTextBoxFlag xmlns="" xmlns:ma14="http://schemas.microsoft.com/office/mac/drawingml/2011/main" xmlns:a14="http://schemas.microsoft.com/office/drawing/2010/main" xmlns:m="http://schemas.openxmlformats.org/officeDocument/2006/math" val="1"/>
+              <ma14:wrappingTextBoxFlag xmlns:m="http://schemas.openxmlformats.org/officeDocument/2006/math" xmlns:a14="http://schemas.microsoft.com/office/drawing/2010/main" xmlns:ma14="http://schemas.microsoft.com/office/mac/drawingml/2011/main" xmlns="" val="1"/>
             </a:ext>
           </a:extLst>
         </p:spPr>
@@ -7789,7 +7789,7 @@
           </a:ln>
           <a:extLst>
             <a:ext uri="{C572A759-6A51-4108-AA02-DFA0A04FC94B}">
-              <ma14:wrappingTextBoxFlag xmlns="" xmlns:ma14="http://schemas.microsoft.com/office/mac/drawingml/2011/main" xmlns:a14="http://schemas.microsoft.com/office/drawing/2010/main" xmlns:m="http://schemas.openxmlformats.org/officeDocument/2006/math" val="1"/>
+              <ma14:wrappingTextBoxFlag xmlns:m="http://schemas.openxmlformats.org/officeDocument/2006/math" xmlns:a14="http://schemas.microsoft.com/office/drawing/2010/main" xmlns:ma14="http://schemas.microsoft.com/office/mac/drawingml/2011/main" xmlns="" val="1"/>
             </a:ext>
           </a:extLst>
         </p:spPr>
@@ -7977,7 +7977,7 @@
           </a:ln>
           <a:extLst>
             <a:ext uri="{C572A759-6A51-4108-AA02-DFA0A04FC94B}">
-              <ma14:wrappingTextBoxFlag xmlns="" xmlns:ma14="http://schemas.microsoft.com/office/mac/drawingml/2011/main" xmlns:a14="http://schemas.microsoft.com/office/drawing/2010/main" xmlns:m="http://schemas.openxmlformats.org/officeDocument/2006/math" val="1"/>
+              <ma14:wrappingTextBoxFlag xmlns:m="http://schemas.openxmlformats.org/officeDocument/2006/math" xmlns:a14="http://schemas.microsoft.com/office/drawing/2010/main" xmlns:ma14="http://schemas.microsoft.com/office/mac/drawingml/2011/main" xmlns="" val="1"/>
             </a:ext>
           </a:extLst>
         </p:spPr>
@@ -10788,7 +10788,7 @@
                 <a:ea typeface="Roboto Light" panose="02000000000000000000" pitchFamily="2" charset="0"/>
                 <a:cs typeface="Roboto Light" panose="02000000000000000000" pitchFamily="2" charset="0"/>
               </a:rPr>
-              <a:t>Continuous Delivery</a:t>
+              <a:t>Engagement Kick-Off</a:t>
             </a:r>
           </a:p>
         </p:txBody>
@@ -10849,7 +10849,7 @@
                 <a:ea typeface="Roboto" panose="02000000000000000000" pitchFamily="2" charset="0"/>
                 <a:cs typeface="Roboto" panose="02000000000000000000" pitchFamily="2" charset="0"/>
               </a:rPr>
-              <a:t>Internal Developer Platform</a:t>
+              <a:t>Scaling DevOps</a:t>
             </a:r>
           </a:p>
         </p:txBody>
@@ -10880,7 +10880,7 @@
                 <a:ea typeface="Roboto Light" panose="02000000000000000000" pitchFamily="2" charset="0"/>
                 <a:cs typeface="Roboto Light" panose="02000000000000000000" pitchFamily="2" charset="0"/>
               </a:rPr>
-              <a:t>Scaling DevOps while ensuring consistency, security, and compliance</a:t>
+              <a:t>Internal Developer Platform for speed, consistency, security, and compliance</a:t>
             </a:r>
           </a:p>
         </p:txBody>
@@ -12721,7 +12721,7 @@
                 <a:ea typeface="Roboto Light" panose="02000000000000000000" pitchFamily="2" charset="0"/>
                 <a:cs typeface="Roboto Light" panose="02000000000000000000" pitchFamily="2" charset="0"/>
               </a:rPr>
-              <a:t>Want to increase speed to create new environments</a:t>
+              <a:t>Wants to increase environment creation speed</a:t>
             </a:r>
           </a:p>
           <a:p>
@@ -15190,7 +15190,7 @@
         <p:spPr>
           <a:xfrm>
             <a:off x="7292991" y="1793774"/>
-            <a:ext cx="4073090" cy="3539430"/>
+            <a:ext cx="4073090" cy="2800767"/>
           </a:xfrm>
           <a:prstGeom prst="rect">
             <a:avLst/>
@@ -15208,58 +15208,20 @@
               <a:buChar char="•"/>
             </a:pPr>
             <a:r>
+              <a:rPr lang="en-US" sz="1600">
+                <a:latin typeface="Roboto Light" panose="02000000000000000000" pitchFamily="2" charset="0"/>
+                <a:ea typeface="Roboto Light" panose="02000000000000000000" pitchFamily="2" charset="0"/>
+                <a:cs typeface="Roboto Light" panose="02000000000000000000" pitchFamily="2" charset="0"/>
+              </a:rPr>
+              <a:t>Create </a:t>
+            </a:r>
+            <a:r>
               <a:rPr lang="en-US" sz="1600" dirty="0">
                 <a:latin typeface="Roboto Light" panose="02000000000000000000" pitchFamily="2" charset="0"/>
                 <a:ea typeface="Roboto Light" panose="02000000000000000000" pitchFamily="2" charset="0"/>
                 <a:cs typeface="Roboto Light" panose="02000000000000000000" pitchFamily="2" charset="0"/>
               </a:rPr>
-              <a:t>Shifting left / inclusion of more 3</a:t>
-            </a:r>
-            <a:r>
-              <a:rPr lang="en-US" sz="1600" baseline="30000" dirty="0">
-                <a:latin typeface="Roboto Light" panose="02000000000000000000" pitchFamily="2" charset="0"/>
-                <a:ea typeface="Roboto Light" panose="02000000000000000000" pitchFamily="2" charset="0"/>
-                <a:cs typeface="Roboto Light" panose="02000000000000000000" pitchFamily="2" charset="0"/>
-              </a:rPr>
-              <a:t>rd</a:t>
-            </a:r>
-            <a:r>
-              <a:rPr lang="en-US" sz="1600" dirty="0">
-                <a:latin typeface="Roboto Light" panose="02000000000000000000" pitchFamily="2" charset="0"/>
-                <a:ea typeface="Roboto Light" panose="02000000000000000000" pitchFamily="2" charset="0"/>
-                <a:cs typeface="Roboto Light" panose="02000000000000000000" pitchFamily="2" charset="0"/>
-              </a:rPr>
-              <a:t> party services in CI / CD process (SonarQube, </a:t>
-            </a:r>
-            <a:r>
-              <a:rPr lang="en-US" sz="1600" dirty="0" err="1">
-                <a:latin typeface="Roboto Light" panose="02000000000000000000" pitchFamily="2" charset="0"/>
-                <a:ea typeface="Roboto Light" panose="02000000000000000000" pitchFamily="2" charset="0"/>
-                <a:cs typeface="Roboto Light" panose="02000000000000000000" pitchFamily="2" charset="0"/>
-              </a:rPr>
-              <a:t>Snyk</a:t>
-            </a:r>
-            <a:r>
-              <a:rPr lang="en-US" sz="1600" dirty="0">
-                <a:latin typeface="Roboto Light" panose="02000000000000000000" pitchFamily="2" charset="0"/>
-                <a:ea typeface="Roboto Light" panose="02000000000000000000" pitchFamily="2" charset="0"/>
-                <a:cs typeface="Roboto Light" panose="02000000000000000000" pitchFamily="2" charset="0"/>
-              </a:rPr>
-              <a:t>, etc.).</a:t>
-            </a:r>
-          </a:p>
-          <a:p>
-            <a:pPr marL="285750" indent="-285750">
-              <a:buFont typeface="Arial" panose="020B0604020202020204" pitchFamily="34" charset="0"/>
-              <a:buChar char="•"/>
-            </a:pPr>
-            <a:r>
-              <a:rPr lang="en-US" sz="1600" dirty="0">
-                <a:latin typeface="Roboto Light" panose="02000000000000000000" pitchFamily="2" charset="0"/>
-                <a:ea typeface="Roboto Light" panose="02000000000000000000" pitchFamily="2" charset="0"/>
-                <a:cs typeface="Roboto Light" panose="02000000000000000000" pitchFamily="2" charset="0"/>
-              </a:rPr>
-              <a:t>Create re-usable workflows for deployment steps.</a:t>
+              <a:t>re-usable workflows for deployment steps.</a:t>
             </a:r>
           </a:p>
           <a:p>

--- a/docs/Presentation.pptx
+++ b/docs/Presentation.pptx
@@ -5,7 +5,7 @@
     <p:sldMasterId id="2147483648" r:id="rId1"/>
   </p:sldMasterIdLst>
   <p:notesMasterIdLst>
-    <p:notesMasterId r:id="rId16"/>
+    <p:notesMasterId r:id="rId17"/>
   </p:notesMasterIdLst>
   <p:sldIdLst>
     <p:sldId id="1427" r:id="rId2"/>
@@ -22,6 +22,7 @@
     <p:sldId id="2145706417" r:id="rId13"/>
     <p:sldId id="2145706422" r:id="rId14"/>
     <p:sldId id="2145706420" r:id="rId15"/>
+    <p:sldId id="2145706423" r:id="rId16"/>
   </p:sldIdLst>
   <p:sldSz cx="12192000" cy="6858000"/>
   <p:notesSz cx="6858000" cy="9144000"/>
@@ -151,6 +152,7 @@
         <p14:section name="End" id="{D925EB76-D81A-4F35-8C08-2AD7E83350B9}">
           <p14:sldIdLst>
             <p14:sldId id="2145706420"/>
+            <p14:sldId id="2145706423"/>
           </p14:sldIdLst>
         </p14:section>
       </p14:sectionLst>
@@ -12415,6 +12417,110 @@
 </p:sld>
 </file>
 
+<file path=ppt/slides/slide15.xml><?xml version="1.0" encoding="utf-8"?>
+<p:sld xmlns:a="http://schemas.openxmlformats.org/drawingml/2006/main" xmlns:r="http://schemas.openxmlformats.org/officeDocument/2006/relationships" xmlns:p="http://schemas.openxmlformats.org/presentationml/2006/main">
+  <p:cSld>
+    <p:spTree>
+      <p:nvGrpSpPr>
+        <p:cNvPr id="1" name=""/>
+        <p:cNvGrpSpPr/>
+        <p:nvPr/>
+      </p:nvGrpSpPr>
+      <p:grpSpPr>
+        <a:xfrm>
+          <a:off x="0" y="0"/>
+          <a:ext cx="0" cy="0"/>
+          <a:chOff x="0" y="0"/>
+          <a:chExt cx="0" cy="0"/>
+        </a:xfrm>
+      </p:grpSpPr>
+      <p:sp>
+        <p:nvSpPr>
+          <p:cNvPr id="2" name="Title 1"/>
+          <p:cNvSpPr>
+            <a:spLocks noGrp="1"/>
+          </p:cNvSpPr>
+          <p:nvPr>
+            <p:ph type="title"/>
+          </p:nvPr>
+        </p:nvSpPr>
+        <p:spPr>
+          <a:xfrm>
+            <a:off x="838200" y="248446"/>
+            <a:ext cx="10515600" cy="886732"/>
+          </a:xfrm>
+        </p:spPr>
+        <p:txBody>
+          <a:bodyPr/>
+          <a:lstStyle/>
+          <a:p>
+            <a:r>
+              <a:rPr lang="en-MY">
+                <a:latin typeface="Roboto" panose="02000000000000000000" pitchFamily="2" charset="0"/>
+                <a:ea typeface="Roboto" panose="02000000000000000000" pitchFamily="2" charset="0"/>
+                <a:cs typeface="Roboto" panose="02000000000000000000" pitchFamily="2" charset="0"/>
+              </a:rPr>
+              <a:t>CodeQL Vulnerability</a:t>
+            </a:r>
+            <a:endParaRPr lang="en-MY" dirty="0">
+              <a:latin typeface="Roboto" panose="02000000000000000000" pitchFamily="2" charset="0"/>
+              <a:ea typeface="Roboto" panose="02000000000000000000" pitchFamily="2" charset="0"/>
+              <a:cs typeface="Roboto" panose="02000000000000000000" pitchFamily="2" charset="0"/>
+            </a:endParaRPr>
+          </a:p>
+        </p:txBody>
+      </p:sp>
+      <p:pic>
+        <p:nvPicPr>
+          <p:cNvPr id="14" name="Picture 13">
+            <a:extLst>
+              <a:ext uri="{FF2B5EF4-FFF2-40B4-BE49-F238E27FC236}">
+                <a16:creationId xmlns:a16="http://schemas.microsoft.com/office/drawing/2014/main" id="{15E3DCAA-E094-6095-74D2-1EEE2A01A607}"/>
+              </a:ext>
+            </a:extLst>
+          </p:cNvPr>
+          <p:cNvPicPr>
+            <a:picLocks noChangeAspect="1"/>
+          </p:cNvPicPr>
+          <p:nvPr/>
+        </p:nvPicPr>
+        <p:blipFill>
+          <a:blip r:embed="rId2"/>
+          <a:stretch>
+            <a:fillRect/>
+          </a:stretch>
+        </p:blipFill>
+        <p:spPr>
+          <a:xfrm>
+            <a:off x="1713889" y="1204602"/>
+            <a:ext cx="8764223" cy="4448796"/>
+          </a:xfrm>
+          <a:prstGeom prst="rect">
+            <a:avLst/>
+          </a:prstGeom>
+        </p:spPr>
+      </p:pic>
+    </p:spTree>
+    <p:extLst>
+      <p:ext uri="{BB962C8B-B14F-4D97-AF65-F5344CB8AC3E}">
+        <p14:creationId xmlns:p14="http://schemas.microsoft.com/office/powerpoint/2010/main" val="2915524738"/>
+      </p:ext>
+    </p:extLst>
+  </p:cSld>
+  <p:clrMapOvr>
+    <a:masterClrMapping/>
+  </p:clrMapOvr>
+  <mc:AlternateContent xmlns:mc="http://schemas.openxmlformats.org/markup-compatibility/2006" xmlns:p14="http://schemas.microsoft.com/office/powerpoint/2010/main">
+    <mc:Choice Requires="p14">
+      <p:transition p14:dur="0" advClick="0" advTm="3000"/>
+    </mc:Choice>
+    <mc:Fallback xmlns="">
+      <p:transition advClick="0" advTm="3000"/>
+    </mc:Fallback>
+  </mc:AlternateContent>
+</p:sld>
+</file>
+
 <file path=ppt/slides/slide2.xml><?xml version="1.0" encoding="utf-8"?>
 <p:sld xmlns:a="http://schemas.openxmlformats.org/drawingml/2006/main" xmlns:r="http://schemas.openxmlformats.org/officeDocument/2006/relationships" xmlns:p="http://schemas.openxmlformats.org/presentationml/2006/main">
   <p:cSld>
@@ -15208,20 +15314,12 @@
               <a:buChar char="•"/>
             </a:pPr>
             <a:r>
-              <a:rPr lang="en-US" sz="1600">
-                <a:latin typeface="Roboto Light" panose="02000000000000000000" pitchFamily="2" charset="0"/>
-                <a:ea typeface="Roboto Light" panose="02000000000000000000" pitchFamily="2" charset="0"/>
-                <a:cs typeface="Roboto Light" panose="02000000000000000000" pitchFamily="2" charset="0"/>
-              </a:rPr>
-              <a:t>Create </a:t>
-            </a:r>
-            <a:r>
               <a:rPr lang="en-US" sz="1600" dirty="0">
                 <a:latin typeface="Roboto Light" panose="02000000000000000000" pitchFamily="2" charset="0"/>
                 <a:ea typeface="Roboto Light" panose="02000000000000000000" pitchFamily="2" charset="0"/>
                 <a:cs typeface="Roboto Light" panose="02000000000000000000" pitchFamily="2" charset="0"/>
               </a:rPr>
-              <a:t>re-usable workflows for deployment steps.</a:t>
+              <a:t>Create re-usable workflows for deployment steps.</a:t>
             </a:r>
           </a:p>
           <a:p>

--- a/docs/Presentation.pptx
+++ b/docs/Presentation.pptx
@@ -5,7 +5,7 @@
     <p:sldMasterId id="2147483648" r:id="rId1"/>
   </p:sldMasterIdLst>
   <p:notesMasterIdLst>
-    <p:notesMasterId r:id="rId17"/>
+    <p:notesMasterId r:id="rId22"/>
   </p:notesMasterIdLst>
   <p:sldIdLst>
     <p:sldId id="1427" r:id="rId2"/>
@@ -22,7 +22,12 @@
     <p:sldId id="2145706417" r:id="rId13"/>
     <p:sldId id="2145706422" r:id="rId14"/>
     <p:sldId id="2145706420" r:id="rId15"/>
-    <p:sldId id="2145706423" r:id="rId16"/>
+    <p:sldId id="2145706426" r:id="rId16"/>
+    <p:sldId id="2145706428" r:id="rId17"/>
+    <p:sldId id="2145706427" r:id="rId18"/>
+    <p:sldId id="2145706423" r:id="rId19"/>
+    <p:sldId id="2145706424" r:id="rId20"/>
+    <p:sldId id="2145706425" r:id="rId21"/>
   </p:sldIdLst>
   <p:sldSz cx="12192000" cy="6858000"/>
   <p:notesSz cx="6858000" cy="9144000"/>
@@ -152,7 +157,16 @@
         <p14:section name="End" id="{D925EB76-D81A-4F35-8C08-2AD7E83350B9}">
           <p14:sldIdLst>
             <p14:sldId id="2145706420"/>
+          </p14:sldIdLst>
+        </p14:section>
+        <p14:section name="Appendix" id="{6AB41587-F8E9-40EC-AADA-5320432337F7}">
+          <p14:sldIdLst>
+            <p14:sldId id="2145706426"/>
+            <p14:sldId id="2145706428"/>
+            <p14:sldId id="2145706427"/>
             <p14:sldId id="2145706423"/>
+            <p14:sldId id="2145706424"/>
+            <p14:sldId id="2145706425"/>
           </p14:sldIdLst>
         </p14:section>
       </p14:sectionLst>
@@ -176,6 +190,5417 @@
     </p:ext>
   </p:extLst>
 </p:presentation>
+</file>
+
+<file path=ppt/diagrams/colors1.xml><?xml version="1.0" encoding="utf-8"?>
+<dgm:colorsDef xmlns:dgm="http://schemas.openxmlformats.org/drawingml/2006/diagram" xmlns:a="http://schemas.openxmlformats.org/drawingml/2006/main" uniqueId="urn:microsoft.com/office/officeart/2005/8/colors/accent1_2">
+  <dgm:title val=""/>
+  <dgm:desc val=""/>
+  <dgm:catLst>
+    <dgm:cat type="accent1" pri="11200"/>
+  </dgm:catLst>
+  <dgm:styleLbl name="node0">
+    <dgm:fillClrLst meth="repeat">
+      <a:schemeClr val="accent1"/>
+    </dgm:fillClrLst>
+    <dgm:linClrLst meth="repeat">
+      <a:schemeClr val="lt1"/>
+    </dgm:linClrLst>
+    <dgm:effectClrLst/>
+    <dgm:txLinClrLst/>
+    <dgm:txFillClrLst/>
+    <dgm:txEffectClrLst/>
+  </dgm:styleLbl>
+  <dgm:styleLbl name="alignNode1">
+    <dgm:fillClrLst meth="repeat">
+      <a:schemeClr val="accent1"/>
+    </dgm:fillClrLst>
+    <dgm:linClrLst meth="repeat">
+      <a:schemeClr val="accent1"/>
+    </dgm:linClrLst>
+    <dgm:effectClrLst/>
+    <dgm:txLinClrLst/>
+    <dgm:txFillClrLst/>
+    <dgm:txEffectClrLst/>
+  </dgm:styleLbl>
+  <dgm:styleLbl name="node1">
+    <dgm:fillClrLst meth="repeat">
+      <a:schemeClr val="accent1"/>
+    </dgm:fillClrLst>
+    <dgm:linClrLst meth="repeat">
+      <a:schemeClr val="lt1"/>
+    </dgm:linClrLst>
+    <dgm:effectClrLst/>
+    <dgm:txLinClrLst/>
+    <dgm:txFillClrLst/>
+    <dgm:txEffectClrLst/>
+  </dgm:styleLbl>
+  <dgm:styleLbl name="lnNode1">
+    <dgm:fillClrLst meth="repeat">
+      <a:schemeClr val="accent1"/>
+    </dgm:fillClrLst>
+    <dgm:linClrLst meth="repeat">
+      <a:schemeClr val="lt1"/>
+    </dgm:linClrLst>
+    <dgm:effectClrLst/>
+    <dgm:txLinClrLst/>
+    <dgm:txFillClrLst/>
+    <dgm:txEffectClrLst/>
+  </dgm:styleLbl>
+  <dgm:styleLbl name="vennNode1">
+    <dgm:fillClrLst meth="repeat">
+      <a:schemeClr val="accent1">
+        <a:alpha val="50000"/>
+      </a:schemeClr>
+    </dgm:fillClrLst>
+    <dgm:linClrLst meth="repeat">
+      <a:schemeClr val="lt1"/>
+    </dgm:linClrLst>
+    <dgm:effectClrLst/>
+    <dgm:txLinClrLst/>
+    <dgm:txFillClrLst/>
+    <dgm:txEffectClrLst/>
+  </dgm:styleLbl>
+  <dgm:styleLbl name="node2">
+    <dgm:fillClrLst meth="repeat">
+      <a:schemeClr val="accent1"/>
+    </dgm:fillClrLst>
+    <dgm:linClrLst meth="repeat">
+      <a:schemeClr val="lt1"/>
+    </dgm:linClrLst>
+    <dgm:effectClrLst/>
+    <dgm:txLinClrLst/>
+    <dgm:txFillClrLst/>
+    <dgm:txEffectClrLst/>
+  </dgm:styleLbl>
+  <dgm:styleLbl name="node3">
+    <dgm:fillClrLst meth="repeat">
+      <a:schemeClr val="accent1"/>
+    </dgm:fillClrLst>
+    <dgm:linClrLst meth="repeat">
+      <a:schemeClr val="lt1"/>
+    </dgm:linClrLst>
+    <dgm:effectClrLst/>
+    <dgm:txLinClrLst/>
+    <dgm:txFillClrLst/>
+    <dgm:txEffectClrLst/>
+  </dgm:styleLbl>
+  <dgm:styleLbl name="node4">
+    <dgm:fillClrLst meth="repeat">
+      <a:schemeClr val="accent1"/>
+    </dgm:fillClrLst>
+    <dgm:linClrLst meth="repeat">
+      <a:schemeClr val="lt1"/>
+    </dgm:linClrLst>
+    <dgm:effectClrLst/>
+    <dgm:txLinClrLst/>
+    <dgm:txFillClrLst/>
+    <dgm:txEffectClrLst/>
+  </dgm:styleLbl>
+  <dgm:styleLbl name="fgImgPlace1">
+    <dgm:fillClrLst meth="repeat">
+      <a:schemeClr val="accent1">
+        <a:tint val="50000"/>
+      </a:schemeClr>
+    </dgm:fillClrLst>
+    <dgm:linClrLst meth="repeat">
+      <a:schemeClr val="lt1"/>
+    </dgm:linClrLst>
+    <dgm:effectClrLst/>
+    <dgm:txLinClrLst/>
+    <dgm:txFillClrLst meth="repeat">
+      <a:schemeClr val="lt1"/>
+    </dgm:txFillClrLst>
+    <dgm:txEffectClrLst/>
+  </dgm:styleLbl>
+  <dgm:styleLbl name="alignImgPlace1">
+    <dgm:fillClrLst meth="repeat">
+      <a:schemeClr val="accent1">
+        <a:tint val="50000"/>
+      </a:schemeClr>
+    </dgm:fillClrLst>
+    <dgm:linClrLst meth="repeat">
+      <a:schemeClr val="lt1"/>
+    </dgm:linClrLst>
+    <dgm:effectClrLst/>
+    <dgm:txLinClrLst/>
+    <dgm:txFillClrLst meth="repeat">
+      <a:schemeClr val="lt1"/>
+    </dgm:txFillClrLst>
+    <dgm:txEffectClrLst/>
+  </dgm:styleLbl>
+  <dgm:styleLbl name="bgImgPlace1">
+    <dgm:fillClrLst meth="repeat">
+      <a:schemeClr val="accent1">
+        <a:tint val="50000"/>
+      </a:schemeClr>
+    </dgm:fillClrLst>
+    <dgm:linClrLst meth="repeat">
+      <a:schemeClr val="lt1"/>
+    </dgm:linClrLst>
+    <dgm:effectClrLst/>
+    <dgm:txLinClrLst/>
+    <dgm:txFillClrLst meth="repeat">
+      <a:schemeClr val="lt1"/>
+    </dgm:txFillClrLst>
+    <dgm:txEffectClrLst/>
+  </dgm:styleLbl>
+  <dgm:styleLbl name="sibTrans2D1">
+    <dgm:fillClrLst meth="repeat">
+      <a:schemeClr val="accent1">
+        <a:tint val="60000"/>
+      </a:schemeClr>
+    </dgm:fillClrLst>
+    <dgm:linClrLst meth="repeat">
+      <a:schemeClr val="accent1">
+        <a:tint val="60000"/>
+      </a:schemeClr>
+    </dgm:linClrLst>
+    <dgm:effectClrLst/>
+    <dgm:txLinClrLst/>
+    <dgm:txFillClrLst/>
+    <dgm:txEffectClrLst/>
+  </dgm:styleLbl>
+  <dgm:styleLbl name="fgSibTrans2D1">
+    <dgm:fillClrLst meth="repeat">
+      <a:schemeClr val="accent1">
+        <a:tint val="60000"/>
+      </a:schemeClr>
+    </dgm:fillClrLst>
+    <dgm:linClrLst meth="repeat">
+      <a:schemeClr val="accent1">
+        <a:tint val="60000"/>
+      </a:schemeClr>
+    </dgm:linClrLst>
+    <dgm:effectClrLst/>
+    <dgm:txLinClrLst/>
+    <dgm:txFillClrLst/>
+    <dgm:txEffectClrLst/>
+  </dgm:styleLbl>
+  <dgm:styleLbl name="bgSibTrans2D1">
+    <dgm:fillClrLst meth="repeat">
+      <a:schemeClr val="accent1">
+        <a:tint val="60000"/>
+      </a:schemeClr>
+    </dgm:fillClrLst>
+    <dgm:linClrLst meth="repeat">
+      <a:schemeClr val="accent1">
+        <a:tint val="60000"/>
+      </a:schemeClr>
+    </dgm:linClrLst>
+    <dgm:effectClrLst/>
+    <dgm:txLinClrLst/>
+    <dgm:txFillClrLst/>
+    <dgm:txEffectClrLst/>
+  </dgm:styleLbl>
+  <dgm:styleLbl name="sibTrans1D1">
+    <dgm:fillClrLst meth="repeat">
+      <a:schemeClr val="accent1"/>
+    </dgm:fillClrLst>
+    <dgm:linClrLst meth="repeat">
+      <a:schemeClr val="accent1"/>
+    </dgm:linClrLst>
+    <dgm:effectClrLst/>
+    <dgm:txLinClrLst/>
+    <dgm:txFillClrLst meth="repeat">
+      <a:schemeClr val="tx1"/>
+    </dgm:txFillClrLst>
+    <dgm:txEffectClrLst/>
+  </dgm:styleLbl>
+  <dgm:styleLbl name="callout">
+    <dgm:fillClrLst meth="repeat">
+      <a:schemeClr val="accent1"/>
+    </dgm:fillClrLst>
+    <dgm:linClrLst meth="repeat">
+      <a:schemeClr val="accent1">
+        <a:tint val="50000"/>
+      </a:schemeClr>
+    </dgm:linClrLst>
+    <dgm:effectClrLst/>
+    <dgm:txLinClrLst/>
+    <dgm:txFillClrLst meth="repeat">
+      <a:schemeClr val="tx1"/>
+    </dgm:txFillClrLst>
+    <dgm:txEffectClrLst/>
+  </dgm:styleLbl>
+  <dgm:styleLbl name="asst0">
+    <dgm:fillClrLst meth="repeat">
+      <a:schemeClr val="accent1"/>
+    </dgm:fillClrLst>
+    <dgm:linClrLst meth="repeat">
+      <a:schemeClr val="lt1"/>
+    </dgm:linClrLst>
+    <dgm:effectClrLst/>
+    <dgm:txLinClrLst/>
+    <dgm:txFillClrLst/>
+    <dgm:txEffectClrLst/>
+  </dgm:styleLbl>
+  <dgm:styleLbl name="asst1">
+    <dgm:fillClrLst meth="repeat">
+      <a:schemeClr val="accent1"/>
+    </dgm:fillClrLst>
+    <dgm:linClrLst meth="repeat">
+      <a:schemeClr val="lt1"/>
+    </dgm:linClrLst>
+    <dgm:effectClrLst/>
+    <dgm:txLinClrLst/>
+    <dgm:txFillClrLst/>
+    <dgm:txEffectClrLst/>
+  </dgm:styleLbl>
+  <dgm:styleLbl name="asst2">
+    <dgm:fillClrLst meth="repeat">
+      <a:schemeClr val="accent1"/>
+    </dgm:fillClrLst>
+    <dgm:linClrLst meth="repeat">
+      <a:schemeClr val="lt1"/>
+    </dgm:linClrLst>
+    <dgm:effectClrLst/>
+    <dgm:txLinClrLst/>
+    <dgm:txFillClrLst/>
+    <dgm:txEffectClrLst/>
+  </dgm:styleLbl>
+  <dgm:styleLbl name="asst3">
+    <dgm:fillClrLst meth="repeat">
+      <a:schemeClr val="accent1"/>
+    </dgm:fillClrLst>
+    <dgm:linClrLst meth="repeat">
+      <a:schemeClr val="lt1"/>
+    </dgm:linClrLst>
+    <dgm:effectClrLst/>
+    <dgm:txLinClrLst/>
+    <dgm:txFillClrLst/>
+    <dgm:txEffectClrLst/>
+  </dgm:styleLbl>
+  <dgm:styleLbl name="asst4">
+    <dgm:fillClrLst meth="repeat">
+      <a:schemeClr val="accent1"/>
+    </dgm:fillClrLst>
+    <dgm:linClrLst meth="repeat">
+      <a:schemeClr val="lt1"/>
+    </dgm:linClrLst>
+    <dgm:effectClrLst/>
+    <dgm:txLinClrLst/>
+    <dgm:txFillClrLst/>
+    <dgm:txEffectClrLst/>
+  </dgm:styleLbl>
+  <dgm:styleLbl name="parChTrans2D1">
+    <dgm:fillClrLst meth="repeat">
+      <a:schemeClr val="accent1">
+        <a:tint val="60000"/>
+      </a:schemeClr>
+    </dgm:fillClrLst>
+    <dgm:linClrLst meth="repeat">
+      <a:schemeClr val="accent1">
+        <a:tint val="60000"/>
+      </a:schemeClr>
+    </dgm:linClrLst>
+    <dgm:effectClrLst/>
+    <dgm:txLinClrLst/>
+    <dgm:txFillClrLst meth="repeat">
+      <a:schemeClr val="lt1"/>
+    </dgm:txFillClrLst>
+    <dgm:txEffectClrLst/>
+  </dgm:styleLbl>
+  <dgm:styleLbl name="parChTrans2D2">
+    <dgm:fillClrLst meth="repeat">
+      <a:schemeClr val="accent1"/>
+    </dgm:fillClrLst>
+    <dgm:linClrLst meth="repeat">
+      <a:schemeClr val="accent1"/>
+    </dgm:linClrLst>
+    <dgm:effectClrLst/>
+    <dgm:txLinClrLst/>
+    <dgm:txFillClrLst meth="repeat">
+      <a:schemeClr val="lt1"/>
+    </dgm:txFillClrLst>
+    <dgm:txEffectClrLst/>
+  </dgm:styleLbl>
+  <dgm:styleLbl name="parChTrans2D3">
+    <dgm:fillClrLst meth="repeat">
+      <a:schemeClr val="accent1"/>
+    </dgm:fillClrLst>
+    <dgm:linClrLst meth="repeat">
+      <a:schemeClr val="accent1"/>
+    </dgm:linClrLst>
+    <dgm:effectClrLst/>
+    <dgm:txLinClrLst/>
+    <dgm:txFillClrLst meth="repeat">
+      <a:schemeClr val="lt1"/>
+    </dgm:txFillClrLst>
+    <dgm:txEffectClrLst/>
+  </dgm:styleLbl>
+  <dgm:styleLbl name="parChTrans2D4">
+    <dgm:fillClrLst meth="repeat">
+      <a:schemeClr val="accent1"/>
+    </dgm:fillClrLst>
+    <dgm:linClrLst meth="repeat">
+      <a:schemeClr val="accent1"/>
+    </dgm:linClrLst>
+    <dgm:effectClrLst/>
+    <dgm:txLinClrLst/>
+    <dgm:txFillClrLst meth="repeat">
+      <a:schemeClr val="lt1"/>
+    </dgm:txFillClrLst>
+    <dgm:txEffectClrLst/>
+  </dgm:styleLbl>
+  <dgm:styleLbl name="parChTrans1D1">
+    <dgm:fillClrLst meth="repeat">
+      <a:schemeClr val="accent1"/>
+    </dgm:fillClrLst>
+    <dgm:linClrLst meth="repeat">
+      <a:schemeClr val="accent1">
+        <a:shade val="60000"/>
+      </a:schemeClr>
+    </dgm:linClrLst>
+    <dgm:effectClrLst/>
+    <dgm:txLinClrLst/>
+    <dgm:txFillClrLst meth="repeat">
+      <a:schemeClr val="tx1"/>
+    </dgm:txFillClrLst>
+    <dgm:txEffectClrLst/>
+  </dgm:styleLbl>
+  <dgm:styleLbl name="parChTrans1D2">
+    <dgm:fillClrLst meth="repeat">
+      <a:schemeClr val="accent1"/>
+    </dgm:fillClrLst>
+    <dgm:linClrLst meth="repeat">
+      <a:schemeClr val="accent1">
+        <a:shade val="60000"/>
+      </a:schemeClr>
+    </dgm:linClrLst>
+    <dgm:effectClrLst/>
+    <dgm:txLinClrLst/>
+    <dgm:txFillClrLst meth="repeat">
+      <a:schemeClr val="tx1"/>
+    </dgm:txFillClrLst>
+    <dgm:txEffectClrLst/>
+  </dgm:styleLbl>
+  <dgm:styleLbl name="parChTrans1D3">
+    <dgm:fillClrLst meth="repeat">
+      <a:schemeClr val="accent1"/>
+    </dgm:fillClrLst>
+    <dgm:linClrLst meth="repeat">
+      <a:schemeClr val="accent1">
+        <a:shade val="80000"/>
+      </a:schemeClr>
+    </dgm:linClrLst>
+    <dgm:effectClrLst/>
+    <dgm:txLinClrLst/>
+    <dgm:txFillClrLst meth="repeat">
+      <a:schemeClr val="tx1"/>
+    </dgm:txFillClrLst>
+    <dgm:txEffectClrLst/>
+  </dgm:styleLbl>
+  <dgm:styleLbl name="parChTrans1D4">
+    <dgm:fillClrLst meth="repeat">
+      <a:schemeClr val="accent1"/>
+    </dgm:fillClrLst>
+    <dgm:linClrLst meth="repeat">
+      <a:schemeClr val="accent1">
+        <a:shade val="80000"/>
+      </a:schemeClr>
+    </dgm:linClrLst>
+    <dgm:effectClrLst/>
+    <dgm:txLinClrLst/>
+    <dgm:txFillClrLst meth="repeat">
+      <a:schemeClr val="tx1"/>
+    </dgm:txFillClrLst>
+    <dgm:txEffectClrLst/>
+  </dgm:styleLbl>
+  <dgm:styleLbl name="fgAcc1">
+    <dgm:fillClrLst meth="repeat">
+      <a:schemeClr val="lt1">
+        <a:alpha val="90000"/>
+      </a:schemeClr>
+    </dgm:fillClrLst>
+    <dgm:linClrLst meth="repeat">
+      <a:schemeClr val="accent1"/>
+    </dgm:linClrLst>
+    <dgm:effectClrLst/>
+    <dgm:txLinClrLst/>
+    <dgm:txFillClrLst meth="repeat">
+      <a:schemeClr val="dk1"/>
+    </dgm:txFillClrLst>
+    <dgm:txEffectClrLst/>
+  </dgm:styleLbl>
+  <dgm:styleLbl name="conFgAcc1">
+    <dgm:fillClrLst meth="repeat">
+      <a:schemeClr val="lt1">
+        <a:alpha val="90000"/>
+      </a:schemeClr>
+    </dgm:fillClrLst>
+    <dgm:linClrLst meth="repeat">
+      <a:schemeClr val="accent1"/>
+    </dgm:linClrLst>
+    <dgm:effectClrLst/>
+    <dgm:txLinClrLst/>
+    <dgm:txFillClrLst meth="repeat">
+      <a:schemeClr val="dk1"/>
+    </dgm:txFillClrLst>
+    <dgm:txEffectClrLst/>
+  </dgm:styleLbl>
+  <dgm:styleLbl name="alignAcc1">
+    <dgm:fillClrLst meth="repeat">
+      <a:schemeClr val="lt1">
+        <a:alpha val="90000"/>
+      </a:schemeClr>
+    </dgm:fillClrLst>
+    <dgm:linClrLst meth="repeat">
+      <a:schemeClr val="accent1"/>
+    </dgm:linClrLst>
+    <dgm:effectClrLst/>
+    <dgm:txLinClrLst/>
+    <dgm:txFillClrLst meth="repeat">
+      <a:schemeClr val="dk1"/>
+    </dgm:txFillClrLst>
+    <dgm:txEffectClrLst/>
+  </dgm:styleLbl>
+  <dgm:styleLbl name="trAlignAcc1">
+    <dgm:fillClrLst meth="repeat">
+      <a:schemeClr val="lt1">
+        <a:alpha val="40000"/>
+      </a:schemeClr>
+    </dgm:fillClrLst>
+    <dgm:linClrLst meth="repeat">
+      <a:schemeClr val="accent1"/>
+    </dgm:linClrLst>
+    <dgm:effectClrLst/>
+    <dgm:txLinClrLst/>
+    <dgm:txFillClrLst meth="repeat">
+      <a:schemeClr val="dk1"/>
+    </dgm:txFillClrLst>
+    <dgm:txEffectClrLst/>
+  </dgm:styleLbl>
+  <dgm:styleLbl name="bgAcc1">
+    <dgm:fillClrLst meth="repeat">
+      <a:schemeClr val="lt1">
+        <a:alpha val="90000"/>
+      </a:schemeClr>
+    </dgm:fillClrLst>
+    <dgm:linClrLst meth="repeat">
+      <a:schemeClr val="accent1"/>
+    </dgm:linClrLst>
+    <dgm:effectClrLst/>
+    <dgm:txLinClrLst/>
+    <dgm:txFillClrLst meth="repeat">
+      <a:schemeClr val="dk1"/>
+    </dgm:txFillClrLst>
+    <dgm:txEffectClrLst/>
+  </dgm:styleLbl>
+  <dgm:styleLbl name="solidFgAcc1">
+    <dgm:fillClrLst meth="repeat">
+      <a:schemeClr val="lt1"/>
+    </dgm:fillClrLst>
+    <dgm:linClrLst meth="repeat">
+      <a:schemeClr val="accent1"/>
+    </dgm:linClrLst>
+    <dgm:effectClrLst/>
+    <dgm:txLinClrLst/>
+    <dgm:txFillClrLst meth="repeat">
+      <a:schemeClr val="dk1"/>
+    </dgm:txFillClrLst>
+    <dgm:txEffectClrLst/>
+  </dgm:styleLbl>
+  <dgm:styleLbl name="solidAlignAcc1">
+    <dgm:fillClrLst meth="repeat">
+      <a:schemeClr val="lt1"/>
+    </dgm:fillClrLst>
+    <dgm:linClrLst meth="repeat">
+      <a:schemeClr val="accent1"/>
+    </dgm:linClrLst>
+    <dgm:effectClrLst/>
+    <dgm:txLinClrLst/>
+    <dgm:txFillClrLst meth="repeat">
+      <a:schemeClr val="dk1"/>
+    </dgm:txFillClrLst>
+    <dgm:txEffectClrLst/>
+  </dgm:styleLbl>
+  <dgm:styleLbl name="solidBgAcc1">
+    <dgm:fillClrLst meth="repeat">
+      <a:schemeClr val="lt1"/>
+    </dgm:fillClrLst>
+    <dgm:linClrLst meth="repeat">
+      <a:schemeClr val="accent1"/>
+    </dgm:linClrLst>
+    <dgm:effectClrLst/>
+    <dgm:txLinClrLst/>
+    <dgm:txFillClrLst meth="repeat">
+      <a:schemeClr val="dk1"/>
+    </dgm:txFillClrLst>
+    <dgm:txEffectClrLst/>
+  </dgm:styleLbl>
+  <dgm:styleLbl name="fgAccFollowNode1">
+    <dgm:fillClrLst meth="repeat">
+      <a:schemeClr val="accent1">
+        <a:alpha val="90000"/>
+        <a:tint val="40000"/>
+      </a:schemeClr>
+    </dgm:fillClrLst>
+    <dgm:linClrLst meth="repeat">
+      <a:schemeClr val="accent1">
+        <a:alpha val="90000"/>
+        <a:tint val="40000"/>
+      </a:schemeClr>
+    </dgm:linClrLst>
+    <dgm:effectClrLst/>
+    <dgm:txLinClrLst/>
+    <dgm:txFillClrLst meth="repeat">
+      <a:schemeClr val="dk1"/>
+    </dgm:txFillClrLst>
+    <dgm:txEffectClrLst/>
+  </dgm:styleLbl>
+  <dgm:styleLbl name="alignAccFollowNode1">
+    <dgm:fillClrLst meth="repeat">
+      <a:schemeClr val="accent1">
+        <a:alpha val="90000"/>
+        <a:tint val="40000"/>
+      </a:schemeClr>
+    </dgm:fillClrLst>
+    <dgm:linClrLst meth="repeat">
+      <a:schemeClr val="accent1">
+        <a:alpha val="90000"/>
+        <a:tint val="40000"/>
+      </a:schemeClr>
+    </dgm:linClrLst>
+    <dgm:effectClrLst/>
+    <dgm:txLinClrLst/>
+    <dgm:txFillClrLst meth="repeat">
+      <a:schemeClr val="dk1"/>
+    </dgm:txFillClrLst>
+    <dgm:txEffectClrLst/>
+  </dgm:styleLbl>
+  <dgm:styleLbl name="bgAccFollowNode1">
+    <dgm:fillClrLst meth="repeat">
+      <a:schemeClr val="accent1">
+        <a:alpha val="90000"/>
+        <a:tint val="40000"/>
+      </a:schemeClr>
+    </dgm:fillClrLst>
+    <dgm:linClrLst meth="repeat">
+      <a:schemeClr val="accent1">
+        <a:alpha val="90000"/>
+        <a:tint val="40000"/>
+      </a:schemeClr>
+    </dgm:linClrLst>
+    <dgm:effectClrLst/>
+    <dgm:txLinClrLst/>
+    <dgm:txFillClrLst meth="repeat">
+      <a:schemeClr val="dk1"/>
+    </dgm:txFillClrLst>
+    <dgm:txEffectClrLst/>
+  </dgm:styleLbl>
+  <dgm:styleLbl name="fgAcc0">
+    <dgm:fillClrLst meth="repeat">
+      <a:schemeClr val="lt1">
+        <a:alpha val="90000"/>
+      </a:schemeClr>
+    </dgm:fillClrLst>
+    <dgm:linClrLst meth="repeat">
+      <a:schemeClr val="accent1"/>
+    </dgm:linClrLst>
+    <dgm:effectClrLst/>
+    <dgm:txLinClrLst/>
+    <dgm:txFillClrLst meth="repeat">
+      <a:schemeClr val="dk1"/>
+    </dgm:txFillClrLst>
+    <dgm:txEffectClrLst/>
+  </dgm:styleLbl>
+  <dgm:styleLbl name="fgAcc2">
+    <dgm:fillClrLst meth="repeat">
+      <a:schemeClr val="lt1">
+        <a:alpha val="90000"/>
+      </a:schemeClr>
+    </dgm:fillClrLst>
+    <dgm:linClrLst meth="repeat">
+      <a:schemeClr val="accent1"/>
+    </dgm:linClrLst>
+    <dgm:effectClrLst/>
+    <dgm:txLinClrLst/>
+    <dgm:txFillClrLst meth="repeat">
+      <a:schemeClr val="dk1"/>
+    </dgm:txFillClrLst>
+    <dgm:txEffectClrLst/>
+  </dgm:styleLbl>
+  <dgm:styleLbl name="fgAcc3">
+    <dgm:fillClrLst meth="repeat">
+      <a:schemeClr val="lt1">
+        <a:alpha val="90000"/>
+      </a:schemeClr>
+    </dgm:fillClrLst>
+    <dgm:linClrLst meth="repeat">
+      <a:schemeClr val="accent1"/>
+    </dgm:linClrLst>
+    <dgm:effectClrLst/>
+    <dgm:txLinClrLst/>
+    <dgm:txFillClrLst meth="repeat">
+      <a:schemeClr val="dk1"/>
+    </dgm:txFillClrLst>
+    <dgm:txEffectClrLst/>
+  </dgm:styleLbl>
+  <dgm:styleLbl name="fgAcc4">
+    <dgm:fillClrLst meth="repeat">
+      <a:schemeClr val="lt1">
+        <a:alpha val="90000"/>
+      </a:schemeClr>
+    </dgm:fillClrLst>
+    <dgm:linClrLst meth="repeat">
+      <a:schemeClr val="accent1"/>
+    </dgm:linClrLst>
+    <dgm:effectClrLst/>
+    <dgm:txLinClrLst/>
+    <dgm:txFillClrLst meth="repeat">
+      <a:schemeClr val="dk1"/>
+    </dgm:txFillClrLst>
+    <dgm:txEffectClrLst/>
+  </dgm:styleLbl>
+  <dgm:styleLbl name="bgShp">
+    <dgm:fillClrLst meth="repeat">
+      <a:schemeClr val="accent1">
+        <a:tint val="40000"/>
+      </a:schemeClr>
+    </dgm:fillClrLst>
+    <dgm:linClrLst meth="repeat">
+      <a:schemeClr val="accent1"/>
+    </dgm:linClrLst>
+    <dgm:effectClrLst/>
+    <dgm:txLinClrLst/>
+    <dgm:txFillClrLst meth="repeat">
+      <a:schemeClr val="dk1"/>
+    </dgm:txFillClrLst>
+    <dgm:txEffectClrLst/>
+  </dgm:styleLbl>
+  <dgm:styleLbl name="dkBgShp">
+    <dgm:fillClrLst meth="repeat">
+      <a:schemeClr val="accent1">
+        <a:shade val="80000"/>
+      </a:schemeClr>
+    </dgm:fillClrLst>
+    <dgm:linClrLst meth="repeat">
+      <a:schemeClr val="accent1"/>
+    </dgm:linClrLst>
+    <dgm:effectClrLst/>
+    <dgm:txLinClrLst/>
+    <dgm:txFillClrLst meth="repeat">
+      <a:schemeClr val="lt1"/>
+    </dgm:txFillClrLst>
+    <dgm:txEffectClrLst/>
+  </dgm:styleLbl>
+  <dgm:styleLbl name="trBgShp">
+    <dgm:fillClrLst meth="repeat">
+      <a:schemeClr val="accent1">
+        <a:tint val="50000"/>
+        <a:alpha val="40000"/>
+      </a:schemeClr>
+    </dgm:fillClrLst>
+    <dgm:linClrLst meth="repeat">
+      <a:schemeClr val="accent1"/>
+    </dgm:linClrLst>
+    <dgm:effectClrLst/>
+    <dgm:txLinClrLst/>
+    <dgm:txFillClrLst meth="repeat">
+      <a:schemeClr val="lt1"/>
+    </dgm:txFillClrLst>
+    <dgm:txEffectClrLst/>
+  </dgm:styleLbl>
+  <dgm:styleLbl name="fgShp">
+    <dgm:fillClrLst meth="repeat">
+      <a:schemeClr val="accent1">
+        <a:tint val="60000"/>
+      </a:schemeClr>
+    </dgm:fillClrLst>
+    <dgm:linClrLst meth="repeat">
+      <a:schemeClr val="lt1"/>
+    </dgm:linClrLst>
+    <dgm:effectClrLst/>
+    <dgm:txLinClrLst/>
+    <dgm:txFillClrLst meth="repeat">
+      <a:schemeClr val="dk1"/>
+    </dgm:txFillClrLst>
+    <dgm:txEffectClrLst/>
+  </dgm:styleLbl>
+  <dgm:styleLbl name="revTx">
+    <dgm:fillClrLst meth="repeat">
+      <a:schemeClr val="lt1">
+        <a:alpha val="0"/>
+      </a:schemeClr>
+    </dgm:fillClrLst>
+    <dgm:linClrLst meth="repeat">
+      <a:schemeClr val="dk1">
+        <a:alpha val="0"/>
+      </a:schemeClr>
+    </dgm:linClrLst>
+    <dgm:effectClrLst/>
+    <dgm:txLinClrLst/>
+    <dgm:txFillClrLst meth="repeat">
+      <a:schemeClr val="tx1"/>
+    </dgm:txFillClrLst>
+    <dgm:txEffectClrLst/>
+  </dgm:styleLbl>
+</dgm:colorsDef>
+</file>
+
+<file path=ppt/diagrams/data1.xml><?xml version="1.0" encoding="utf-8"?>
+<dgm:dataModel xmlns:dgm="http://schemas.openxmlformats.org/drawingml/2006/diagram" xmlns:a="http://schemas.openxmlformats.org/drawingml/2006/main">
+  <dgm:ptLst>
+    <dgm:pt modelId="{467AD752-00E0-4A2A-86D9-14C314EB5973}" type="doc">
+      <dgm:prSet loTypeId="urn:microsoft.com/office/officeart/2005/8/layout/lProcess3" loCatId="process" qsTypeId="urn:microsoft.com/office/officeart/2005/8/quickstyle/simple1" qsCatId="simple" csTypeId="urn:microsoft.com/office/officeart/2005/8/colors/accent1_2" csCatId="accent1" phldr="1"/>
+      <dgm:spPr/>
+      <dgm:t>
+        <a:bodyPr/>
+        <a:lstStyle/>
+        <a:p>
+          <a:endParaRPr lang="en-US"/>
+        </a:p>
+      </dgm:t>
+    </dgm:pt>
+    <dgm:pt modelId="{16966702-5310-4199-8D6D-F1FB8233CFDB}">
+      <dgm:prSet/>
+      <dgm:spPr/>
+      <dgm:t>
+        <a:bodyPr/>
+        <a:lstStyle/>
+        <a:p>
+          <a:r>
+            <a:rPr lang="en-US" dirty="0"/>
+            <a:t>Develop</a:t>
+          </a:r>
+        </a:p>
+      </dgm:t>
+    </dgm:pt>
+    <dgm:pt modelId="{F65170B9-0D63-4BF3-A10E-CB0DEA681240}" type="parTrans" cxnId="{F2C673A1-4212-474D-9768-18AAEEDB19D9}">
+      <dgm:prSet/>
+      <dgm:spPr/>
+      <dgm:t>
+        <a:bodyPr/>
+        <a:lstStyle/>
+        <a:p>
+          <a:endParaRPr lang="en-US"/>
+        </a:p>
+      </dgm:t>
+    </dgm:pt>
+    <dgm:pt modelId="{8407C39E-D130-43B4-B7F3-C8E0601D0505}" type="sibTrans" cxnId="{F2C673A1-4212-474D-9768-18AAEEDB19D9}">
+      <dgm:prSet/>
+      <dgm:spPr/>
+      <dgm:t>
+        <a:bodyPr/>
+        <a:lstStyle/>
+        <a:p>
+          <a:endParaRPr lang="en-US"/>
+        </a:p>
+      </dgm:t>
+    </dgm:pt>
+    <dgm:pt modelId="{46C79969-4621-4C9F-A847-4AA19B3DEB9B}">
+      <dgm:prSet/>
+      <dgm:spPr/>
+      <dgm:t>
+        <a:bodyPr/>
+        <a:lstStyle/>
+        <a:p>
+          <a:r>
+            <a:rPr lang="en-US" dirty="0"/>
+            <a:t>Build</a:t>
+          </a:r>
+        </a:p>
+      </dgm:t>
+    </dgm:pt>
+    <dgm:pt modelId="{98A1C1DA-7CDA-4647-95AA-0CF6775EB289}" type="parTrans" cxnId="{A3C46CF1-613B-49B0-B21B-E1D5B6E54CE5}">
+      <dgm:prSet/>
+      <dgm:spPr/>
+      <dgm:t>
+        <a:bodyPr/>
+        <a:lstStyle/>
+        <a:p>
+          <a:endParaRPr lang="en-US"/>
+        </a:p>
+      </dgm:t>
+    </dgm:pt>
+    <dgm:pt modelId="{45A04491-658D-4F9A-ADA4-A94E11F22BB0}" type="sibTrans" cxnId="{A3C46CF1-613B-49B0-B21B-E1D5B6E54CE5}">
+      <dgm:prSet/>
+      <dgm:spPr/>
+      <dgm:t>
+        <a:bodyPr/>
+        <a:lstStyle/>
+        <a:p>
+          <a:endParaRPr lang="en-US"/>
+        </a:p>
+      </dgm:t>
+    </dgm:pt>
+    <dgm:pt modelId="{1043BEA7-E632-4A82-B4A1-9DAE56EAFE1B}">
+      <dgm:prSet/>
+      <dgm:spPr/>
+      <dgm:t>
+        <a:bodyPr/>
+        <a:lstStyle/>
+        <a:p>
+          <a:r>
+            <a:rPr lang="en-US" dirty="0"/>
+            <a:t>Deploy (Prod)</a:t>
+          </a:r>
+        </a:p>
+      </dgm:t>
+    </dgm:pt>
+    <dgm:pt modelId="{F6F8B4C9-0148-4FC5-8939-44D04981DBDC}" type="parTrans" cxnId="{3E0A9273-806C-4E53-AB68-233AC3505F90}">
+      <dgm:prSet/>
+      <dgm:spPr/>
+      <dgm:t>
+        <a:bodyPr/>
+        <a:lstStyle/>
+        <a:p>
+          <a:endParaRPr lang="en-US"/>
+        </a:p>
+      </dgm:t>
+    </dgm:pt>
+    <dgm:pt modelId="{B5534054-0AAF-46F6-B490-40395073C357}" type="sibTrans" cxnId="{3E0A9273-806C-4E53-AB68-233AC3505F90}">
+      <dgm:prSet/>
+      <dgm:spPr/>
+      <dgm:t>
+        <a:bodyPr/>
+        <a:lstStyle/>
+        <a:p>
+          <a:endParaRPr lang="en-US"/>
+        </a:p>
+      </dgm:t>
+    </dgm:pt>
+    <dgm:pt modelId="{1B020DFF-1C71-477C-96AB-4E23A81C5C38}">
+      <dgm:prSet/>
+      <dgm:spPr/>
+      <dgm:t>
+        <a:bodyPr/>
+        <a:lstStyle/>
+        <a:p>
+          <a:r>
+            <a:rPr lang="en-US" dirty="0"/>
+            <a:t>Use Built in IDE Tools</a:t>
+          </a:r>
+        </a:p>
+      </dgm:t>
+    </dgm:pt>
+    <dgm:pt modelId="{4F1F8974-C6AF-4EE7-9281-C5F256852A99}" type="parTrans" cxnId="{0DF34BF5-4A4B-481B-9837-BA7BD41FD58B}">
+      <dgm:prSet/>
+      <dgm:spPr/>
+      <dgm:t>
+        <a:bodyPr/>
+        <a:lstStyle/>
+        <a:p>
+          <a:endParaRPr lang="en-US"/>
+        </a:p>
+      </dgm:t>
+    </dgm:pt>
+    <dgm:pt modelId="{E0A28568-16CC-435D-AC35-6175F5644047}" type="sibTrans" cxnId="{0DF34BF5-4A4B-481B-9837-BA7BD41FD58B}">
+      <dgm:prSet/>
+      <dgm:spPr/>
+      <dgm:t>
+        <a:bodyPr/>
+        <a:lstStyle/>
+        <a:p>
+          <a:endParaRPr lang="en-US"/>
+        </a:p>
+      </dgm:t>
+    </dgm:pt>
+    <dgm:pt modelId="{5F4DC8D0-DCD7-4457-9ADF-79A56AFA435E}">
+      <dgm:prSet/>
+      <dgm:spPr/>
+      <dgm:t>
+        <a:bodyPr/>
+        <a:lstStyle/>
+        <a:p>
+          <a:r>
+            <a:rPr lang="en-US" dirty="0"/>
+            <a:t>Compliance Gates</a:t>
+          </a:r>
+        </a:p>
+      </dgm:t>
+    </dgm:pt>
+    <dgm:pt modelId="{AE3EA591-2B00-4832-A997-93B5C780463D}" type="parTrans" cxnId="{6B6906A6-9694-4B7C-BA80-D7A65ED1920B}">
+      <dgm:prSet/>
+      <dgm:spPr/>
+      <dgm:t>
+        <a:bodyPr/>
+        <a:lstStyle/>
+        <a:p>
+          <a:endParaRPr lang="en-US"/>
+        </a:p>
+      </dgm:t>
+    </dgm:pt>
+    <dgm:pt modelId="{C8DE4A6C-1880-43D2-9719-0235087EF04C}" type="sibTrans" cxnId="{6B6906A6-9694-4B7C-BA80-D7A65ED1920B}">
+      <dgm:prSet/>
+      <dgm:spPr/>
+      <dgm:t>
+        <a:bodyPr/>
+        <a:lstStyle/>
+        <a:p>
+          <a:endParaRPr lang="en-US"/>
+        </a:p>
+      </dgm:t>
+    </dgm:pt>
+    <dgm:pt modelId="{7157A09D-1D5B-4775-95EC-4E5177DE5916}">
+      <dgm:prSet/>
+      <dgm:spPr/>
+      <dgm:t>
+        <a:bodyPr/>
+        <a:lstStyle/>
+        <a:p>
+          <a:r>
+            <a:rPr lang="en-US" dirty="0"/>
+            <a:t>Change Management</a:t>
+          </a:r>
+        </a:p>
+      </dgm:t>
+    </dgm:pt>
+    <dgm:pt modelId="{80D9970B-7066-4499-93B8-925A62447316}" type="parTrans" cxnId="{B1A79D0C-6178-49AB-A813-C69796495129}">
+      <dgm:prSet/>
+      <dgm:spPr/>
+      <dgm:t>
+        <a:bodyPr/>
+        <a:lstStyle/>
+        <a:p>
+          <a:endParaRPr lang="en-US"/>
+        </a:p>
+      </dgm:t>
+    </dgm:pt>
+    <dgm:pt modelId="{C50CEA60-C206-4717-B654-0A3FF5DBE626}" type="sibTrans" cxnId="{B1A79D0C-6178-49AB-A813-C69796495129}">
+      <dgm:prSet/>
+      <dgm:spPr/>
+      <dgm:t>
+        <a:bodyPr/>
+        <a:lstStyle/>
+        <a:p>
+          <a:endParaRPr lang="en-US"/>
+        </a:p>
+      </dgm:t>
+    </dgm:pt>
+    <dgm:pt modelId="{A75A2C92-319C-4A28-A82D-A27BC9326430}">
+      <dgm:prSet/>
+      <dgm:spPr/>
+      <dgm:t>
+        <a:bodyPr/>
+        <a:lstStyle/>
+        <a:p>
+          <a:r>
+            <a:rPr lang="en-US" dirty="0"/>
+            <a:t>Operate</a:t>
+          </a:r>
+        </a:p>
+      </dgm:t>
+    </dgm:pt>
+    <dgm:pt modelId="{3CCD6940-F443-4C28-B66F-C9F79A6CEF50}" type="parTrans" cxnId="{4CE6BF93-CB6F-4C50-A1A3-D8FFABCC3A51}">
+      <dgm:prSet/>
+      <dgm:spPr/>
+      <dgm:t>
+        <a:bodyPr/>
+        <a:lstStyle/>
+        <a:p>
+          <a:endParaRPr lang="en-US"/>
+        </a:p>
+      </dgm:t>
+    </dgm:pt>
+    <dgm:pt modelId="{79B88D78-0120-4F8E-B9C0-0628974D5C55}" type="sibTrans" cxnId="{4CE6BF93-CB6F-4C50-A1A3-D8FFABCC3A51}">
+      <dgm:prSet/>
+      <dgm:spPr/>
+      <dgm:t>
+        <a:bodyPr/>
+        <a:lstStyle/>
+        <a:p>
+          <a:endParaRPr lang="en-US"/>
+        </a:p>
+      </dgm:t>
+    </dgm:pt>
+    <dgm:pt modelId="{84C342D9-A923-4A32-9CC4-36DD499ADB39}">
+      <dgm:prSet/>
+      <dgm:spPr/>
+      <dgm:t>
+        <a:bodyPr/>
+        <a:lstStyle/>
+        <a:p>
+          <a:r>
+            <a:rPr lang="en-US" dirty="0"/>
+            <a:t>Deploy (Non-Prod)</a:t>
+          </a:r>
+        </a:p>
+      </dgm:t>
+    </dgm:pt>
+    <dgm:pt modelId="{BEFAACB1-F398-400D-A6CE-5742FEC77FBE}" type="parTrans" cxnId="{DB723AF1-2102-451B-9576-EA05D5A4803F}">
+      <dgm:prSet/>
+      <dgm:spPr/>
+      <dgm:t>
+        <a:bodyPr/>
+        <a:lstStyle/>
+        <a:p>
+          <a:endParaRPr lang="en-US"/>
+        </a:p>
+      </dgm:t>
+    </dgm:pt>
+    <dgm:pt modelId="{C9DED67F-19BD-49A7-993F-9D9BA492DA19}" type="sibTrans" cxnId="{DB723AF1-2102-451B-9576-EA05D5A4803F}">
+      <dgm:prSet/>
+      <dgm:spPr/>
+      <dgm:t>
+        <a:bodyPr/>
+        <a:lstStyle/>
+        <a:p>
+          <a:endParaRPr lang="en-US"/>
+        </a:p>
+      </dgm:t>
+    </dgm:pt>
+    <dgm:pt modelId="{D4D34515-66E9-4CE4-8FB2-E724883D30CC}">
+      <dgm:prSet/>
+      <dgm:spPr/>
+      <dgm:t>
+        <a:bodyPr/>
+        <a:lstStyle/>
+        <a:p>
+          <a:r>
+            <a:rPr lang="en-US" dirty="0"/>
+            <a:t>Unit Tests</a:t>
+          </a:r>
+        </a:p>
+      </dgm:t>
+    </dgm:pt>
+    <dgm:pt modelId="{54E9E698-BFA1-4B2C-A349-ED575773B80B}" type="parTrans" cxnId="{B875FA79-5D10-400A-A0C0-336C723345A6}">
+      <dgm:prSet/>
+      <dgm:spPr/>
+      <dgm:t>
+        <a:bodyPr/>
+        <a:lstStyle/>
+        <a:p>
+          <a:endParaRPr lang="en-US"/>
+        </a:p>
+      </dgm:t>
+    </dgm:pt>
+    <dgm:pt modelId="{6BE165BB-B517-4C54-8B01-1493EB49BFB3}" type="sibTrans" cxnId="{B875FA79-5D10-400A-A0C0-336C723345A6}">
+      <dgm:prSet/>
+      <dgm:spPr/>
+      <dgm:t>
+        <a:bodyPr/>
+        <a:lstStyle/>
+        <a:p>
+          <a:endParaRPr lang="en-US"/>
+        </a:p>
+      </dgm:t>
+    </dgm:pt>
+    <dgm:pt modelId="{4900FEFB-619A-4D5C-AB46-927A0AAB03E3}">
+      <dgm:prSet/>
+      <dgm:spPr/>
+      <dgm:t>
+        <a:bodyPr/>
+        <a:lstStyle/>
+        <a:p>
+          <a:r>
+            <a:rPr lang="en-US" dirty="0"/>
+            <a:t>SAST</a:t>
+          </a:r>
+        </a:p>
+      </dgm:t>
+    </dgm:pt>
+    <dgm:pt modelId="{4DC58DA3-0309-4748-A1DA-743078CB594C}" type="parTrans" cxnId="{351DB40E-3C1B-45A5-8721-A3A824A0860B}">
+      <dgm:prSet/>
+      <dgm:spPr/>
+      <dgm:t>
+        <a:bodyPr/>
+        <a:lstStyle/>
+        <a:p>
+          <a:endParaRPr lang="en-US"/>
+        </a:p>
+      </dgm:t>
+    </dgm:pt>
+    <dgm:pt modelId="{94D12C1E-5005-466F-BD36-9D1437A1ABDA}" type="sibTrans" cxnId="{351DB40E-3C1B-45A5-8721-A3A824A0860B}">
+      <dgm:prSet/>
+      <dgm:spPr/>
+      <dgm:t>
+        <a:bodyPr/>
+        <a:lstStyle/>
+        <a:p>
+          <a:endParaRPr lang="en-US"/>
+        </a:p>
+      </dgm:t>
+    </dgm:pt>
+    <dgm:pt modelId="{99EF1C52-FD7E-4B46-B75E-7D24D79072D7}">
+      <dgm:prSet/>
+      <dgm:spPr/>
+      <dgm:t>
+        <a:bodyPr/>
+        <a:lstStyle/>
+        <a:p>
+          <a:r>
+            <a:rPr lang="en-US" dirty="0"/>
+            <a:t>Integration Tests</a:t>
+          </a:r>
+        </a:p>
+      </dgm:t>
+    </dgm:pt>
+    <dgm:pt modelId="{E3B8751A-6829-4AED-AFD9-146FB9AC1491}" type="parTrans" cxnId="{D977A3DA-8D97-4D70-9995-0EAD03D8FB5B}">
+      <dgm:prSet/>
+      <dgm:spPr/>
+      <dgm:t>
+        <a:bodyPr/>
+        <a:lstStyle/>
+        <a:p>
+          <a:endParaRPr lang="en-US"/>
+        </a:p>
+      </dgm:t>
+    </dgm:pt>
+    <dgm:pt modelId="{A98E4005-0F0C-4614-9B56-2B7522109EAB}" type="sibTrans" cxnId="{D977A3DA-8D97-4D70-9995-0EAD03D8FB5B}">
+      <dgm:prSet/>
+      <dgm:spPr/>
+      <dgm:t>
+        <a:bodyPr/>
+        <a:lstStyle/>
+        <a:p>
+          <a:endParaRPr lang="en-US"/>
+        </a:p>
+      </dgm:t>
+    </dgm:pt>
+    <dgm:pt modelId="{75A5D49C-394E-4871-8E61-26B5EAF77ED2}">
+      <dgm:prSet/>
+      <dgm:spPr/>
+      <dgm:t>
+        <a:bodyPr/>
+        <a:lstStyle/>
+        <a:p>
+          <a:r>
+            <a:rPr lang="en-US" dirty="0"/>
+            <a:t>UI Tests</a:t>
+          </a:r>
+        </a:p>
+      </dgm:t>
+    </dgm:pt>
+    <dgm:pt modelId="{7279709E-FDAE-473B-B04F-F20ADC72E874}" type="parTrans" cxnId="{D1F59098-71CF-4335-80B0-5F0020EBC013}">
+      <dgm:prSet/>
+      <dgm:spPr/>
+      <dgm:t>
+        <a:bodyPr/>
+        <a:lstStyle/>
+        <a:p>
+          <a:endParaRPr lang="en-US"/>
+        </a:p>
+      </dgm:t>
+    </dgm:pt>
+    <dgm:pt modelId="{89599C05-94D8-447D-92DC-71422628E9C5}" type="sibTrans" cxnId="{D1F59098-71CF-4335-80B0-5F0020EBC013}">
+      <dgm:prSet/>
+      <dgm:spPr/>
+      <dgm:t>
+        <a:bodyPr/>
+        <a:lstStyle/>
+        <a:p>
+          <a:endParaRPr lang="en-US"/>
+        </a:p>
+      </dgm:t>
+    </dgm:pt>
+    <dgm:pt modelId="{454214DA-17B5-43F6-AB49-A6AA85C8048F}">
+      <dgm:prSet/>
+      <dgm:spPr/>
+      <dgm:t>
+        <a:bodyPr/>
+        <a:lstStyle/>
+        <a:p>
+          <a:r>
+            <a:rPr lang="en-US" dirty="0"/>
+            <a:t>DAST Tests</a:t>
+          </a:r>
+        </a:p>
+      </dgm:t>
+    </dgm:pt>
+    <dgm:pt modelId="{CF03F409-BCF4-435E-BC83-926AFC26D905}" type="parTrans" cxnId="{63A4BD94-6A22-4F4A-9BFA-6CC33C75FE00}">
+      <dgm:prSet/>
+      <dgm:spPr/>
+      <dgm:t>
+        <a:bodyPr/>
+        <a:lstStyle/>
+        <a:p>
+          <a:endParaRPr lang="en-US"/>
+        </a:p>
+      </dgm:t>
+    </dgm:pt>
+    <dgm:pt modelId="{623BA43E-0739-44EB-80EE-21D371AB9EF7}" type="sibTrans" cxnId="{63A4BD94-6A22-4F4A-9BFA-6CC33C75FE00}">
+      <dgm:prSet/>
+      <dgm:spPr/>
+      <dgm:t>
+        <a:bodyPr/>
+        <a:lstStyle/>
+        <a:p>
+          <a:endParaRPr lang="en-US"/>
+        </a:p>
+      </dgm:t>
+    </dgm:pt>
+    <dgm:pt modelId="{30FD202C-36B9-4784-A22A-E79E18B24EDD}">
+      <dgm:prSet/>
+      <dgm:spPr/>
+      <dgm:t>
+        <a:bodyPr/>
+        <a:lstStyle/>
+        <a:p>
+          <a:r>
+            <a:rPr lang="en-US" dirty="0"/>
+            <a:t>Infrastructure as Code</a:t>
+          </a:r>
+        </a:p>
+      </dgm:t>
+    </dgm:pt>
+    <dgm:pt modelId="{E616E605-AD63-40EE-918B-F61F3D513A87}" type="parTrans" cxnId="{2FF64CC8-8274-4B5D-9AF6-3A9204FDFA44}">
+      <dgm:prSet/>
+      <dgm:spPr/>
+      <dgm:t>
+        <a:bodyPr/>
+        <a:lstStyle/>
+        <a:p>
+          <a:endParaRPr lang="en-US"/>
+        </a:p>
+      </dgm:t>
+    </dgm:pt>
+    <dgm:pt modelId="{02CD3F47-7300-4B79-9D94-FE60B07214C0}" type="sibTrans" cxnId="{2FF64CC8-8274-4B5D-9AF6-3A9204FDFA44}">
+      <dgm:prSet/>
+      <dgm:spPr/>
+      <dgm:t>
+        <a:bodyPr/>
+        <a:lstStyle/>
+        <a:p>
+          <a:endParaRPr lang="en-US"/>
+        </a:p>
+      </dgm:t>
+    </dgm:pt>
+    <dgm:pt modelId="{8CED470E-5C36-4F42-9419-410884688E57}">
+      <dgm:prSet/>
+      <dgm:spPr/>
+      <dgm:t>
+        <a:bodyPr/>
+        <a:lstStyle/>
+        <a:p>
+          <a:r>
+            <a:rPr lang="en-US" dirty="0"/>
+            <a:t>SCA</a:t>
+          </a:r>
+        </a:p>
+      </dgm:t>
+    </dgm:pt>
+    <dgm:pt modelId="{A693DD50-2088-4000-A0B1-E89E76DEA73A}" type="parTrans" cxnId="{0ABC8827-6E68-4866-822D-384C2590B352}">
+      <dgm:prSet/>
+      <dgm:spPr/>
+      <dgm:t>
+        <a:bodyPr/>
+        <a:lstStyle/>
+        <a:p>
+          <a:endParaRPr lang="en-US"/>
+        </a:p>
+      </dgm:t>
+    </dgm:pt>
+    <dgm:pt modelId="{531028B4-1183-48BF-A3E3-7EECA0A70D18}" type="sibTrans" cxnId="{0ABC8827-6E68-4866-822D-384C2590B352}">
+      <dgm:prSet/>
+      <dgm:spPr/>
+      <dgm:t>
+        <a:bodyPr/>
+        <a:lstStyle/>
+        <a:p>
+          <a:endParaRPr lang="en-US"/>
+        </a:p>
+      </dgm:t>
+    </dgm:pt>
+    <dgm:pt modelId="{210293D7-15CA-4297-AD94-8905E8C3B758}">
+      <dgm:prSet/>
+      <dgm:spPr/>
+      <dgm:t>
+        <a:bodyPr/>
+        <a:lstStyle/>
+        <a:p>
+          <a:r>
+            <a:rPr lang="en-US" dirty="0"/>
+            <a:t>Peer Code Review / Pull Requests</a:t>
+          </a:r>
+        </a:p>
+      </dgm:t>
+    </dgm:pt>
+    <dgm:pt modelId="{7045F3BD-D0F5-4E47-B40E-3EEA00A7FCC2}" type="parTrans" cxnId="{F90F068C-F6E0-4BE5-9808-FB876DE0F27F}">
+      <dgm:prSet/>
+      <dgm:spPr/>
+      <dgm:t>
+        <a:bodyPr/>
+        <a:lstStyle/>
+        <a:p>
+          <a:endParaRPr lang="en-US"/>
+        </a:p>
+      </dgm:t>
+    </dgm:pt>
+    <dgm:pt modelId="{4BCE8518-0994-4A35-A947-3DF7B2210280}" type="sibTrans" cxnId="{F90F068C-F6E0-4BE5-9808-FB876DE0F27F}">
+      <dgm:prSet/>
+      <dgm:spPr/>
+      <dgm:t>
+        <a:bodyPr/>
+        <a:lstStyle/>
+        <a:p>
+          <a:endParaRPr lang="en-US"/>
+        </a:p>
+      </dgm:t>
+    </dgm:pt>
+    <dgm:pt modelId="{6D7CB484-F3B9-4D6B-A097-40945D00D880}">
+      <dgm:prSet/>
+      <dgm:spPr/>
+      <dgm:t>
+        <a:bodyPr/>
+        <a:lstStyle/>
+        <a:p>
+          <a:r>
+            <a:rPr lang="en-US"/>
+            <a:t>Check-in </a:t>
+          </a:r>
+          <a:r>
+            <a:rPr lang="en-US" dirty="0"/>
+            <a:t>Early &amp; Often</a:t>
+          </a:r>
+        </a:p>
+      </dgm:t>
+    </dgm:pt>
+    <dgm:pt modelId="{2B10EBD1-0C36-414E-9BE2-A72EE4434069}" type="parTrans" cxnId="{3CCCC119-4F0B-4BB9-A779-C0503823B2F4}">
+      <dgm:prSet/>
+      <dgm:spPr/>
+      <dgm:t>
+        <a:bodyPr/>
+        <a:lstStyle/>
+        <a:p>
+          <a:endParaRPr lang="en-US"/>
+        </a:p>
+      </dgm:t>
+    </dgm:pt>
+    <dgm:pt modelId="{24AB6BB6-D25E-402F-944D-2E15C0489E4D}" type="sibTrans" cxnId="{3CCCC119-4F0B-4BB9-A779-C0503823B2F4}">
+      <dgm:prSet/>
+      <dgm:spPr/>
+      <dgm:t>
+        <a:bodyPr/>
+        <a:lstStyle/>
+        <a:p>
+          <a:endParaRPr lang="en-US"/>
+        </a:p>
+      </dgm:t>
+    </dgm:pt>
+    <dgm:pt modelId="{470F2ADE-CFE6-4566-8DF2-989A64C592A0}">
+      <dgm:prSet/>
+      <dgm:spPr/>
+      <dgm:t>
+        <a:bodyPr/>
+        <a:lstStyle/>
+        <a:p>
+          <a:r>
+            <a:rPr lang="en-US" dirty="0"/>
+            <a:t>Auto Scaling</a:t>
+          </a:r>
+        </a:p>
+      </dgm:t>
+    </dgm:pt>
+    <dgm:pt modelId="{F4B70647-70DE-4908-9893-D1B366207ED9}" type="parTrans" cxnId="{A46D1513-E61A-4833-8393-6F1A2DC05E42}">
+      <dgm:prSet/>
+      <dgm:spPr/>
+      <dgm:t>
+        <a:bodyPr/>
+        <a:lstStyle/>
+        <a:p>
+          <a:endParaRPr lang="en-US"/>
+        </a:p>
+      </dgm:t>
+    </dgm:pt>
+    <dgm:pt modelId="{1B9A10C3-4B20-4E9F-AD50-BCBDC2CC8520}" type="sibTrans" cxnId="{A46D1513-E61A-4833-8393-6F1A2DC05E42}">
+      <dgm:prSet/>
+      <dgm:spPr/>
+      <dgm:t>
+        <a:bodyPr/>
+        <a:lstStyle/>
+        <a:p>
+          <a:endParaRPr lang="en-US"/>
+        </a:p>
+      </dgm:t>
+    </dgm:pt>
+    <dgm:pt modelId="{DC9C6520-3457-49CE-807C-B7B094689330}">
+      <dgm:prSet/>
+      <dgm:spPr/>
+      <dgm:t>
+        <a:bodyPr/>
+        <a:lstStyle/>
+        <a:p>
+          <a:r>
+            <a:rPr lang="en-US" dirty="0"/>
+            <a:t>Feature Flags</a:t>
+          </a:r>
+        </a:p>
+      </dgm:t>
+    </dgm:pt>
+    <dgm:pt modelId="{950128C8-76D6-4218-A576-0F804CE7C5F1}" type="parTrans" cxnId="{EA0AE4D0-4F3F-4428-AE8C-956ECF81E485}">
+      <dgm:prSet/>
+      <dgm:spPr/>
+      <dgm:t>
+        <a:bodyPr/>
+        <a:lstStyle/>
+        <a:p>
+          <a:endParaRPr lang="en-US"/>
+        </a:p>
+      </dgm:t>
+    </dgm:pt>
+    <dgm:pt modelId="{1375618F-A2B6-4726-9EDB-E8A79E448E79}" type="sibTrans" cxnId="{EA0AE4D0-4F3F-4428-AE8C-956ECF81E485}">
+      <dgm:prSet/>
+      <dgm:spPr/>
+      <dgm:t>
+        <a:bodyPr/>
+        <a:lstStyle/>
+        <a:p>
+          <a:endParaRPr lang="en-US"/>
+        </a:p>
+      </dgm:t>
+    </dgm:pt>
+    <dgm:pt modelId="{3F0F9B9F-6AF1-4214-89AA-ECD556B2C4F5}">
+      <dgm:prSet/>
+      <dgm:spPr/>
+      <dgm:t>
+        <a:bodyPr/>
+        <a:lstStyle/>
+        <a:p>
+          <a:r>
+            <a:rPr lang="en-US" dirty="0"/>
+            <a:t>Blue / Green or Rings</a:t>
+          </a:r>
+        </a:p>
+      </dgm:t>
+    </dgm:pt>
+    <dgm:pt modelId="{B86FA4D3-5B66-40EC-B3A0-A6D32D5F16C7}" type="parTrans" cxnId="{26B28135-A0D7-45E8-90F4-14DD826A9F96}">
+      <dgm:prSet/>
+      <dgm:spPr/>
+      <dgm:t>
+        <a:bodyPr/>
+        <a:lstStyle/>
+        <a:p>
+          <a:endParaRPr lang="en-US"/>
+        </a:p>
+      </dgm:t>
+    </dgm:pt>
+    <dgm:pt modelId="{DE11BD9A-C5DB-4E07-A8AC-8C7DEFC7B5DE}" type="sibTrans" cxnId="{26B28135-A0D7-45E8-90F4-14DD826A9F96}">
+      <dgm:prSet/>
+      <dgm:spPr/>
+      <dgm:t>
+        <a:bodyPr/>
+        <a:lstStyle/>
+        <a:p>
+          <a:endParaRPr lang="en-US"/>
+        </a:p>
+      </dgm:t>
+    </dgm:pt>
+    <dgm:pt modelId="{5F189D21-A04C-419E-8A19-EA6ADC3B9D5C}">
+      <dgm:prSet/>
+      <dgm:spPr/>
+      <dgm:t>
+        <a:bodyPr/>
+        <a:lstStyle/>
+        <a:p>
+          <a:r>
+            <a:rPr lang="en-US" dirty="0"/>
+            <a:t>Demos &amp; UAT</a:t>
+          </a:r>
+        </a:p>
+      </dgm:t>
+    </dgm:pt>
+    <dgm:pt modelId="{ADD6038F-3C21-4380-989D-86B733967643}" type="parTrans" cxnId="{F9ED519C-A1B8-4A93-A0BC-C100805C25A7}">
+      <dgm:prSet/>
+      <dgm:spPr/>
+      <dgm:t>
+        <a:bodyPr/>
+        <a:lstStyle/>
+        <a:p>
+          <a:endParaRPr lang="en-US"/>
+        </a:p>
+      </dgm:t>
+    </dgm:pt>
+    <dgm:pt modelId="{FD60408D-DDF6-4BB7-BD4D-92E7CA1CE61F}" type="sibTrans" cxnId="{F9ED519C-A1B8-4A93-A0BC-C100805C25A7}">
+      <dgm:prSet/>
+      <dgm:spPr/>
+      <dgm:t>
+        <a:bodyPr/>
+        <a:lstStyle/>
+        <a:p>
+          <a:endParaRPr lang="en-US"/>
+        </a:p>
+      </dgm:t>
+    </dgm:pt>
+    <dgm:pt modelId="{657C18E4-A02E-45FE-B887-9D54DFCC1CFD}">
+      <dgm:prSet/>
+      <dgm:spPr/>
+      <dgm:t>
+        <a:bodyPr/>
+        <a:lstStyle/>
+        <a:p>
+          <a:r>
+            <a:rPr lang="en-US" dirty="0"/>
+            <a:t>Runbook Automation</a:t>
+          </a:r>
+        </a:p>
+      </dgm:t>
+    </dgm:pt>
+    <dgm:pt modelId="{93D45CDB-3F40-4FC9-9962-9ACEC79D4690}" type="parTrans" cxnId="{02E74680-0BD0-45B9-A09C-062E115960FA}">
+      <dgm:prSet/>
+      <dgm:spPr/>
+      <dgm:t>
+        <a:bodyPr/>
+        <a:lstStyle/>
+        <a:p>
+          <a:endParaRPr lang="en-US"/>
+        </a:p>
+      </dgm:t>
+    </dgm:pt>
+    <dgm:pt modelId="{C7C62136-9137-4259-A841-8B6F464283AF}" type="sibTrans" cxnId="{02E74680-0BD0-45B9-A09C-062E115960FA}">
+      <dgm:prSet/>
+      <dgm:spPr/>
+      <dgm:t>
+        <a:bodyPr/>
+        <a:lstStyle/>
+        <a:p>
+          <a:endParaRPr lang="en-US"/>
+        </a:p>
+      </dgm:t>
+    </dgm:pt>
+    <dgm:pt modelId="{42BBA546-BC1D-48DD-BFA9-2AB25801C1F6}">
+      <dgm:prSet/>
+      <dgm:spPr/>
+      <dgm:t>
+        <a:bodyPr/>
+        <a:lstStyle/>
+        <a:p>
+          <a:r>
+            <a:rPr lang="en-US" dirty="0"/>
+            <a:t>Metrics, Traces, Logs</a:t>
+          </a:r>
+        </a:p>
+      </dgm:t>
+    </dgm:pt>
+    <dgm:pt modelId="{02B35D1E-7075-41F7-9753-861CA40422DC}" type="parTrans" cxnId="{0B992C41-88D7-4083-8BB9-9E38ABF73CA7}">
+      <dgm:prSet/>
+      <dgm:spPr/>
+      <dgm:t>
+        <a:bodyPr/>
+        <a:lstStyle/>
+        <a:p>
+          <a:endParaRPr lang="en-US"/>
+        </a:p>
+      </dgm:t>
+    </dgm:pt>
+    <dgm:pt modelId="{779F572E-4356-40F7-9D84-B0E7E6C56CC7}" type="sibTrans" cxnId="{0B992C41-88D7-4083-8BB9-9E38ABF73CA7}">
+      <dgm:prSet/>
+      <dgm:spPr/>
+      <dgm:t>
+        <a:bodyPr/>
+        <a:lstStyle/>
+        <a:p>
+          <a:endParaRPr lang="en-US"/>
+        </a:p>
+      </dgm:t>
+    </dgm:pt>
+    <dgm:pt modelId="{033209EB-C1EC-4051-A1C3-60D05269BC3B}">
+      <dgm:prSet/>
+      <dgm:spPr/>
+      <dgm:t>
+        <a:bodyPr/>
+        <a:lstStyle/>
+        <a:p>
+          <a:r>
+            <a:rPr lang="en-US" dirty="0"/>
+            <a:t>Synthetics Transaction Monitoring</a:t>
+          </a:r>
+        </a:p>
+      </dgm:t>
+    </dgm:pt>
+    <dgm:pt modelId="{B96E8E4C-0094-4D94-8216-FB0803942726}" type="parTrans" cxnId="{C5BF6C2C-6D0F-4D4A-82B1-2155AA6C9273}">
+      <dgm:prSet/>
+      <dgm:spPr/>
+      <dgm:t>
+        <a:bodyPr/>
+        <a:lstStyle/>
+        <a:p>
+          <a:endParaRPr lang="en-US"/>
+        </a:p>
+      </dgm:t>
+    </dgm:pt>
+    <dgm:pt modelId="{5CD03A2B-ACE6-4407-B72B-1449BD581070}" type="sibTrans" cxnId="{C5BF6C2C-6D0F-4D4A-82B1-2155AA6C9273}">
+      <dgm:prSet/>
+      <dgm:spPr/>
+      <dgm:t>
+        <a:bodyPr/>
+        <a:lstStyle/>
+        <a:p>
+          <a:endParaRPr lang="en-US"/>
+        </a:p>
+      </dgm:t>
+    </dgm:pt>
+    <dgm:pt modelId="{93A7A4C5-E2FD-4C22-886A-44D13A7E7335}">
+      <dgm:prSet/>
+      <dgm:spPr/>
+      <dgm:t>
+        <a:bodyPr/>
+        <a:lstStyle/>
+        <a:p>
+          <a:r>
+            <a:rPr lang="en-US" dirty="0"/>
+            <a:t>Business Metric Monitoring</a:t>
+          </a:r>
+        </a:p>
+      </dgm:t>
+    </dgm:pt>
+    <dgm:pt modelId="{90D70C61-9571-4B94-A323-BDEFECF8569B}" type="parTrans" cxnId="{387771FD-D2F7-47CB-9E9A-A462420167A6}">
+      <dgm:prSet/>
+      <dgm:spPr/>
+      <dgm:t>
+        <a:bodyPr/>
+        <a:lstStyle/>
+        <a:p>
+          <a:endParaRPr lang="en-US"/>
+        </a:p>
+      </dgm:t>
+    </dgm:pt>
+    <dgm:pt modelId="{5A60E86C-6E28-4C91-A031-F7C75C180E35}" type="sibTrans" cxnId="{387771FD-D2F7-47CB-9E9A-A462420167A6}">
+      <dgm:prSet/>
+      <dgm:spPr/>
+      <dgm:t>
+        <a:bodyPr/>
+        <a:lstStyle/>
+        <a:p>
+          <a:endParaRPr lang="en-US"/>
+        </a:p>
+      </dgm:t>
+    </dgm:pt>
+    <dgm:pt modelId="{5260CEA7-BD9C-4340-81EF-73AD526C37AD}" type="pres">
+      <dgm:prSet presAssocID="{467AD752-00E0-4A2A-86D9-14C314EB5973}" presName="Name0" presStyleCnt="0">
+        <dgm:presLayoutVars>
+          <dgm:chPref val="3"/>
+          <dgm:dir/>
+          <dgm:animLvl val="lvl"/>
+          <dgm:resizeHandles/>
+        </dgm:presLayoutVars>
+      </dgm:prSet>
+      <dgm:spPr/>
+    </dgm:pt>
+    <dgm:pt modelId="{F014C8CB-68D8-45FB-B1AF-F50E00E37385}" type="pres">
+      <dgm:prSet presAssocID="{16966702-5310-4199-8D6D-F1FB8233CFDB}" presName="horFlow" presStyleCnt="0"/>
+      <dgm:spPr/>
+    </dgm:pt>
+    <dgm:pt modelId="{30B5CBE0-286F-41AF-BFF3-90E95F129B29}" type="pres">
+      <dgm:prSet presAssocID="{16966702-5310-4199-8D6D-F1FB8233CFDB}" presName="bigChev" presStyleLbl="node1" presStyleIdx="0" presStyleCnt="5"/>
+      <dgm:spPr/>
+    </dgm:pt>
+    <dgm:pt modelId="{ECC5F3EB-FAD6-4A15-9E03-0B4756BE4CAA}" type="pres">
+      <dgm:prSet presAssocID="{4F1F8974-C6AF-4EE7-9281-C5F256852A99}" presName="parTrans" presStyleCnt="0"/>
+      <dgm:spPr/>
+    </dgm:pt>
+    <dgm:pt modelId="{92EEB95B-6E19-4276-A549-522042E06970}" type="pres">
+      <dgm:prSet presAssocID="{1B020DFF-1C71-477C-96AB-4E23A81C5C38}" presName="node" presStyleLbl="alignAccFollowNode1" presStyleIdx="0" presStyleCnt="20">
+        <dgm:presLayoutVars>
+          <dgm:bulletEnabled val="1"/>
+        </dgm:presLayoutVars>
+      </dgm:prSet>
+      <dgm:spPr/>
+    </dgm:pt>
+    <dgm:pt modelId="{45B383C4-38A5-489E-A2BA-213FBBDEDC4F}" type="pres">
+      <dgm:prSet presAssocID="{E0A28568-16CC-435D-AC35-6175F5644047}" presName="sibTrans" presStyleCnt="0"/>
+      <dgm:spPr/>
+    </dgm:pt>
+    <dgm:pt modelId="{5F04B938-0DDB-43ED-B23E-4D527502E05A}" type="pres">
+      <dgm:prSet presAssocID="{6D7CB484-F3B9-4D6B-A097-40945D00D880}" presName="node" presStyleLbl="alignAccFollowNode1" presStyleIdx="1" presStyleCnt="20">
+        <dgm:presLayoutVars>
+          <dgm:bulletEnabled val="1"/>
+        </dgm:presLayoutVars>
+      </dgm:prSet>
+      <dgm:spPr/>
+    </dgm:pt>
+    <dgm:pt modelId="{9B8F44E9-BCAE-4195-8E0A-6550E72B99C3}" type="pres">
+      <dgm:prSet presAssocID="{24AB6BB6-D25E-402F-944D-2E15C0489E4D}" presName="sibTrans" presStyleCnt="0"/>
+      <dgm:spPr/>
+    </dgm:pt>
+    <dgm:pt modelId="{EF0B32F8-3EA1-4C2C-8B8E-722C1DF202EF}" type="pres">
+      <dgm:prSet presAssocID="{210293D7-15CA-4297-AD94-8905E8C3B758}" presName="node" presStyleLbl="alignAccFollowNode1" presStyleIdx="2" presStyleCnt="20">
+        <dgm:presLayoutVars>
+          <dgm:bulletEnabled val="1"/>
+        </dgm:presLayoutVars>
+      </dgm:prSet>
+      <dgm:spPr/>
+    </dgm:pt>
+    <dgm:pt modelId="{7C9151A3-2FEF-4302-BDB4-1B9064111FE1}" type="pres">
+      <dgm:prSet presAssocID="{16966702-5310-4199-8D6D-F1FB8233CFDB}" presName="vSp" presStyleCnt="0"/>
+      <dgm:spPr/>
+    </dgm:pt>
+    <dgm:pt modelId="{11255535-06CB-42DE-8AFB-6C5733C4E7CF}" type="pres">
+      <dgm:prSet presAssocID="{46C79969-4621-4C9F-A847-4AA19B3DEB9B}" presName="horFlow" presStyleCnt="0"/>
+      <dgm:spPr/>
+    </dgm:pt>
+    <dgm:pt modelId="{5890581A-55EB-433E-9724-2457ACD3B097}" type="pres">
+      <dgm:prSet presAssocID="{46C79969-4621-4C9F-A847-4AA19B3DEB9B}" presName="bigChev" presStyleLbl="node1" presStyleIdx="1" presStyleCnt="5"/>
+      <dgm:spPr/>
+    </dgm:pt>
+    <dgm:pt modelId="{F24013CB-89A4-4C52-AC2B-4381BE9DF550}" type="pres">
+      <dgm:prSet presAssocID="{54E9E698-BFA1-4B2C-A349-ED575773B80B}" presName="parTrans" presStyleCnt="0"/>
+      <dgm:spPr/>
+    </dgm:pt>
+    <dgm:pt modelId="{1289A579-486A-427F-A26B-BBC4B60B49BF}" type="pres">
+      <dgm:prSet presAssocID="{D4D34515-66E9-4CE4-8FB2-E724883D30CC}" presName="node" presStyleLbl="alignAccFollowNode1" presStyleIdx="3" presStyleCnt="20">
+        <dgm:presLayoutVars>
+          <dgm:bulletEnabled val="1"/>
+        </dgm:presLayoutVars>
+      </dgm:prSet>
+      <dgm:spPr/>
+    </dgm:pt>
+    <dgm:pt modelId="{A47728FC-22FA-45A0-B374-666ABC643CEE}" type="pres">
+      <dgm:prSet presAssocID="{6BE165BB-B517-4C54-8B01-1493EB49BFB3}" presName="sibTrans" presStyleCnt="0"/>
+      <dgm:spPr/>
+    </dgm:pt>
+    <dgm:pt modelId="{8C8477D6-2D0D-466F-9695-5F7EA323872A}" type="pres">
+      <dgm:prSet presAssocID="{4900FEFB-619A-4D5C-AB46-927A0AAB03E3}" presName="node" presStyleLbl="alignAccFollowNode1" presStyleIdx="4" presStyleCnt="20">
+        <dgm:presLayoutVars>
+          <dgm:bulletEnabled val="1"/>
+        </dgm:presLayoutVars>
+      </dgm:prSet>
+      <dgm:spPr/>
+    </dgm:pt>
+    <dgm:pt modelId="{BE4498A3-EF66-4DDE-A3A9-0D0AF7543DB0}" type="pres">
+      <dgm:prSet presAssocID="{94D12C1E-5005-466F-BD36-9D1437A1ABDA}" presName="sibTrans" presStyleCnt="0"/>
+      <dgm:spPr/>
+    </dgm:pt>
+    <dgm:pt modelId="{2FD22563-0894-4873-9762-CB982E58ABAB}" type="pres">
+      <dgm:prSet presAssocID="{8CED470E-5C36-4F42-9419-410884688E57}" presName="node" presStyleLbl="alignAccFollowNode1" presStyleIdx="5" presStyleCnt="20">
+        <dgm:presLayoutVars>
+          <dgm:bulletEnabled val="1"/>
+        </dgm:presLayoutVars>
+      </dgm:prSet>
+      <dgm:spPr/>
+    </dgm:pt>
+    <dgm:pt modelId="{B8C7DFCB-2EE9-4AA6-BFCC-5D8CC35E50F2}" type="pres">
+      <dgm:prSet presAssocID="{46C79969-4621-4C9F-A847-4AA19B3DEB9B}" presName="vSp" presStyleCnt="0"/>
+      <dgm:spPr/>
+    </dgm:pt>
+    <dgm:pt modelId="{E734D5BE-D241-4C0F-B4B9-5C3BF1F047F1}" type="pres">
+      <dgm:prSet presAssocID="{84C342D9-A923-4A32-9CC4-36DD499ADB39}" presName="horFlow" presStyleCnt="0"/>
+      <dgm:spPr/>
+    </dgm:pt>
+    <dgm:pt modelId="{7D17BA07-C620-415F-88A4-30E2D7106571}" type="pres">
+      <dgm:prSet presAssocID="{84C342D9-A923-4A32-9CC4-36DD499ADB39}" presName="bigChev" presStyleLbl="node1" presStyleIdx="2" presStyleCnt="5"/>
+      <dgm:spPr/>
+    </dgm:pt>
+    <dgm:pt modelId="{568A3EAC-615E-40F9-B21D-7869F09F80CB}" type="pres">
+      <dgm:prSet presAssocID="{E3B8751A-6829-4AED-AFD9-146FB9AC1491}" presName="parTrans" presStyleCnt="0"/>
+      <dgm:spPr/>
+    </dgm:pt>
+    <dgm:pt modelId="{8761CDEF-06D4-45B4-A956-70AD555C8D29}" type="pres">
+      <dgm:prSet presAssocID="{99EF1C52-FD7E-4B46-B75E-7D24D79072D7}" presName="node" presStyleLbl="alignAccFollowNode1" presStyleIdx="6" presStyleCnt="20">
+        <dgm:presLayoutVars>
+          <dgm:bulletEnabled val="1"/>
+        </dgm:presLayoutVars>
+      </dgm:prSet>
+      <dgm:spPr/>
+    </dgm:pt>
+    <dgm:pt modelId="{975A99C9-6EA5-4569-BE35-266DAAC46BA2}" type="pres">
+      <dgm:prSet presAssocID="{A98E4005-0F0C-4614-9B56-2B7522109EAB}" presName="sibTrans" presStyleCnt="0"/>
+      <dgm:spPr/>
+    </dgm:pt>
+    <dgm:pt modelId="{C0716A80-9FEE-447F-B39A-19BD52B6922B}" type="pres">
+      <dgm:prSet presAssocID="{75A5D49C-394E-4871-8E61-26B5EAF77ED2}" presName="node" presStyleLbl="alignAccFollowNode1" presStyleIdx="7" presStyleCnt="20">
+        <dgm:presLayoutVars>
+          <dgm:bulletEnabled val="1"/>
+        </dgm:presLayoutVars>
+      </dgm:prSet>
+      <dgm:spPr/>
+    </dgm:pt>
+    <dgm:pt modelId="{89EB836A-6A3E-4698-A0A8-EFECB6CA3A7A}" type="pres">
+      <dgm:prSet presAssocID="{89599C05-94D8-447D-92DC-71422628E9C5}" presName="sibTrans" presStyleCnt="0"/>
+      <dgm:spPr/>
+    </dgm:pt>
+    <dgm:pt modelId="{AB160012-684F-4531-A479-053872187715}" type="pres">
+      <dgm:prSet presAssocID="{454214DA-17B5-43F6-AB49-A6AA85C8048F}" presName="node" presStyleLbl="alignAccFollowNode1" presStyleIdx="8" presStyleCnt="20">
+        <dgm:presLayoutVars>
+          <dgm:bulletEnabled val="1"/>
+        </dgm:presLayoutVars>
+      </dgm:prSet>
+      <dgm:spPr/>
+    </dgm:pt>
+    <dgm:pt modelId="{5F87520A-ECB6-4CDB-A682-B9EA7F468069}" type="pres">
+      <dgm:prSet presAssocID="{623BA43E-0739-44EB-80EE-21D371AB9EF7}" presName="sibTrans" presStyleCnt="0"/>
+      <dgm:spPr/>
+    </dgm:pt>
+    <dgm:pt modelId="{4BED7D82-F0AD-479A-BD69-67BE6B68C571}" type="pres">
+      <dgm:prSet presAssocID="{5F189D21-A04C-419E-8A19-EA6ADC3B9D5C}" presName="node" presStyleLbl="alignAccFollowNode1" presStyleIdx="9" presStyleCnt="20">
+        <dgm:presLayoutVars>
+          <dgm:bulletEnabled val="1"/>
+        </dgm:presLayoutVars>
+      </dgm:prSet>
+      <dgm:spPr/>
+    </dgm:pt>
+    <dgm:pt modelId="{91E8AD8F-FD4E-4A2B-BC36-3F644D43689C}" type="pres">
+      <dgm:prSet presAssocID="{84C342D9-A923-4A32-9CC4-36DD499ADB39}" presName="vSp" presStyleCnt="0"/>
+      <dgm:spPr/>
+    </dgm:pt>
+    <dgm:pt modelId="{808B0F0A-82FF-4446-AAED-E6A949A9CBD7}" type="pres">
+      <dgm:prSet presAssocID="{1043BEA7-E632-4A82-B4A1-9DAE56EAFE1B}" presName="horFlow" presStyleCnt="0"/>
+      <dgm:spPr/>
+    </dgm:pt>
+    <dgm:pt modelId="{140A3D0A-4926-4812-81C3-DB344738BDC8}" type="pres">
+      <dgm:prSet presAssocID="{1043BEA7-E632-4A82-B4A1-9DAE56EAFE1B}" presName="bigChev" presStyleLbl="node1" presStyleIdx="3" presStyleCnt="5"/>
+      <dgm:spPr/>
+    </dgm:pt>
+    <dgm:pt modelId="{F9486070-9AF4-4868-94CE-F2FDC1B7C6CB}" type="pres">
+      <dgm:prSet presAssocID="{AE3EA591-2B00-4832-A997-93B5C780463D}" presName="parTrans" presStyleCnt="0"/>
+      <dgm:spPr/>
+    </dgm:pt>
+    <dgm:pt modelId="{2F464BB6-F823-4125-AE5D-C22EAADACFDC}" type="pres">
+      <dgm:prSet presAssocID="{5F4DC8D0-DCD7-4457-9ADF-79A56AFA435E}" presName="node" presStyleLbl="alignAccFollowNode1" presStyleIdx="10" presStyleCnt="20">
+        <dgm:presLayoutVars>
+          <dgm:bulletEnabled val="1"/>
+        </dgm:presLayoutVars>
+      </dgm:prSet>
+      <dgm:spPr/>
+    </dgm:pt>
+    <dgm:pt modelId="{AC4CF332-1FBE-4877-A687-B12022B91D9C}" type="pres">
+      <dgm:prSet presAssocID="{C8DE4A6C-1880-43D2-9719-0235087EF04C}" presName="sibTrans" presStyleCnt="0"/>
+      <dgm:spPr/>
+    </dgm:pt>
+    <dgm:pt modelId="{66520B85-83CB-4A66-BCB3-74253A90145C}" type="pres">
+      <dgm:prSet presAssocID="{7157A09D-1D5B-4775-95EC-4E5177DE5916}" presName="node" presStyleLbl="alignAccFollowNode1" presStyleIdx="11" presStyleCnt="20">
+        <dgm:presLayoutVars>
+          <dgm:bulletEnabled val="1"/>
+        </dgm:presLayoutVars>
+      </dgm:prSet>
+      <dgm:spPr/>
+    </dgm:pt>
+    <dgm:pt modelId="{08352D03-2441-4062-ABD2-2F26FF7B3123}" type="pres">
+      <dgm:prSet presAssocID="{C50CEA60-C206-4717-B654-0A3FF5DBE626}" presName="sibTrans" presStyleCnt="0"/>
+      <dgm:spPr/>
+    </dgm:pt>
+    <dgm:pt modelId="{87512E63-A0F0-456F-B37C-DB439B028388}" type="pres">
+      <dgm:prSet presAssocID="{3F0F9B9F-6AF1-4214-89AA-ECD556B2C4F5}" presName="node" presStyleLbl="alignAccFollowNode1" presStyleIdx="12" presStyleCnt="20">
+        <dgm:presLayoutVars>
+          <dgm:bulletEnabled val="1"/>
+        </dgm:presLayoutVars>
+      </dgm:prSet>
+      <dgm:spPr/>
+    </dgm:pt>
+    <dgm:pt modelId="{C1AADDA1-C57A-4233-8591-B38D1F5C0125}" type="pres">
+      <dgm:prSet presAssocID="{DE11BD9A-C5DB-4E07-A8AC-8C7DEFC7B5DE}" presName="sibTrans" presStyleCnt="0"/>
+      <dgm:spPr/>
+    </dgm:pt>
+    <dgm:pt modelId="{6601144A-98B9-4822-BC99-E9453AE7C7F2}" type="pres">
+      <dgm:prSet presAssocID="{DC9C6520-3457-49CE-807C-B7B094689330}" presName="node" presStyleLbl="alignAccFollowNode1" presStyleIdx="13" presStyleCnt="20">
+        <dgm:presLayoutVars>
+          <dgm:bulletEnabled val="1"/>
+        </dgm:presLayoutVars>
+      </dgm:prSet>
+      <dgm:spPr/>
+    </dgm:pt>
+    <dgm:pt modelId="{0A9B13B4-3921-4288-8504-B00863AEA2AA}" type="pres">
+      <dgm:prSet presAssocID="{1043BEA7-E632-4A82-B4A1-9DAE56EAFE1B}" presName="vSp" presStyleCnt="0"/>
+      <dgm:spPr/>
+    </dgm:pt>
+    <dgm:pt modelId="{CB531421-DBE0-45B0-A46A-AF5B59358158}" type="pres">
+      <dgm:prSet presAssocID="{A75A2C92-319C-4A28-A82D-A27BC9326430}" presName="horFlow" presStyleCnt="0"/>
+      <dgm:spPr/>
+    </dgm:pt>
+    <dgm:pt modelId="{C27D356B-28CC-4F07-9FBC-45E153CB933A}" type="pres">
+      <dgm:prSet presAssocID="{A75A2C92-319C-4A28-A82D-A27BC9326430}" presName="bigChev" presStyleLbl="node1" presStyleIdx="4" presStyleCnt="5"/>
+      <dgm:spPr/>
+    </dgm:pt>
+    <dgm:pt modelId="{B14E7891-121D-4332-BC61-3AE6B456B6FA}" type="pres">
+      <dgm:prSet presAssocID="{E616E605-AD63-40EE-918B-F61F3D513A87}" presName="parTrans" presStyleCnt="0"/>
+      <dgm:spPr/>
+    </dgm:pt>
+    <dgm:pt modelId="{0D97954F-9F29-437D-91CB-AE584B7E71E5}" type="pres">
+      <dgm:prSet presAssocID="{30FD202C-36B9-4784-A22A-E79E18B24EDD}" presName="node" presStyleLbl="alignAccFollowNode1" presStyleIdx="14" presStyleCnt="20">
+        <dgm:presLayoutVars>
+          <dgm:bulletEnabled val="1"/>
+        </dgm:presLayoutVars>
+      </dgm:prSet>
+      <dgm:spPr/>
+    </dgm:pt>
+    <dgm:pt modelId="{1D95AE45-A180-4FC7-B9E5-7DB1A26C7529}" type="pres">
+      <dgm:prSet presAssocID="{02CD3F47-7300-4B79-9D94-FE60B07214C0}" presName="sibTrans" presStyleCnt="0"/>
+      <dgm:spPr/>
+    </dgm:pt>
+    <dgm:pt modelId="{C58C75BA-BE9D-4855-B823-5A0DAF039C92}" type="pres">
+      <dgm:prSet presAssocID="{42BBA546-BC1D-48DD-BFA9-2AB25801C1F6}" presName="node" presStyleLbl="alignAccFollowNode1" presStyleIdx="15" presStyleCnt="20">
+        <dgm:presLayoutVars>
+          <dgm:bulletEnabled val="1"/>
+        </dgm:presLayoutVars>
+      </dgm:prSet>
+      <dgm:spPr/>
+    </dgm:pt>
+    <dgm:pt modelId="{5CC9C676-86F2-4E39-A1FF-05670B778AFF}" type="pres">
+      <dgm:prSet presAssocID="{779F572E-4356-40F7-9D84-B0E7E6C56CC7}" presName="sibTrans" presStyleCnt="0"/>
+      <dgm:spPr/>
+    </dgm:pt>
+    <dgm:pt modelId="{67B01223-E9A4-41BE-9E83-1B1B40337858}" type="pres">
+      <dgm:prSet presAssocID="{033209EB-C1EC-4051-A1C3-60D05269BC3B}" presName="node" presStyleLbl="alignAccFollowNode1" presStyleIdx="16" presStyleCnt="20">
+        <dgm:presLayoutVars>
+          <dgm:bulletEnabled val="1"/>
+        </dgm:presLayoutVars>
+      </dgm:prSet>
+      <dgm:spPr/>
+    </dgm:pt>
+    <dgm:pt modelId="{8B1D00A6-95AB-4115-B006-799401216EA7}" type="pres">
+      <dgm:prSet presAssocID="{5CD03A2B-ACE6-4407-B72B-1449BD581070}" presName="sibTrans" presStyleCnt="0"/>
+      <dgm:spPr/>
+    </dgm:pt>
+    <dgm:pt modelId="{C6F4D5BF-4DA3-4122-B98B-DAC86D929E55}" type="pres">
+      <dgm:prSet presAssocID="{470F2ADE-CFE6-4566-8DF2-989A64C592A0}" presName="node" presStyleLbl="alignAccFollowNode1" presStyleIdx="17" presStyleCnt="20">
+        <dgm:presLayoutVars>
+          <dgm:bulletEnabled val="1"/>
+        </dgm:presLayoutVars>
+      </dgm:prSet>
+      <dgm:spPr/>
+    </dgm:pt>
+    <dgm:pt modelId="{925681FA-9D4C-4B85-AB4D-92F10D3B20CF}" type="pres">
+      <dgm:prSet presAssocID="{1B9A10C3-4B20-4E9F-AD50-BCBDC2CC8520}" presName="sibTrans" presStyleCnt="0"/>
+      <dgm:spPr/>
+    </dgm:pt>
+    <dgm:pt modelId="{6A59F9CF-89AB-47B3-A37A-BE0101E1F3A0}" type="pres">
+      <dgm:prSet presAssocID="{657C18E4-A02E-45FE-B887-9D54DFCC1CFD}" presName="node" presStyleLbl="alignAccFollowNode1" presStyleIdx="18" presStyleCnt="20">
+        <dgm:presLayoutVars>
+          <dgm:bulletEnabled val="1"/>
+        </dgm:presLayoutVars>
+      </dgm:prSet>
+      <dgm:spPr/>
+    </dgm:pt>
+    <dgm:pt modelId="{610C4908-DA1A-4BB6-80C7-190536927777}" type="pres">
+      <dgm:prSet presAssocID="{C7C62136-9137-4259-A841-8B6F464283AF}" presName="sibTrans" presStyleCnt="0"/>
+      <dgm:spPr/>
+    </dgm:pt>
+    <dgm:pt modelId="{945AF115-2AE2-4EF2-A5FB-DF0948F4E762}" type="pres">
+      <dgm:prSet presAssocID="{93A7A4C5-E2FD-4C22-886A-44D13A7E7335}" presName="node" presStyleLbl="alignAccFollowNode1" presStyleIdx="19" presStyleCnt="20">
+        <dgm:presLayoutVars>
+          <dgm:bulletEnabled val="1"/>
+        </dgm:presLayoutVars>
+      </dgm:prSet>
+      <dgm:spPr/>
+    </dgm:pt>
+  </dgm:ptLst>
+  <dgm:cxnLst>
+    <dgm:cxn modelId="{C3881304-7EC2-4EFE-8717-71537ECC890B}" type="presOf" srcId="{467AD752-00E0-4A2A-86D9-14C314EB5973}" destId="{5260CEA7-BD9C-4340-81EF-73AD526C37AD}" srcOrd="0" destOrd="0" presId="urn:microsoft.com/office/officeart/2005/8/layout/lProcess3"/>
+    <dgm:cxn modelId="{B1A79D0C-6178-49AB-A813-C69796495129}" srcId="{1043BEA7-E632-4A82-B4A1-9DAE56EAFE1B}" destId="{7157A09D-1D5B-4775-95EC-4E5177DE5916}" srcOrd="1" destOrd="0" parTransId="{80D9970B-7066-4499-93B8-925A62447316}" sibTransId="{C50CEA60-C206-4717-B654-0A3FF5DBE626}"/>
+    <dgm:cxn modelId="{351DB40E-3C1B-45A5-8721-A3A824A0860B}" srcId="{46C79969-4621-4C9F-A847-4AA19B3DEB9B}" destId="{4900FEFB-619A-4D5C-AB46-927A0AAB03E3}" srcOrd="1" destOrd="0" parTransId="{4DC58DA3-0309-4748-A1DA-743078CB594C}" sibTransId="{94D12C1E-5005-466F-BD36-9D1437A1ABDA}"/>
+    <dgm:cxn modelId="{A46D1513-E61A-4833-8393-6F1A2DC05E42}" srcId="{A75A2C92-319C-4A28-A82D-A27BC9326430}" destId="{470F2ADE-CFE6-4566-8DF2-989A64C592A0}" srcOrd="3" destOrd="0" parTransId="{F4B70647-70DE-4908-9893-D1B366207ED9}" sibTransId="{1B9A10C3-4B20-4E9F-AD50-BCBDC2CC8520}"/>
+    <dgm:cxn modelId="{3CCCC119-4F0B-4BB9-A779-C0503823B2F4}" srcId="{16966702-5310-4199-8D6D-F1FB8233CFDB}" destId="{6D7CB484-F3B9-4D6B-A097-40945D00D880}" srcOrd="1" destOrd="0" parTransId="{2B10EBD1-0C36-414E-9BE2-A72EE4434069}" sibTransId="{24AB6BB6-D25E-402F-944D-2E15C0489E4D}"/>
+    <dgm:cxn modelId="{DA3A991A-67CF-4DFF-B964-000BE4260CF7}" type="presOf" srcId="{8CED470E-5C36-4F42-9419-410884688E57}" destId="{2FD22563-0894-4873-9762-CB982E58ABAB}" srcOrd="0" destOrd="0" presId="urn:microsoft.com/office/officeart/2005/8/layout/lProcess3"/>
+    <dgm:cxn modelId="{0ABC8827-6E68-4866-822D-384C2590B352}" srcId="{46C79969-4621-4C9F-A847-4AA19B3DEB9B}" destId="{8CED470E-5C36-4F42-9419-410884688E57}" srcOrd="2" destOrd="0" parTransId="{A693DD50-2088-4000-A0B1-E89E76DEA73A}" sibTransId="{531028B4-1183-48BF-A3E3-7EECA0A70D18}"/>
+    <dgm:cxn modelId="{DEBD2429-DB84-478A-B3E8-18BBE25B375C}" type="presOf" srcId="{3F0F9B9F-6AF1-4214-89AA-ECD556B2C4F5}" destId="{87512E63-A0F0-456F-B37C-DB439B028388}" srcOrd="0" destOrd="0" presId="urn:microsoft.com/office/officeart/2005/8/layout/lProcess3"/>
+    <dgm:cxn modelId="{9CBE142A-701C-4716-8086-DD874AA85B73}" type="presOf" srcId="{84C342D9-A923-4A32-9CC4-36DD499ADB39}" destId="{7D17BA07-C620-415F-88A4-30E2D7106571}" srcOrd="0" destOrd="0" presId="urn:microsoft.com/office/officeart/2005/8/layout/lProcess3"/>
+    <dgm:cxn modelId="{C5BF6C2C-6D0F-4D4A-82B1-2155AA6C9273}" srcId="{A75A2C92-319C-4A28-A82D-A27BC9326430}" destId="{033209EB-C1EC-4051-A1C3-60D05269BC3B}" srcOrd="2" destOrd="0" parTransId="{B96E8E4C-0094-4D94-8216-FB0803942726}" sibTransId="{5CD03A2B-ACE6-4407-B72B-1449BD581070}"/>
+    <dgm:cxn modelId="{26B28135-A0D7-45E8-90F4-14DD826A9F96}" srcId="{1043BEA7-E632-4A82-B4A1-9DAE56EAFE1B}" destId="{3F0F9B9F-6AF1-4214-89AA-ECD556B2C4F5}" srcOrd="2" destOrd="0" parTransId="{B86FA4D3-5B66-40EC-B3A0-A6D32D5F16C7}" sibTransId="{DE11BD9A-C5DB-4E07-A8AC-8C7DEFC7B5DE}"/>
+    <dgm:cxn modelId="{C0C52436-9404-4F59-A099-4AAD759365ED}" type="presOf" srcId="{6D7CB484-F3B9-4D6B-A097-40945D00D880}" destId="{5F04B938-0DDB-43ED-B23E-4D527502E05A}" srcOrd="0" destOrd="0" presId="urn:microsoft.com/office/officeart/2005/8/layout/lProcess3"/>
+    <dgm:cxn modelId="{BC14A73B-2CA7-40AA-835F-711FE1C1CEFA}" type="presOf" srcId="{75A5D49C-394E-4871-8E61-26B5EAF77ED2}" destId="{C0716A80-9FEE-447F-B39A-19BD52B6922B}" srcOrd="0" destOrd="0" presId="urn:microsoft.com/office/officeart/2005/8/layout/lProcess3"/>
+    <dgm:cxn modelId="{78C2AA40-7A24-496E-844A-126A11920079}" type="presOf" srcId="{99EF1C52-FD7E-4B46-B75E-7D24D79072D7}" destId="{8761CDEF-06D4-45B4-A956-70AD555C8D29}" srcOrd="0" destOrd="0" presId="urn:microsoft.com/office/officeart/2005/8/layout/lProcess3"/>
+    <dgm:cxn modelId="{0B992C41-88D7-4083-8BB9-9E38ABF73CA7}" srcId="{A75A2C92-319C-4A28-A82D-A27BC9326430}" destId="{42BBA546-BC1D-48DD-BFA9-2AB25801C1F6}" srcOrd="1" destOrd="0" parTransId="{02B35D1E-7075-41F7-9753-861CA40422DC}" sibTransId="{779F572E-4356-40F7-9D84-B0E7E6C56CC7}"/>
+    <dgm:cxn modelId="{0E81D544-8D24-4A68-9039-A07B026219DD}" type="presOf" srcId="{A75A2C92-319C-4A28-A82D-A27BC9326430}" destId="{C27D356B-28CC-4F07-9FBC-45E153CB933A}" srcOrd="0" destOrd="0" presId="urn:microsoft.com/office/officeart/2005/8/layout/lProcess3"/>
+    <dgm:cxn modelId="{E14AE264-7CDC-4782-A126-0D8AF5C24641}" type="presOf" srcId="{DC9C6520-3457-49CE-807C-B7B094689330}" destId="{6601144A-98B9-4822-BC99-E9453AE7C7F2}" srcOrd="0" destOrd="0" presId="urn:microsoft.com/office/officeart/2005/8/layout/lProcess3"/>
+    <dgm:cxn modelId="{26983169-C7AB-46B3-B3C3-CB0B1EE2D0CF}" type="presOf" srcId="{30FD202C-36B9-4784-A22A-E79E18B24EDD}" destId="{0D97954F-9F29-437D-91CB-AE584B7E71E5}" srcOrd="0" destOrd="0" presId="urn:microsoft.com/office/officeart/2005/8/layout/lProcess3"/>
+    <dgm:cxn modelId="{3E0A9273-806C-4E53-AB68-233AC3505F90}" srcId="{467AD752-00E0-4A2A-86D9-14C314EB5973}" destId="{1043BEA7-E632-4A82-B4A1-9DAE56EAFE1B}" srcOrd="3" destOrd="0" parTransId="{F6F8B4C9-0148-4FC5-8939-44D04981DBDC}" sibTransId="{B5534054-0AAF-46F6-B490-40395073C357}"/>
+    <dgm:cxn modelId="{B9582858-2B5A-4FF1-9BCB-4C76E2136746}" type="presOf" srcId="{5F4DC8D0-DCD7-4457-9ADF-79A56AFA435E}" destId="{2F464BB6-F823-4125-AE5D-C22EAADACFDC}" srcOrd="0" destOrd="0" presId="urn:microsoft.com/office/officeart/2005/8/layout/lProcess3"/>
+    <dgm:cxn modelId="{86958158-550F-4582-8862-158B3CF3DF9F}" type="presOf" srcId="{16966702-5310-4199-8D6D-F1FB8233CFDB}" destId="{30B5CBE0-286F-41AF-BFF3-90E95F129B29}" srcOrd="0" destOrd="0" presId="urn:microsoft.com/office/officeart/2005/8/layout/lProcess3"/>
+    <dgm:cxn modelId="{B875FA79-5D10-400A-A0C0-336C723345A6}" srcId="{46C79969-4621-4C9F-A847-4AA19B3DEB9B}" destId="{D4D34515-66E9-4CE4-8FB2-E724883D30CC}" srcOrd="0" destOrd="0" parTransId="{54E9E698-BFA1-4B2C-A349-ED575773B80B}" sibTransId="{6BE165BB-B517-4C54-8B01-1493EB49BFB3}"/>
+    <dgm:cxn modelId="{4310E05A-8C9F-470F-97C8-C6F3DE80D868}" type="presOf" srcId="{657C18E4-A02E-45FE-B887-9D54DFCC1CFD}" destId="{6A59F9CF-89AB-47B3-A37A-BE0101E1F3A0}" srcOrd="0" destOrd="0" presId="urn:microsoft.com/office/officeart/2005/8/layout/lProcess3"/>
+    <dgm:cxn modelId="{02E74680-0BD0-45B9-A09C-062E115960FA}" srcId="{A75A2C92-319C-4A28-A82D-A27BC9326430}" destId="{657C18E4-A02E-45FE-B887-9D54DFCC1CFD}" srcOrd="4" destOrd="0" parTransId="{93D45CDB-3F40-4FC9-9962-9ACEC79D4690}" sibTransId="{C7C62136-9137-4259-A841-8B6F464283AF}"/>
+    <dgm:cxn modelId="{3CA77A84-6AAD-4972-B3B4-0F5821CB76DC}" type="presOf" srcId="{D4D34515-66E9-4CE4-8FB2-E724883D30CC}" destId="{1289A579-486A-427F-A26B-BBC4B60B49BF}" srcOrd="0" destOrd="0" presId="urn:microsoft.com/office/officeart/2005/8/layout/lProcess3"/>
+    <dgm:cxn modelId="{F90F068C-F6E0-4BE5-9808-FB876DE0F27F}" srcId="{16966702-5310-4199-8D6D-F1FB8233CFDB}" destId="{210293D7-15CA-4297-AD94-8905E8C3B758}" srcOrd="2" destOrd="0" parTransId="{7045F3BD-D0F5-4E47-B40E-3EEA00A7FCC2}" sibTransId="{4BCE8518-0994-4A35-A947-3DF7B2210280}"/>
+    <dgm:cxn modelId="{399D478E-BD11-43FD-8AB0-1CEBC6E41354}" type="presOf" srcId="{42BBA546-BC1D-48DD-BFA9-2AB25801C1F6}" destId="{C58C75BA-BE9D-4855-B823-5A0DAF039C92}" srcOrd="0" destOrd="0" presId="urn:microsoft.com/office/officeart/2005/8/layout/lProcess3"/>
+    <dgm:cxn modelId="{1CB25B92-0E83-454E-9770-705676F3FBBE}" type="presOf" srcId="{454214DA-17B5-43F6-AB49-A6AA85C8048F}" destId="{AB160012-684F-4531-A479-053872187715}" srcOrd="0" destOrd="0" presId="urn:microsoft.com/office/officeart/2005/8/layout/lProcess3"/>
+    <dgm:cxn modelId="{4CE6BF93-CB6F-4C50-A1A3-D8FFABCC3A51}" srcId="{467AD752-00E0-4A2A-86D9-14C314EB5973}" destId="{A75A2C92-319C-4A28-A82D-A27BC9326430}" srcOrd="4" destOrd="0" parTransId="{3CCD6940-F443-4C28-B66F-C9F79A6CEF50}" sibTransId="{79B88D78-0120-4F8E-B9C0-0628974D5C55}"/>
+    <dgm:cxn modelId="{63A4BD94-6A22-4F4A-9BFA-6CC33C75FE00}" srcId="{84C342D9-A923-4A32-9CC4-36DD499ADB39}" destId="{454214DA-17B5-43F6-AB49-A6AA85C8048F}" srcOrd="2" destOrd="0" parTransId="{CF03F409-BCF4-435E-BC83-926AFC26D905}" sibTransId="{623BA43E-0739-44EB-80EE-21D371AB9EF7}"/>
+    <dgm:cxn modelId="{D1F59098-71CF-4335-80B0-5F0020EBC013}" srcId="{84C342D9-A923-4A32-9CC4-36DD499ADB39}" destId="{75A5D49C-394E-4871-8E61-26B5EAF77ED2}" srcOrd="1" destOrd="0" parTransId="{7279709E-FDAE-473B-B04F-F20ADC72E874}" sibTransId="{89599C05-94D8-447D-92DC-71422628E9C5}"/>
+    <dgm:cxn modelId="{9D6E209B-BAC4-4496-96A5-6AE1681E7EAE}" type="presOf" srcId="{1043BEA7-E632-4A82-B4A1-9DAE56EAFE1B}" destId="{140A3D0A-4926-4812-81C3-DB344738BDC8}" srcOrd="0" destOrd="0" presId="urn:microsoft.com/office/officeart/2005/8/layout/lProcess3"/>
+    <dgm:cxn modelId="{F9ED519C-A1B8-4A93-A0BC-C100805C25A7}" srcId="{84C342D9-A923-4A32-9CC4-36DD499ADB39}" destId="{5F189D21-A04C-419E-8A19-EA6ADC3B9D5C}" srcOrd="3" destOrd="0" parTransId="{ADD6038F-3C21-4380-989D-86B733967643}" sibTransId="{FD60408D-DDF6-4BB7-BD4D-92E7CA1CE61F}"/>
+    <dgm:cxn modelId="{F2C673A1-4212-474D-9768-18AAEEDB19D9}" srcId="{467AD752-00E0-4A2A-86D9-14C314EB5973}" destId="{16966702-5310-4199-8D6D-F1FB8233CFDB}" srcOrd="0" destOrd="0" parTransId="{F65170B9-0D63-4BF3-A10E-CB0DEA681240}" sibTransId="{8407C39E-D130-43B4-B7F3-C8E0601D0505}"/>
+    <dgm:cxn modelId="{CB9B70A3-0F7C-4CFE-BFEB-E4314D1A0C83}" type="presOf" srcId="{5F189D21-A04C-419E-8A19-EA6ADC3B9D5C}" destId="{4BED7D82-F0AD-479A-BD69-67BE6B68C571}" srcOrd="0" destOrd="0" presId="urn:microsoft.com/office/officeart/2005/8/layout/lProcess3"/>
+    <dgm:cxn modelId="{6B6906A6-9694-4B7C-BA80-D7A65ED1920B}" srcId="{1043BEA7-E632-4A82-B4A1-9DAE56EAFE1B}" destId="{5F4DC8D0-DCD7-4457-9ADF-79A56AFA435E}" srcOrd="0" destOrd="0" parTransId="{AE3EA591-2B00-4832-A997-93B5C780463D}" sibTransId="{C8DE4A6C-1880-43D2-9719-0235087EF04C}"/>
+    <dgm:cxn modelId="{2FF64CC8-8274-4B5D-9AF6-3A9204FDFA44}" srcId="{A75A2C92-319C-4A28-A82D-A27BC9326430}" destId="{30FD202C-36B9-4784-A22A-E79E18B24EDD}" srcOrd="0" destOrd="0" parTransId="{E616E605-AD63-40EE-918B-F61F3D513A87}" sibTransId="{02CD3F47-7300-4B79-9D94-FE60B07214C0}"/>
+    <dgm:cxn modelId="{B94721CA-877F-4B05-8B50-1EB0A4313E99}" type="presOf" srcId="{033209EB-C1EC-4051-A1C3-60D05269BC3B}" destId="{67B01223-E9A4-41BE-9E83-1B1B40337858}" srcOrd="0" destOrd="0" presId="urn:microsoft.com/office/officeart/2005/8/layout/lProcess3"/>
+    <dgm:cxn modelId="{71C0EDCD-CF02-49A8-93E9-A862CEC7CB52}" type="presOf" srcId="{1B020DFF-1C71-477C-96AB-4E23A81C5C38}" destId="{92EEB95B-6E19-4276-A549-522042E06970}" srcOrd="0" destOrd="0" presId="urn:microsoft.com/office/officeart/2005/8/layout/lProcess3"/>
+    <dgm:cxn modelId="{EA0AE4D0-4F3F-4428-AE8C-956ECF81E485}" srcId="{1043BEA7-E632-4A82-B4A1-9DAE56EAFE1B}" destId="{DC9C6520-3457-49CE-807C-B7B094689330}" srcOrd="3" destOrd="0" parTransId="{950128C8-76D6-4218-A576-0F804CE7C5F1}" sibTransId="{1375618F-A2B6-4726-9EDB-E8A79E448E79}"/>
+    <dgm:cxn modelId="{BD5DE8D2-5471-4BE2-9C26-ACED599123F0}" type="presOf" srcId="{4900FEFB-619A-4D5C-AB46-927A0AAB03E3}" destId="{8C8477D6-2D0D-466F-9695-5F7EA323872A}" srcOrd="0" destOrd="0" presId="urn:microsoft.com/office/officeart/2005/8/layout/lProcess3"/>
+    <dgm:cxn modelId="{B030CDD7-6313-4B6C-ABD7-72540BFF2217}" type="presOf" srcId="{46C79969-4621-4C9F-A847-4AA19B3DEB9B}" destId="{5890581A-55EB-433E-9724-2457ACD3B097}" srcOrd="0" destOrd="0" presId="urn:microsoft.com/office/officeart/2005/8/layout/lProcess3"/>
+    <dgm:cxn modelId="{D977A3DA-8D97-4D70-9995-0EAD03D8FB5B}" srcId="{84C342D9-A923-4A32-9CC4-36DD499ADB39}" destId="{99EF1C52-FD7E-4B46-B75E-7D24D79072D7}" srcOrd="0" destOrd="0" parTransId="{E3B8751A-6829-4AED-AFD9-146FB9AC1491}" sibTransId="{A98E4005-0F0C-4614-9B56-2B7522109EAB}"/>
+    <dgm:cxn modelId="{7888BCDE-2C3B-4928-B205-AE43332AADD8}" type="presOf" srcId="{93A7A4C5-E2FD-4C22-886A-44D13A7E7335}" destId="{945AF115-2AE2-4EF2-A5FB-DF0948F4E762}" srcOrd="0" destOrd="0" presId="urn:microsoft.com/office/officeart/2005/8/layout/lProcess3"/>
+    <dgm:cxn modelId="{CC08ACE6-97BC-4898-B376-98C496BF91B5}" type="presOf" srcId="{210293D7-15CA-4297-AD94-8905E8C3B758}" destId="{EF0B32F8-3EA1-4C2C-8B8E-722C1DF202EF}" srcOrd="0" destOrd="0" presId="urn:microsoft.com/office/officeart/2005/8/layout/lProcess3"/>
+    <dgm:cxn modelId="{DB723AF1-2102-451B-9576-EA05D5A4803F}" srcId="{467AD752-00E0-4A2A-86D9-14C314EB5973}" destId="{84C342D9-A923-4A32-9CC4-36DD499ADB39}" srcOrd="2" destOrd="0" parTransId="{BEFAACB1-F398-400D-A6CE-5742FEC77FBE}" sibTransId="{C9DED67F-19BD-49A7-993F-9D9BA492DA19}"/>
+    <dgm:cxn modelId="{A3C46CF1-613B-49B0-B21B-E1D5B6E54CE5}" srcId="{467AD752-00E0-4A2A-86D9-14C314EB5973}" destId="{46C79969-4621-4C9F-A847-4AA19B3DEB9B}" srcOrd="1" destOrd="0" parTransId="{98A1C1DA-7CDA-4647-95AA-0CF6775EB289}" sibTransId="{45A04491-658D-4F9A-ADA4-A94E11F22BB0}"/>
+    <dgm:cxn modelId="{0DF34BF5-4A4B-481B-9837-BA7BD41FD58B}" srcId="{16966702-5310-4199-8D6D-F1FB8233CFDB}" destId="{1B020DFF-1C71-477C-96AB-4E23A81C5C38}" srcOrd="0" destOrd="0" parTransId="{4F1F8974-C6AF-4EE7-9281-C5F256852A99}" sibTransId="{E0A28568-16CC-435D-AC35-6175F5644047}"/>
+    <dgm:cxn modelId="{20392CF9-140A-439D-BC96-CDBCDBB3666F}" type="presOf" srcId="{7157A09D-1D5B-4775-95EC-4E5177DE5916}" destId="{66520B85-83CB-4A66-BCB3-74253A90145C}" srcOrd="0" destOrd="0" presId="urn:microsoft.com/office/officeart/2005/8/layout/lProcess3"/>
+    <dgm:cxn modelId="{387771FD-D2F7-47CB-9E9A-A462420167A6}" srcId="{A75A2C92-319C-4A28-A82D-A27BC9326430}" destId="{93A7A4C5-E2FD-4C22-886A-44D13A7E7335}" srcOrd="5" destOrd="0" parTransId="{90D70C61-9571-4B94-A323-BDEFECF8569B}" sibTransId="{5A60E86C-6E28-4C91-A031-F7C75C180E35}"/>
+    <dgm:cxn modelId="{7CD384FF-E26F-422F-8509-B441371BBA47}" type="presOf" srcId="{470F2ADE-CFE6-4566-8DF2-989A64C592A0}" destId="{C6F4D5BF-4DA3-4122-B98B-DAC86D929E55}" srcOrd="0" destOrd="0" presId="urn:microsoft.com/office/officeart/2005/8/layout/lProcess3"/>
+    <dgm:cxn modelId="{D02F304D-7637-4451-811E-E8DE4DCF9E03}" type="presParOf" srcId="{5260CEA7-BD9C-4340-81EF-73AD526C37AD}" destId="{F014C8CB-68D8-45FB-B1AF-F50E00E37385}" srcOrd="0" destOrd="0" presId="urn:microsoft.com/office/officeart/2005/8/layout/lProcess3"/>
+    <dgm:cxn modelId="{E668BCF4-A5E7-456A-9F22-72AB6D3AB233}" type="presParOf" srcId="{F014C8CB-68D8-45FB-B1AF-F50E00E37385}" destId="{30B5CBE0-286F-41AF-BFF3-90E95F129B29}" srcOrd="0" destOrd="0" presId="urn:microsoft.com/office/officeart/2005/8/layout/lProcess3"/>
+    <dgm:cxn modelId="{6F1FB9A6-3FC5-4128-922C-8033E931BB4A}" type="presParOf" srcId="{F014C8CB-68D8-45FB-B1AF-F50E00E37385}" destId="{ECC5F3EB-FAD6-4A15-9E03-0B4756BE4CAA}" srcOrd="1" destOrd="0" presId="urn:microsoft.com/office/officeart/2005/8/layout/lProcess3"/>
+    <dgm:cxn modelId="{7D1EB6FC-BFFD-4C79-A935-4B445D16CC09}" type="presParOf" srcId="{F014C8CB-68D8-45FB-B1AF-F50E00E37385}" destId="{92EEB95B-6E19-4276-A549-522042E06970}" srcOrd="2" destOrd="0" presId="urn:microsoft.com/office/officeart/2005/8/layout/lProcess3"/>
+    <dgm:cxn modelId="{220CA049-9A9C-45E8-BC21-579F78F18A2C}" type="presParOf" srcId="{F014C8CB-68D8-45FB-B1AF-F50E00E37385}" destId="{45B383C4-38A5-489E-A2BA-213FBBDEDC4F}" srcOrd="3" destOrd="0" presId="urn:microsoft.com/office/officeart/2005/8/layout/lProcess3"/>
+    <dgm:cxn modelId="{E3D5911F-D5B7-480E-874E-B6E1FFE7E008}" type="presParOf" srcId="{F014C8CB-68D8-45FB-B1AF-F50E00E37385}" destId="{5F04B938-0DDB-43ED-B23E-4D527502E05A}" srcOrd="4" destOrd="0" presId="urn:microsoft.com/office/officeart/2005/8/layout/lProcess3"/>
+    <dgm:cxn modelId="{C9AB4AB9-36AE-472F-9A18-92AA0FB89613}" type="presParOf" srcId="{F014C8CB-68D8-45FB-B1AF-F50E00E37385}" destId="{9B8F44E9-BCAE-4195-8E0A-6550E72B99C3}" srcOrd="5" destOrd="0" presId="urn:microsoft.com/office/officeart/2005/8/layout/lProcess3"/>
+    <dgm:cxn modelId="{76BA5ECA-6E88-41CA-9CCE-FB137142009E}" type="presParOf" srcId="{F014C8CB-68D8-45FB-B1AF-F50E00E37385}" destId="{EF0B32F8-3EA1-4C2C-8B8E-722C1DF202EF}" srcOrd="6" destOrd="0" presId="urn:microsoft.com/office/officeart/2005/8/layout/lProcess3"/>
+    <dgm:cxn modelId="{3BF5AD41-97C9-4884-93F7-3B8048BD27F9}" type="presParOf" srcId="{5260CEA7-BD9C-4340-81EF-73AD526C37AD}" destId="{7C9151A3-2FEF-4302-BDB4-1B9064111FE1}" srcOrd="1" destOrd="0" presId="urn:microsoft.com/office/officeart/2005/8/layout/lProcess3"/>
+    <dgm:cxn modelId="{0B8DD6AD-3DA5-4376-839C-2E65C8B659A8}" type="presParOf" srcId="{5260CEA7-BD9C-4340-81EF-73AD526C37AD}" destId="{11255535-06CB-42DE-8AFB-6C5733C4E7CF}" srcOrd="2" destOrd="0" presId="urn:microsoft.com/office/officeart/2005/8/layout/lProcess3"/>
+    <dgm:cxn modelId="{23B69137-84BD-4AB8-A1EC-85124E193E56}" type="presParOf" srcId="{11255535-06CB-42DE-8AFB-6C5733C4E7CF}" destId="{5890581A-55EB-433E-9724-2457ACD3B097}" srcOrd="0" destOrd="0" presId="urn:microsoft.com/office/officeart/2005/8/layout/lProcess3"/>
+    <dgm:cxn modelId="{4AB631CE-EA58-4A7A-8152-5A2A0C1ECC20}" type="presParOf" srcId="{11255535-06CB-42DE-8AFB-6C5733C4E7CF}" destId="{F24013CB-89A4-4C52-AC2B-4381BE9DF550}" srcOrd="1" destOrd="0" presId="urn:microsoft.com/office/officeart/2005/8/layout/lProcess3"/>
+    <dgm:cxn modelId="{EBAB47E0-C0F6-42F6-A6AE-57908F346FC8}" type="presParOf" srcId="{11255535-06CB-42DE-8AFB-6C5733C4E7CF}" destId="{1289A579-486A-427F-A26B-BBC4B60B49BF}" srcOrd="2" destOrd="0" presId="urn:microsoft.com/office/officeart/2005/8/layout/lProcess3"/>
+    <dgm:cxn modelId="{04E82D02-2A71-4D8E-8845-06E31F95B062}" type="presParOf" srcId="{11255535-06CB-42DE-8AFB-6C5733C4E7CF}" destId="{A47728FC-22FA-45A0-B374-666ABC643CEE}" srcOrd="3" destOrd="0" presId="urn:microsoft.com/office/officeart/2005/8/layout/lProcess3"/>
+    <dgm:cxn modelId="{E06D9A4D-D22C-4AC3-88F3-B2B7500ADE32}" type="presParOf" srcId="{11255535-06CB-42DE-8AFB-6C5733C4E7CF}" destId="{8C8477D6-2D0D-466F-9695-5F7EA323872A}" srcOrd="4" destOrd="0" presId="urn:microsoft.com/office/officeart/2005/8/layout/lProcess3"/>
+    <dgm:cxn modelId="{4B687069-E271-4221-8B51-6475B845BC5E}" type="presParOf" srcId="{11255535-06CB-42DE-8AFB-6C5733C4E7CF}" destId="{BE4498A3-EF66-4DDE-A3A9-0D0AF7543DB0}" srcOrd="5" destOrd="0" presId="urn:microsoft.com/office/officeart/2005/8/layout/lProcess3"/>
+    <dgm:cxn modelId="{E17483E0-38E1-4DCF-A854-18E8B73CDB8C}" type="presParOf" srcId="{11255535-06CB-42DE-8AFB-6C5733C4E7CF}" destId="{2FD22563-0894-4873-9762-CB982E58ABAB}" srcOrd="6" destOrd="0" presId="urn:microsoft.com/office/officeart/2005/8/layout/lProcess3"/>
+    <dgm:cxn modelId="{58708450-396A-4FF3-9A48-0294CBBB78EF}" type="presParOf" srcId="{5260CEA7-BD9C-4340-81EF-73AD526C37AD}" destId="{B8C7DFCB-2EE9-4AA6-BFCC-5D8CC35E50F2}" srcOrd="3" destOrd="0" presId="urn:microsoft.com/office/officeart/2005/8/layout/lProcess3"/>
+    <dgm:cxn modelId="{3F3D70DC-594E-416D-A24D-395F94D2D7E1}" type="presParOf" srcId="{5260CEA7-BD9C-4340-81EF-73AD526C37AD}" destId="{E734D5BE-D241-4C0F-B4B9-5C3BF1F047F1}" srcOrd="4" destOrd="0" presId="urn:microsoft.com/office/officeart/2005/8/layout/lProcess3"/>
+    <dgm:cxn modelId="{F5CD87EB-4CE2-4AEC-811A-9E85565B2168}" type="presParOf" srcId="{E734D5BE-D241-4C0F-B4B9-5C3BF1F047F1}" destId="{7D17BA07-C620-415F-88A4-30E2D7106571}" srcOrd="0" destOrd="0" presId="urn:microsoft.com/office/officeart/2005/8/layout/lProcess3"/>
+    <dgm:cxn modelId="{9E545DDE-B453-42FD-BA40-00E18541357E}" type="presParOf" srcId="{E734D5BE-D241-4C0F-B4B9-5C3BF1F047F1}" destId="{568A3EAC-615E-40F9-B21D-7869F09F80CB}" srcOrd="1" destOrd="0" presId="urn:microsoft.com/office/officeart/2005/8/layout/lProcess3"/>
+    <dgm:cxn modelId="{DE5164B8-ED5E-4DD5-AC11-ADC9F40B929A}" type="presParOf" srcId="{E734D5BE-D241-4C0F-B4B9-5C3BF1F047F1}" destId="{8761CDEF-06D4-45B4-A956-70AD555C8D29}" srcOrd="2" destOrd="0" presId="urn:microsoft.com/office/officeart/2005/8/layout/lProcess3"/>
+    <dgm:cxn modelId="{1F0A0273-A40C-493D-ACCC-EC8FE5C4E69D}" type="presParOf" srcId="{E734D5BE-D241-4C0F-B4B9-5C3BF1F047F1}" destId="{975A99C9-6EA5-4569-BE35-266DAAC46BA2}" srcOrd="3" destOrd="0" presId="urn:microsoft.com/office/officeart/2005/8/layout/lProcess3"/>
+    <dgm:cxn modelId="{14B78CF8-8A3B-4F68-9EED-1DF7A296A95B}" type="presParOf" srcId="{E734D5BE-D241-4C0F-B4B9-5C3BF1F047F1}" destId="{C0716A80-9FEE-447F-B39A-19BD52B6922B}" srcOrd="4" destOrd="0" presId="urn:microsoft.com/office/officeart/2005/8/layout/lProcess3"/>
+    <dgm:cxn modelId="{8D8690D3-5FB1-4473-847F-621F5534CB19}" type="presParOf" srcId="{E734D5BE-D241-4C0F-B4B9-5C3BF1F047F1}" destId="{89EB836A-6A3E-4698-A0A8-EFECB6CA3A7A}" srcOrd="5" destOrd="0" presId="urn:microsoft.com/office/officeart/2005/8/layout/lProcess3"/>
+    <dgm:cxn modelId="{F3862793-0C80-42D7-A482-1C3413F635FF}" type="presParOf" srcId="{E734D5BE-D241-4C0F-B4B9-5C3BF1F047F1}" destId="{AB160012-684F-4531-A479-053872187715}" srcOrd="6" destOrd="0" presId="urn:microsoft.com/office/officeart/2005/8/layout/lProcess3"/>
+    <dgm:cxn modelId="{2AE6A466-28AB-44E4-859E-08BF378C54C9}" type="presParOf" srcId="{E734D5BE-D241-4C0F-B4B9-5C3BF1F047F1}" destId="{5F87520A-ECB6-4CDB-A682-B9EA7F468069}" srcOrd="7" destOrd="0" presId="urn:microsoft.com/office/officeart/2005/8/layout/lProcess3"/>
+    <dgm:cxn modelId="{6DB0F13E-1C4F-4EB7-83B5-1F31B8E93D06}" type="presParOf" srcId="{E734D5BE-D241-4C0F-B4B9-5C3BF1F047F1}" destId="{4BED7D82-F0AD-479A-BD69-67BE6B68C571}" srcOrd="8" destOrd="0" presId="urn:microsoft.com/office/officeart/2005/8/layout/lProcess3"/>
+    <dgm:cxn modelId="{CE048DAD-21AD-411D-AA7B-0924B1D17D9C}" type="presParOf" srcId="{5260CEA7-BD9C-4340-81EF-73AD526C37AD}" destId="{91E8AD8F-FD4E-4A2B-BC36-3F644D43689C}" srcOrd="5" destOrd="0" presId="urn:microsoft.com/office/officeart/2005/8/layout/lProcess3"/>
+    <dgm:cxn modelId="{1B97093F-3894-4681-A76A-73A42430216A}" type="presParOf" srcId="{5260CEA7-BD9C-4340-81EF-73AD526C37AD}" destId="{808B0F0A-82FF-4446-AAED-E6A949A9CBD7}" srcOrd="6" destOrd="0" presId="urn:microsoft.com/office/officeart/2005/8/layout/lProcess3"/>
+    <dgm:cxn modelId="{C41AAEBE-D9EB-42FE-BC5F-FBB2A3157A2E}" type="presParOf" srcId="{808B0F0A-82FF-4446-AAED-E6A949A9CBD7}" destId="{140A3D0A-4926-4812-81C3-DB344738BDC8}" srcOrd="0" destOrd="0" presId="urn:microsoft.com/office/officeart/2005/8/layout/lProcess3"/>
+    <dgm:cxn modelId="{D981FDD9-0645-4C3E-B408-B052E218EB96}" type="presParOf" srcId="{808B0F0A-82FF-4446-AAED-E6A949A9CBD7}" destId="{F9486070-9AF4-4868-94CE-F2FDC1B7C6CB}" srcOrd="1" destOrd="0" presId="urn:microsoft.com/office/officeart/2005/8/layout/lProcess3"/>
+    <dgm:cxn modelId="{A64D3292-1026-4E7C-9973-003EC1C0129B}" type="presParOf" srcId="{808B0F0A-82FF-4446-AAED-E6A949A9CBD7}" destId="{2F464BB6-F823-4125-AE5D-C22EAADACFDC}" srcOrd="2" destOrd="0" presId="urn:microsoft.com/office/officeart/2005/8/layout/lProcess3"/>
+    <dgm:cxn modelId="{0CC950DA-70DF-4267-817B-86933BF42F08}" type="presParOf" srcId="{808B0F0A-82FF-4446-AAED-E6A949A9CBD7}" destId="{AC4CF332-1FBE-4877-A687-B12022B91D9C}" srcOrd="3" destOrd="0" presId="urn:microsoft.com/office/officeart/2005/8/layout/lProcess3"/>
+    <dgm:cxn modelId="{E135605E-5408-4465-954C-D2EC36166A83}" type="presParOf" srcId="{808B0F0A-82FF-4446-AAED-E6A949A9CBD7}" destId="{66520B85-83CB-4A66-BCB3-74253A90145C}" srcOrd="4" destOrd="0" presId="urn:microsoft.com/office/officeart/2005/8/layout/lProcess3"/>
+    <dgm:cxn modelId="{C1FD68CD-37A1-4CB9-A56F-DEFC4D423F41}" type="presParOf" srcId="{808B0F0A-82FF-4446-AAED-E6A949A9CBD7}" destId="{08352D03-2441-4062-ABD2-2F26FF7B3123}" srcOrd="5" destOrd="0" presId="urn:microsoft.com/office/officeart/2005/8/layout/lProcess3"/>
+    <dgm:cxn modelId="{C98B731C-3728-4DCD-89E3-90222B52092C}" type="presParOf" srcId="{808B0F0A-82FF-4446-AAED-E6A949A9CBD7}" destId="{87512E63-A0F0-456F-B37C-DB439B028388}" srcOrd="6" destOrd="0" presId="urn:microsoft.com/office/officeart/2005/8/layout/lProcess3"/>
+    <dgm:cxn modelId="{5CDC4A21-9649-4150-8E16-024CF30C1084}" type="presParOf" srcId="{808B0F0A-82FF-4446-AAED-E6A949A9CBD7}" destId="{C1AADDA1-C57A-4233-8591-B38D1F5C0125}" srcOrd="7" destOrd="0" presId="urn:microsoft.com/office/officeart/2005/8/layout/lProcess3"/>
+    <dgm:cxn modelId="{4D623294-EB8F-4BBF-BBC9-1269025AE30D}" type="presParOf" srcId="{808B0F0A-82FF-4446-AAED-E6A949A9CBD7}" destId="{6601144A-98B9-4822-BC99-E9453AE7C7F2}" srcOrd="8" destOrd="0" presId="urn:microsoft.com/office/officeart/2005/8/layout/lProcess3"/>
+    <dgm:cxn modelId="{6135624C-D693-41EC-865D-EA5BED056E4A}" type="presParOf" srcId="{5260CEA7-BD9C-4340-81EF-73AD526C37AD}" destId="{0A9B13B4-3921-4288-8504-B00863AEA2AA}" srcOrd="7" destOrd="0" presId="urn:microsoft.com/office/officeart/2005/8/layout/lProcess3"/>
+    <dgm:cxn modelId="{F73AA57E-EE5F-4594-BD3F-9B054A9777AA}" type="presParOf" srcId="{5260CEA7-BD9C-4340-81EF-73AD526C37AD}" destId="{CB531421-DBE0-45B0-A46A-AF5B59358158}" srcOrd="8" destOrd="0" presId="urn:microsoft.com/office/officeart/2005/8/layout/lProcess3"/>
+    <dgm:cxn modelId="{3F6993BF-5FE4-4FF7-9D18-E65F66190509}" type="presParOf" srcId="{CB531421-DBE0-45B0-A46A-AF5B59358158}" destId="{C27D356B-28CC-4F07-9FBC-45E153CB933A}" srcOrd="0" destOrd="0" presId="urn:microsoft.com/office/officeart/2005/8/layout/lProcess3"/>
+    <dgm:cxn modelId="{37F1CE7F-1EF2-4A33-B625-71577D40D04E}" type="presParOf" srcId="{CB531421-DBE0-45B0-A46A-AF5B59358158}" destId="{B14E7891-121D-4332-BC61-3AE6B456B6FA}" srcOrd="1" destOrd="0" presId="urn:microsoft.com/office/officeart/2005/8/layout/lProcess3"/>
+    <dgm:cxn modelId="{3FCD7AF1-C1DB-4935-BA3C-638340FB0DC9}" type="presParOf" srcId="{CB531421-DBE0-45B0-A46A-AF5B59358158}" destId="{0D97954F-9F29-437D-91CB-AE584B7E71E5}" srcOrd="2" destOrd="0" presId="urn:microsoft.com/office/officeart/2005/8/layout/lProcess3"/>
+    <dgm:cxn modelId="{3E64C810-FFA7-4180-AA76-0E505FC3C73E}" type="presParOf" srcId="{CB531421-DBE0-45B0-A46A-AF5B59358158}" destId="{1D95AE45-A180-4FC7-B9E5-7DB1A26C7529}" srcOrd="3" destOrd="0" presId="urn:microsoft.com/office/officeart/2005/8/layout/lProcess3"/>
+    <dgm:cxn modelId="{241A07F0-D2BB-49B8-930F-B884711AF5FE}" type="presParOf" srcId="{CB531421-DBE0-45B0-A46A-AF5B59358158}" destId="{C58C75BA-BE9D-4855-B823-5A0DAF039C92}" srcOrd="4" destOrd="0" presId="urn:microsoft.com/office/officeart/2005/8/layout/lProcess3"/>
+    <dgm:cxn modelId="{5E1F99A9-EE82-4C90-90CE-8838BFBAB05F}" type="presParOf" srcId="{CB531421-DBE0-45B0-A46A-AF5B59358158}" destId="{5CC9C676-86F2-4E39-A1FF-05670B778AFF}" srcOrd="5" destOrd="0" presId="urn:microsoft.com/office/officeart/2005/8/layout/lProcess3"/>
+    <dgm:cxn modelId="{847E9B5F-4318-45DB-B4B9-262B5291F071}" type="presParOf" srcId="{CB531421-DBE0-45B0-A46A-AF5B59358158}" destId="{67B01223-E9A4-41BE-9E83-1B1B40337858}" srcOrd="6" destOrd="0" presId="urn:microsoft.com/office/officeart/2005/8/layout/lProcess3"/>
+    <dgm:cxn modelId="{88562FEA-BE26-4DE4-85CA-E5FF8956A7B9}" type="presParOf" srcId="{CB531421-DBE0-45B0-A46A-AF5B59358158}" destId="{8B1D00A6-95AB-4115-B006-799401216EA7}" srcOrd="7" destOrd="0" presId="urn:microsoft.com/office/officeart/2005/8/layout/lProcess3"/>
+    <dgm:cxn modelId="{2DDE5257-C00B-44AC-A708-60AC2071AB36}" type="presParOf" srcId="{CB531421-DBE0-45B0-A46A-AF5B59358158}" destId="{C6F4D5BF-4DA3-4122-B98B-DAC86D929E55}" srcOrd="8" destOrd="0" presId="urn:microsoft.com/office/officeart/2005/8/layout/lProcess3"/>
+    <dgm:cxn modelId="{84292152-9CEF-4732-B75E-5A3D7415565F}" type="presParOf" srcId="{CB531421-DBE0-45B0-A46A-AF5B59358158}" destId="{925681FA-9D4C-4B85-AB4D-92F10D3B20CF}" srcOrd="9" destOrd="0" presId="urn:microsoft.com/office/officeart/2005/8/layout/lProcess3"/>
+    <dgm:cxn modelId="{E933388E-1A6E-4521-B5FE-FA9CB89EBDCF}" type="presParOf" srcId="{CB531421-DBE0-45B0-A46A-AF5B59358158}" destId="{6A59F9CF-89AB-47B3-A37A-BE0101E1F3A0}" srcOrd="10" destOrd="0" presId="urn:microsoft.com/office/officeart/2005/8/layout/lProcess3"/>
+    <dgm:cxn modelId="{5F7BF499-E2F3-4266-B324-E14ED1A7E48C}" type="presParOf" srcId="{CB531421-DBE0-45B0-A46A-AF5B59358158}" destId="{610C4908-DA1A-4BB6-80C7-190536927777}" srcOrd="11" destOrd="0" presId="urn:microsoft.com/office/officeart/2005/8/layout/lProcess3"/>
+    <dgm:cxn modelId="{DBF7F869-3C8C-4204-8F55-FC26138F87B6}" type="presParOf" srcId="{CB531421-DBE0-45B0-A46A-AF5B59358158}" destId="{945AF115-2AE2-4EF2-A5FB-DF0948F4E762}" srcOrd="12" destOrd="0" presId="urn:microsoft.com/office/officeart/2005/8/layout/lProcess3"/>
+  </dgm:cxnLst>
+  <dgm:bg/>
+  <dgm:whole/>
+  <dgm:extLst>
+    <a:ext uri="http://schemas.microsoft.com/office/drawing/2008/diagram">
+      <dsp:dataModelExt xmlns:dsp="http://schemas.microsoft.com/office/drawing/2008/diagram" relId="rId6" minVer="http://schemas.openxmlformats.org/drawingml/2006/diagram"/>
+    </a:ext>
+  </dgm:extLst>
+</dgm:dataModel>
+</file>
+
+<file path=ppt/diagrams/drawing1.xml><?xml version="1.0" encoding="utf-8"?>
+<dsp:drawing xmlns:dgm="http://schemas.openxmlformats.org/drawingml/2006/diagram" xmlns:dsp="http://schemas.microsoft.com/office/drawing/2008/diagram" xmlns:a="http://schemas.openxmlformats.org/drawingml/2006/main">
+  <dsp:spTree>
+    <dsp:nvGrpSpPr>
+      <dsp:cNvPr id="0" name=""/>
+      <dsp:cNvGrpSpPr/>
+    </dsp:nvGrpSpPr>
+    <dsp:grpSpPr/>
+    <dsp:sp modelId="{30B5CBE0-286F-41AF-BFF3-90E95F129B29}">
+      <dsp:nvSpPr>
+        <dsp:cNvPr id="0" name=""/>
+        <dsp:cNvSpPr/>
+      </dsp:nvSpPr>
+      <dsp:spPr>
+        <a:xfrm>
+          <a:off x="128838" y="888"/>
+          <a:ext cx="2019811" cy="807924"/>
+        </a:xfrm>
+        <a:prstGeom prst="chevron">
+          <a:avLst/>
+        </a:prstGeom>
+        <a:solidFill>
+          <a:schemeClr val="accent1">
+            <a:hueOff val="0"/>
+            <a:satOff val="0"/>
+            <a:lumOff val="0"/>
+            <a:alphaOff val="0"/>
+          </a:schemeClr>
+        </a:solidFill>
+        <a:ln w="12700" cap="flat" cmpd="sng" algn="ctr">
+          <a:solidFill>
+            <a:schemeClr val="lt1">
+              <a:hueOff val="0"/>
+              <a:satOff val="0"/>
+              <a:lumOff val="0"/>
+              <a:alphaOff val="0"/>
+            </a:schemeClr>
+          </a:solidFill>
+          <a:prstDash val="solid"/>
+          <a:miter lim="800000"/>
+        </a:ln>
+        <a:effectLst/>
+      </dsp:spPr>
+      <dsp:style>
+        <a:lnRef idx="2">
+          <a:scrgbClr r="0" g="0" b="0"/>
+        </a:lnRef>
+        <a:fillRef idx="1">
+          <a:scrgbClr r="0" g="0" b="0"/>
+        </a:fillRef>
+        <a:effectRef idx="0">
+          <a:scrgbClr r="0" g="0" b="0"/>
+        </a:effectRef>
+        <a:fontRef idx="minor">
+          <a:schemeClr val="lt1"/>
+        </a:fontRef>
+      </dsp:style>
+      <dsp:txBody>
+        <a:bodyPr spcFirstLastPara="0" vert="horz" wrap="square" lIns="24130" tIns="12065" rIns="0" bIns="12065" numCol="1" spcCol="1270" anchor="ctr" anchorCtr="0">
+          <a:noAutofit/>
+        </a:bodyPr>
+        <a:lstStyle/>
+        <a:p>
+          <a:pPr marL="0" lvl="0" indent="0" algn="ctr" defTabSz="844550">
+            <a:lnSpc>
+              <a:spcPct val="90000"/>
+            </a:lnSpc>
+            <a:spcBef>
+              <a:spcPct val="0"/>
+            </a:spcBef>
+            <a:spcAft>
+              <a:spcPct val="35000"/>
+            </a:spcAft>
+            <a:buNone/>
+          </a:pPr>
+          <a:r>
+            <a:rPr lang="en-US" sz="1900" kern="1200" dirty="0"/>
+            <a:t>Develop</a:t>
+          </a:r>
+        </a:p>
+      </dsp:txBody>
+      <dsp:txXfrm>
+        <a:off x="532800" y="888"/>
+        <a:ext cx="1211887" cy="807924"/>
+      </dsp:txXfrm>
+    </dsp:sp>
+    <dsp:sp modelId="{92EEB95B-6E19-4276-A549-522042E06970}">
+      <dsp:nvSpPr>
+        <dsp:cNvPr id="0" name=""/>
+        <dsp:cNvSpPr/>
+      </dsp:nvSpPr>
+      <dsp:spPr>
+        <a:xfrm>
+          <a:off x="1886074" y="69561"/>
+          <a:ext cx="1676443" cy="670577"/>
+        </a:xfrm>
+        <a:prstGeom prst="chevron">
+          <a:avLst/>
+        </a:prstGeom>
+        <a:solidFill>
+          <a:schemeClr val="accent1">
+            <a:alpha val="90000"/>
+            <a:tint val="40000"/>
+            <a:hueOff val="0"/>
+            <a:satOff val="0"/>
+            <a:lumOff val="0"/>
+            <a:alphaOff val="0"/>
+          </a:schemeClr>
+        </a:solidFill>
+        <a:ln w="12700" cap="flat" cmpd="sng" algn="ctr">
+          <a:solidFill>
+            <a:schemeClr val="accent1">
+              <a:alpha val="90000"/>
+              <a:tint val="40000"/>
+              <a:hueOff val="0"/>
+              <a:satOff val="0"/>
+              <a:lumOff val="0"/>
+              <a:alphaOff val="0"/>
+            </a:schemeClr>
+          </a:solidFill>
+          <a:prstDash val="solid"/>
+          <a:miter lim="800000"/>
+        </a:ln>
+        <a:effectLst/>
+      </dsp:spPr>
+      <dsp:style>
+        <a:lnRef idx="2">
+          <a:scrgbClr r="0" g="0" b="0"/>
+        </a:lnRef>
+        <a:fillRef idx="1">
+          <a:scrgbClr r="0" g="0" b="0"/>
+        </a:fillRef>
+        <a:effectRef idx="0">
+          <a:scrgbClr r="0" g="0" b="0"/>
+        </a:effectRef>
+        <a:fontRef idx="minor"/>
+      </dsp:style>
+      <dsp:txBody>
+        <a:bodyPr spcFirstLastPara="0" vert="horz" wrap="square" lIns="16510" tIns="8255" rIns="0" bIns="8255" numCol="1" spcCol="1270" anchor="ctr" anchorCtr="0">
+          <a:noAutofit/>
+        </a:bodyPr>
+        <a:lstStyle/>
+        <a:p>
+          <a:pPr marL="0" lvl="0" indent="0" algn="ctr" defTabSz="577850">
+            <a:lnSpc>
+              <a:spcPct val="90000"/>
+            </a:lnSpc>
+            <a:spcBef>
+              <a:spcPct val="0"/>
+            </a:spcBef>
+            <a:spcAft>
+              <a:spcPct val="35000"/>
+            </a:spcAft>
+            <a:buNone/>
+          </a:pPr>
+          <a:r>
+            <a:rPr lang="en-US" sz="1300" kern="1200" dirty="0"/>
+            <a:t>Use Built in IDE Tools</a:t>
+          </a:r>
+        </a:p>
+      </dsp:txBody>
+      <dsp:txXfrm>
+        <a:off x="2221363" y="69561"/>
+        <a:ext cx="1005866" cy="670577"/>
+      </dsp:txXfrm>
+    </dsp:sp>
+    <dsp:sp modelId="{5F04B938-0DDB-43ED-B23E-4D527502E05A}">
+      <dsp:nvSpPr>
+        <dsp:cNvPr id="0" name=""/>
+        <dsp:cNvSpPr/>
+      </dsp:nvSpPr>
+      <dsp:spPr>
+        <a:xfrm>
+          <a:off x="3327815" y="69561"/>
+          <a:ext cx="1676443" cy="670577"/>
+        </a:xfrm>
+        <a:prstGeom prst="chevron">
+          <a:avLst/>
+        </a:prstGeom>
+        <a:solidFill>
+          <a:schemeClr val="accent1">
+            <a:alpha val="90000"/>
+            <a:tint val="40000"/>
+            <a:hueOff val="0"/>
+            <a:satOff val="0"/>
+            <a:lumOff val="0"/>
+            <a:alphaOff val="0"/>
+          </a:schemeClr>
+        </a:solidFill>
+        <a:ln w="12700" cap="flat" cmpd="sng" algn="ctr">
+          <a:solidFill>
+            <a:schemeClr val="accent1">
+              <a:alpha val="90000"/>
+              <a:tint val="40000"/>
+              <a:hueOff val="0"/>
+              <a:satOff val="0"/>
+              <a:lumOff val="0"/>
+              <a:alphaOff val="0"/>
+            </a:schemeClr>
+          </a:solidFill>
+          <a:prstDash val="solid"/>
+          <a:miter lim="800000"/>
+        </a:ln>
+        <a:effectLst/>
+      </dsp:spPr>
+      <dsp:style>
+        <a:lnRef idx="2">
+          <a:scrgbClr r="0" g="0" b="0"/>
+        </a:lnRef>
+        <a:fillRef idx="1">
+          <a:scrgbClr r="0" g="0" b="0"/>
+        </a:fillRef>
+        <a:effectRef idx="0">
+          <a:scrgbClr r="0" g="0" b="0"/>
+        </a:effectRef>
+        <a:fontRef idx="minor"/>
+      </dsp:style>
+      <dsp:txBody>
+        <a:bodyPr spcFirstLastPara="0" vert="horz" wrap="square" lIns="16510" tIns="8255" rIns="0" bIns="8255" numCol="1" spcCol="1270" anchor="ctr" anchorCtr="0">
+          <a:noAutofit/>
+        </a:bodyPr>
+        <a:lstStyle/>
+        <a:p>
+          <a:pPr marL="0" lvl="0" indent="0" algn="ctr" defTabSz="577850">
+            <a:lnSpc>
+              <a:spcPct val="90000"/>
+            </a:lnSpc>
+            <a:spcBef>
+              <a:spcPct val="0"/>
+            </a:spcBef>
+            <a:spcAft>
+              <a:spcPct val="35000"/>
+            </a:spcAft>
+            <a:buNone/>
+          </a:pPr>
+          <a:r>
+            <a:rPr lang="en-US" sz="1300" kern="1200"/>
+            <a:t>Check-in </a:t>
+          </a:r>
+          <a:r>
+            <a:rPr lang="en-US" sz="1300" kern="1200" dirty="0"/>
+            <a:t>Early &amp; Often</a:t>
+          </a:r>
+        </a:p>
+      </dsp:txBody>
+      <dsp:txXfrm>
+        <a:off x="3663104" y="69561"/>
+        <a:ext cx="1005866" cy="670577"/>
+      </dsp:txXfrm>
+    </dsp:sp>
+    <dsp:sp modelId="{EF0B32F8-3EA1-4C2C-8B8E-722C1DF202EF}">
+      <dsp:nvSpPr>
+        <dsp:cNvPr id="0" name=""/>
+        <dsp:cNvSpPr/>
+      </dsp:nvSpPr>
+      <dsp:spPr>
+        <a:xfrm>
+          <a:off x="4769557" y="69561"/>
+          <a:ext cx="1676443" cy="670577"/>
+        </a:xfrm>
+        <a:prstGeom prst="chevron">
+          <a:avLst/>
+        </a:prstGeom>
+        <a:solidFill>
+          <a:schemeClr val="accent1">
+            <a:alpha val="90000"/>
+            <a:tint val="40000"/>
+            <a:hueOff val="0"/>
+            <a:satOff val="0"/>
+            <a:lumOff val="0"/>
+            <a:alphaOff val="0"/>
+          </a:schemeClr>
+        </a:solidFill>
+        <a:ln w="12700" cap="flat" cmpd="sng" algn="ctr">
+          <a:solidFill>
+            <a:schemeClr val="accent1">
+              <a:alpha val="90000"/>
+              <a:tint val="40000"/>
+              <a:hueOff val="0"/>
+              <a:satOff val="0"/>
+              <a:lumOff val="0"/>
+              <a:alphaOff val="0"/>
+            </a:schemeClr>
+          </a:solidFill>
+          <a:prstDash val="solid"/>
+          <a:miter lim="800000"/>
+        </a:ln>
+        <a:effectLst/>
+      </dsp:spPr>
+      <dsp:style>
+        <a:lnRef idx="2">
+          <a:scrgbClr r="0" g="0" b="0"/>
+        </a:lnRef>
+        <a:fillRef idx="1">
+          <a:scrgbClr r="0" g="0" b="0"/>
+        </a:fillRef>
+        <a:effectRef idx="0">
+          <a:scrgbClr r="0" g="0" b="0"/>
+        </a:effectRef>
+        <a:fontRef idx="minor"/>
+      </dsp:style>
+      <dsp:txBody>
+        <a:bodyPr spcFirstLastPara="0" vert="horz" wrap="square" lIns="16510" tIns="8255" rIns="0" bIns="8255" numCol="1" spcCol="1270" anchor="ctr" anchorCtr="0">
+          <a:noAutofit/>
+        </a:bodyPr>
+        <a:lstStyle/>
+        <a:p>
+          <a:pPr marL="0" lvl="0" indent="0" algn="ctr" defTabSz="577850">
+            <a:lnSpc>
+              <a:spcPct val="90000"/>
+            </a:lnSpc>
+            <a:spcBef>
+              <a:spcPct val="0"/>
+            </a:spcBef>
+            <a:spcAft>
+              <a:spcPct val="35000"/>
+            </a:spcAft>
+            <a:buNone/>
+          </a:pPr>
+          <a:r>
+            <a:rPr lang="en-US" sz="1300" kern="1200" dirty="0"/>
+            <a:t>Peer Code Review / Pull Requests</a:t>
+          </a:r>
+        </a:p>
+      </dsp:txBody>
+      <dsp:txXfrm>
+        <a:off x="5104846" y="69561"/>
+        <a:ext cx="1005866" cy="670577"/>
+      </dsp:txXfrm>
+    </dsp:sp>
+    <dsp:sp modelId="{5890581A-55EB-433E-9724-2457ACD3B097}">
+      <dsp:nvSpPr>
+        <dsp:cNvPr id="0" name=""/>
+        <dsp:cNvSpPr/>
+      </dsp:nvSpPr>
+      <dsp:spPr>
+        <a:xfrm>
+          <a:off x="128838" y="921922"/>
+          <a:ext cx="2019811" cy="807924"/>
+        </a:xfrm>
+        <a:prstGeom prst="chevron">
+          <a:avLst/>
+        </a:prstGeom>
+        <a:solidFill>
+          <a:schemeClr val="accent1">
+            <a:hueOff val="0"/>
+            <a:satOff val="0"/>
+            <a:lumOff val="0"/>
+            <a:alphaOff val="0"/>
+          </a:schemeClr>
+        </a:solidFill>
+        <a:ln w="12700" cap="flat" cmpd="sng" algn="ctr">
+          <a:solidFill>
+            <a:schemeClr val="lt1">
+              <a:hueOff val="0"/>
+              <a:satOff val="0"/>
+              <a:lumOff val="0"/>
+              <a:alphaOff val="0"/>
+            </a:schemeClr>
+          </a:solidFill>
+          <a:prstDash val="solid"/>
+          <a:miter lim="800000"/>
+        </a:ln>
+        <a:effectLst/>
+      </dsp:spPr>
+      <dsp:style>
+        <a:lnRef idx="2">
+          <a:scrgbClr r="0" g="0" b="0"/>
+        </a:lnRef>
+        <a:fillRef idx="1">
+          <a:scrgbClr r="0" g="0" b="0"/>
+        </a:fillRef>
+        <a:effectRef idx="0">
+          <a:scrgbClr r="0" g="0" b="0"/>
+        </a:effectRef>
+        <a:fontRef idx="minor">
+          <a:schemeClr val="lt1"/>
+        </a:fontRef>
+      </dsp:style>
+      <dsp:txBody>
+        <a:bodyPr spcFirstLastPara="0" vert="horz" wrap="square" lIns="24130" tIns="12065" rIns="0" bIns="12065" numCol="1" spcCol="1270" anchor="ctr" anchorCtr="0">
+          <a:noAutofit/>
+        </a:bodyPr>
+        <a:lstStyle/>
+        <a:p>
+          <a:pPr marL="0" lvl="0" indent="0" algn="ctr" defTabSz="844550">
+            <a:lnSpc>
+              <a:spcPct val="90000"/>
+            </a:lnSpc>
+            <a:spcBef>
+              <a:spcPct val="0"/>
+            </a:spcBef>
+            <a:spcAft>
+              <a:spcPct val="35000"/>
+            </a:spcAft>
+            <a:buNone/>
+          </a:pPr>
+          <a:r>
+            <a:rPr lang="en-US" sz="1900" kern="1200" dirty="0"/>
+            <a:t>Build</a:t>
+          </a:r>
+        </a:p>
+      </dsp:txBody>
+      <dsp:txXfrm>
+        <a:off x="532800" y="921922"/>
+        <a:ext cx="1211887" cy="807924"/>
+      </dsp:txXfrm>
+    </dsp:sp>
+    <dsp:sp modelId="{1289A579-486A-427F-A26B-BBC4B60B49BF}">
+      <dsp:nvSpPr>
+        <dsp:cNvPr id="0" name=""/>
+        <dsp:cNvSpPr/>
+      </dsp:nvSpPr>
+      <dsp:spPr>
+        <a:xfrm>
+          <a:off x="1886074" y="990595"/>
+          <a:ext cx="1676443" cy="670577"/>
+        </a:xfrm>
+        <a:prstGeom prst="chevron">
+          <a:avLst/>
+        </a:prstGeom>
+        <a:solidFill>
+          <a:schemeClr val="accent1">
+            <a:alpha val="90000"/>
+            <a:tint val="40000"/>
+            <a:hueOff val="0"/>
+            <a:satOff val="0"/>
+            <a:lumOff val="0"/>
+            <a:alphaOff val="0"/>
+          </a:schemeClr>
+        </a:solidFill>
+        <a:ln w="12700" cap="flat" cmpd="sng" algn="ctr">
+          <a:solidFill>
+            <a:schemeClr val="accent1">
+              <a:alpha val="90000"/>
+              <a:tint val="40000"/>
+              <a:hueOff val="0"/>
+              <a:satOff val="0"/>
+              <a:lumOff val="0"/>
+              <a:alphaOff val="0"/>
+            </a:schemeClr>
+          </a:solidFill>
+          <a:prstDash val="solid"/>
+          <a:miter lim="800000"/>
+        </a:ln>
+        <a:effectLst/>
+      </dsp:spPr>
+      <dsp:style>
+        <a:lnRef idx="2">
+          <a:scrgbClr r="0" g="0" b="0"/>
+        </a:lnRef>
+        <a:fillRef idx="1">
+          <a:scrgbClr r="0" g="0" b="0"/>
+        </a:fillRef>
+        <a:effectRef idx="0">
+          <a:scrgbClr r="0" g="0" b="0"/>
+        </a:effectRef>
+        <a:fontRef idx="minor"/>
+      </dsp:style>
+      <dsp:txBody>
+        <a:bodyPr spcFirstLastPara="0" vert="horz" wrap="square" lIns="16510" tIns="8255" rIns="0" bIns="8255" numCol="1" spcCol="1270" anchor="ctr" anchorCtr="0">
+          <a:noAutofit/>
+        </a:bodyPr>
+        <a:lstStyle/>
+        <a:p>
+          <a:pPr marL="0" lvl="0" indent="0" algn="ctr" defTabSz="577850">
+            <a:lnSpc>
+              <a:spcPct val="90000"/>
+            </a:lnSpc>
+            <a:spcBef>
+              <a:spcPct val="0"/>
+            </a:spcBef>
+            <a:spcAft>
+              <a:spcPct val="35000"/>
+            </a:spcAft>
+            <a:buNone/>
+          </a:pPr>
+          <a:r>
+            <a:rPr lang="en-US" sz="1300" kern="1200" dirty="0"/>
+            <a:t>Unit Tests</a:t>
+          </a:r>
+        </a:p>
+      </dsp:txBody>
+      <dsp:txXfrm>
+        <a:off x="2221363" y="990595"/>
+        <a:ext cx="1005866" cy="670577"/>
+      </dsp:txXfrm>
+    </dsp:sp>
+    <dsp:sp modelId="{8C8477D6-2D0D-466F-9695-5F7EA323872A}">
+      <dsp:nvSpPr>
+        <dsp:cNvPr id="0" name=""/>
+        <dsp:cNvSpPr/>
+      </dsp:nvSpPr>
+      <dsp:spPr>
+        <a:xfrm>
+          <a:off x="3327815" y="990595"/>
+          <a:ext cx="1676443" cy="670577"/>
+        </a:xfrm>
+        <a:prstGeom prst="chevron">
+          <a:avLst/>
+        </a:prstGeom>
+        <a:solidFill>
+          <a:schemeClr val="accent1">
+            <a:alpha val="90000"/>
+            <a:tint val="40000"/>
+            <a:hueOff val="0"/>
+            <a:satOff val="0"/>
+            <a:lumOff val="0"/>
+            <a:alphaOff val="0"/>
+          </a:schemeClr>
+        </a:solidFill>
+        <a:ln w="12700" cap="flat" cmpd="sng" algn="ctr">
+          <a:solidFill>
+            <a:schemeClr val="accent1">
+              <a:alpha val="90000"/>
+              <a:tint val="40000"/>
+              <a:hueOff val="0"/>
+              <a:satOff val="0"/>
+              <a:lumOff val="0"/>
+              <a:alphaOff val="0"/>
+            </a:schemeClr>
+          </a:solidFill>
+          <a:prstDash val="solid"/>
+          <a:miter lim="800000"/>
+        </a:ln>
+        <a:effectLst/>
+      </dsp:spPr>
+      <dsp:style>
+        <a:lnRef idx="2">
+          <a:scrgbClr r="0" g="0" b="0"/>
+        </a:lnRef>
+        <a:fillRef idx="1">
+          <a:scrgbClr r="0" g="0" b="0"/>
+        </a:fillRef>
+        <a:effectRef idx="0">
+          <a:scrgbClr r="0" g="0" b="0"/>
+        </a:effectRef>
+        <a:fontRef idx="minor"/>
+      </dsp:style>
+      <dsp:txBody>
+        <a:bodyPr spcFirstLastPara="0" vert="horz" wrap="square" lIns="16510" tIns="8255" rIns="0" bIns="8255" numCol="1" spcCol="1270" anchor="ctr" anchorCtr="0">
+          <a:noAutofit/>
+        </a:bodyPr>
+        <a:lstStyle/>
+        <a:p>
+          <a:pPr marL="0" lvl="0" indent="0" algn="ctr" defTabSz="577850">
+            <a:lnSpc>
+              <a:spcPct val="90000"/>
+            </a:lnSpc>
+            <a:spcBef>
+              <a:spcPct val="0"/>
+            </a:spcBef>
+            <a:spcAft>
+              <a:spcPct val="35000"/>
+            </a:spcAft>
+            <a:buNone/>
+          </a:pPr>
+          <a:r>
+            <a:rPr lang="en-US" sz="1300" kern="1200" dirty="0"/>
+            <a:t>SAST</a:t>
+          </a:r>
+        </a:p>
+      </dsp:txBody>
+      <dsp:txXfrm>
+        <a:off x="3663104" y="990595"/>
+        <a:ext cx="1005866" cy="670577"/>
+      </dsp:txXfrm>
+    </dsp:sp>
+    <dsp:sp modelId="{2FD22563-0894-4873-9762-CB982E58ABAB}">
+      <dsp:nvSpPr>
+        <dsp:cNvPr id="0" name=""/>
+        <dsp:cNvSpPr/>
+      </dsp:nvSpPr>
+      <dsp:spPr>
+        <a:xfrm>
+          <a:off x="4769557" y="990595"/>
+          <a:ext cx="1676443" cy="670577"/>
+        </a:xfrm>
+        <a:prstGeom prst="chevron">
+          <a:avLst/>
+        </a:prstGeom>
+        <a:solidFill>
+          <a:schemeClr val="accent1">
+            <a:alpha val="90000"/>
+            <a:tint val="40000"/>
+            <a:hueOff val="0"/>
+            <a:satOff val="0"/>
+            <a:lumOff val="0"/>
+            <a:alphaOff val="0"/>
+          </a:schemeClr>
+        </a:solidFill>
+        <a:ln w="12700" cap="flat" cmpd="sng" algn="ctr">
+          <a:solidFill>
+            <a:schemeClr val="accent1">
+              <a:alpha val="90000"/>
+              <a:tint val="40000"/>
+              <a:hueOff val="0"/>
+              <a:satOff val="0"/>
+              <a:lumOff val="0"/>
+              <a:alphaOff val="0"/>
+            </a:schemeClr>
+          </a:solidFill>
+          <a:prstDash val="solid"/>
+          <a:miter lim="800000"/>
+        </a:ln>
+        <a:effectLst/>
+      </dsp:spPr>
+      <dsp:style>
+        <a:lnRef idx="2">
+          <a:scrgbClr r="0" g="0" b="0"/>
+        </a:lnRef>
+        <a:fillRef idx="1">
+          <a:scrgbClr r="0" g="0" b="0"/>
+        </a:fillRef>
+        <a:effectRef idx="0">
+          <a:scrgbClr r="0" g="0" b="0"/>
+        </a:effectRef>
+        <a:fontRef idx="minor"/>
+      </dsp:style>
+      <dsp:txBody>
+        <a:bodyPr spcFirstLastPara="0" vert="horz" wrap="square" lIns="16510" tIns="8255" rIns="0" bIns="8255" numCol="1" spcCol="1270" anchor="ctr" anchorCtr="0">
+          <a:noAutofit/>
+        </a:bodyPr>
+        <a:lstStyle/>
+        <a:p>
+          <a:pPr marL="0" lvl="0" indent="0" algn="ctr" defTabSz="577850">
+            <a:lnSpc>
+              <a:spcPct val="90000"/>
+            </a:lnSpc>
+            <a:spcBef>
+              <a:spcPct val="0"/>
+            </a:spcBef>
+            <a:spcAft>
+              <a:spcPct val="35000"/>
+            </a:spcAft>
+            <a:buNone/>
+          </a:pPr>
+          <a:r>
+            <a:rPr lang="en-US" sz="1300" kern="1200" dirty="0"/>
+            <a:t>SCA</a:t>
+          </a:r>
+        </a:p>
+      </dsp:txBody>
+      <dsp:txXfrm>
+        <a:off x="5104846" y="990595"/>
+        <a:ext cx="1005866" cy="670577"/>
+      </dsp:txXfrm>
+    </dsp:sp>
+    <dsp:sp modelId="{7D17BA07-C620-415F-88A4-30E2D7106571}">
+      <dsp:nvSpPr>
+        <dsp:cNvPr id="0" name=""/>
+        <dsp:cNvSpPr/>
+      </dsp:nvSpPr>
+      <dsp:spPr>
+        <a:xfrm>
+          <a:off x="128838" y="1842956"/>
+          <a:ext cx="2019811" cy="807924"/>
+        </a:xfrm>
+        <a:prstGeom prst="chevron">
+          <a:avLst/>
+        </a:prstGeom>
+        <a:solidFill>
+          <a:schemeClr val="accent1">
+            <a:hueOff val="0"/>
+            <a:satOff val="0"/>
+            <a:lumOff val="0"/>
+            <a:alphaOff val="0"/>
+          </a:schemeClr>
+        </a:solidFill>
+        <a:ln w="12700" cap="flat" cmpd="sng" algn="ctr">
+          <a:solidFill>
+            <a:schemeClr val="lt1">
+              <a:hueOff val="0"/>
+              <a:satOff val="0"/>
+              <a:lumOff val="0"/>
+              <a:alphaOff val="0"/>
+            </a:schemeClr>
+          </a:solidFill>
+          <a:prstDash val="solid"/>
+          <a:miter lim="800000"/>
+        </a:ln>
+        <a:effectLst/>
+      </dsp:spPr>
+      <dsp:style>
+        <a:lnRef idx="2">
+          <a:scrgbClr r="0" g="0" b="0"/>
+        </a:lnRef>
+        <a:fillRef idx="1">
+          <a:scrgbClr r="0" g="0" b="0"/>
+        </a:fillRef>
+        <a:effectRef idx="0">
+          <a:scrgbClr r="0" g="0" b="0"/>
+        </a:effectRef>
+        <a:fontRef idx="minor">
+          <a:schemeClr val="lt1"/>
+        </a:fontRef>
+      </dsp:style>
+      <dsp:txBody>
+        <a:bodyPr spcFirstLastPara="0" vert="horz" wrap="square" lIns="24130" tIns="12065" rIns="0" bIns="12065" numCol="1" spcCol="1270" anchor="ctr" anchorCtr="0">
+          <a:noAutofit/>
+        </a:bodyPr>
+        <a:lstStyle/>
+        <a:p>
+          <a:pPr marL="0" lvl="0" indent="0" algn="ctr" defTabSz="844550">
+            <a:lnSpc>
+              <a:spcPct val="90000"/>
+            </a:lnSpc>
+            <a:spcBef>
+              <a:spcPct val="0"/>
+            </a:spcBef>
+            <a:spcAft>
+              <a:spcPct val="35000"/>
+            </a:spcAft>
+            <a:buNone/>
+          </a:pPr>
+          <a:r>
+            <a:rPr lang="en-US" sz="1900" kern="1200" dirty="0"/>
+            <a:t>Deploy (Non-Prod)</a:t>
+          </a:r>
+        </a:p>
+      </dsp:txBody>
+      <dsp:txXfrm>
+        <a:off x="532800" y="1842956"/>
+        <a:ext cx="1211887" cy="807924"/>
+      </dsp:txXfrm>
+    </dsp:sp>
+    <dsp:sp modelId="{8761CDEF-06D4-45B4-A956-70AD555C8D29}">
+      <dsp:nvSpPr>
+        <dsp:cNvPr id="0" name=""/>
+        <dsp:cNvSpPr/>
+      </dsp:nvSpPr>
+      <dsp:spPr>
+        <a:xfrm>
+          <a:off x="1886074" y="1911629"/>
+          <a:ext cx="1676443" cy="670577"/>
+        </a:xfrm>
+        <a:prstGeom prst="chevron">
+          <a:avLst/>
+        </a:prstGeom>
+        <a:solidFill>
+          <a:schemeClr val="accent1">
+            <a:alpha val="90000"/>
+            <a:tint val="40000"/>
+            <a:hueOff val="0"/>
+            <a:satOff val="0"/>
+            <a:lumOff val="0"/>
+            <a:alphaOff val="0"/>
+          </a:schemeClr>
+        </a:solidFill>
+        <a:ln w="12700" cap="flat" cmpd="sng" algn="ctr">
+          <a:solidFill>
+            <a:schemeClr val="accent1">
+              <a:alpha val="90000"/>
+              <a:tint val="40000"/>
+              <a:hueOff val="0"/>
+              <a:satOff val="0"/>
+              <a:lumOff val="0"/>
+              <a:alphaOff val="0"/>
+            </a:schemeClr>
+          </a:solidFill>
+          <a:prstDash val="solid"/>
+          <a:miter lim="800000"/>
+        </a:ln>
+        <a:effectLst/>
+      </dsp:spPr>
+      <dsp:style>
+        <a:lnRef idx="2">
+          <a:scrgbClr r="0" g="0" b="0"/>
+        </a:lnRef>
+        <a:fillRef idx="1">
+          <a:scrgbClr r="0" g="0" b="0"/>
+        </a:fillRef>
+        <a:effectRef idx="0">
+          <a:scrgbClr r="0" g="0" b="0"/>
+        </a:effectRef>
+        <a:fontRef idx="minor"/>
+      </dsp:style>
+      <dsp:txBody>
+        <a:bodyPr spcFirstLastPara="0" vert="horz" wrap="square" lIns="16510" tIns="8255" rIns="0" bIns="8255" numCol="1" spcCol="1270" anchor="ctr" anchorCtr="0">
+          <a:noAutofit/>
+        </a:bodyPr>
+        <a:lstStyle/>
+        <a:p>
+          <a:pPr marL="0" lvl="0" indent="0" algn="ctr" defTabSz="577850">
+            <a:lnSpc>
+              <a:spcPct val="90000"/>
+            </a:lnSpc>
+            <a:spcBef>
+              <a:spcPct val="0"/>
+            </a:spcBef>
+            <a:spcAft>
+              <a:spcPct val="35000"/>
+            </a:spcAft>
+            <a:buNone/>
+          </a:pPr>
+          <a:r>
+            <a:rPr lang="en-US" sz="1300" kern="1200" dirty="0"/>
+            <a:t>Integration Tests</a:t>
+          </a:r>
+        </a:p>
+      </dsp:txBody>
+      <dsp:txXfrm>
+        <a:off x="2221363" y="1911629"/>
+        <a:ext cx="1005866" cy="670577"/>
+      </dsp:txXfrm>
+    </dsp:sp>
+    <dsp:sp modelId="{C0716A80-9FEE-447F-B39A-19BD52B6922B}">
+      <dsp:nvSpPr>
+        <dsp:cNvPr id="0" name=""/>
+        <dsp:cNvSpPr/>
+      </dsp:nvSpPr>
+      <dsp:spPr>
+        <a:xfrm>
+          <a:off x="3327815" y="1911629"/>
+          <a:ext cx="1676443" cy="670577"/>
+        </a:xfrm>
+        <a:prstGeom prst="chevron">
+          <a:avLst/>
+        </a:prstGeom>
+        <a:solidFill>
+          <a:schemeClr val="accent1">
+            <a:alpha val="90000"/>
+            <a:tint val="40000"/>
+            <a:hueOff val="0"/>
+            <a:satOff val="0"/>
+            <a:lumOff val="0"/>
+            <a:alphaOff val="0"/>
+          </a:schemeClr>
+        </a:solidFill>
+        <a:ln w="12700" cap="flat" cmpd="sng" algn="ctr">
+          <a:solidFill>
+            <a:schemeClr val="accent1">
+              <a:alpha val="90000"/>
+              <a:tint val="40000"/>
+              <a:hueOff val="0"/>
+              <a:satOff val="0"/>
+              <a:lumOff val="0"/>
+              <a:alphaOff val="0"/>
+            </a:schemeClr>
+          </a:solidFill>
+          <a:prstDash val="solid"/>
+          <a:miter lim="800000"/>
+        </a:ln>
+        <a:effectLst/>
+      </dsp:spPr>
+      <dsp:style>
+        <a:lnRef idx="2">
+          <a:scrgbClr r="0" g="0" b="0"/>
+        </a:lnRef>
+        <a:fillRef idx="1">
+          <a:scrgbClr r="0" g="0" b="0"/>
+        </a:fillRef>
+        <a:effectRef idx="0">
+          <a:scrgbClr r="0" g="0" b="0"/>
+        </a:effectRef>
+        <a:fontRef idx="minor"/>
+      </dsp:style>
+      <dsp:txBody>
+        <a:bodyPr spcFirstLastPara="0" vert="horz" wrap="square" lIns="16510" tIns="8255" rIns="0" bIns="8255" numCol="1" spcCol="1270" anchor="ctr" anchorCtr="0">
+          <a:noAutofit/>
+        </a:bodyPr>
+        <a:lstStyle/>
+        <a:p>
+          <a:pPr marL="0" lvl="0" indent="0" algn="ctr" defTabSz="577850">
+            <a:lnSpc>
+              <a:spcPct val="90000"/>
+            </a:lnSpc>
+            <a:spcBef>
+              <a:spcPct val="0"/>
+            </a:spcBef>
+            <a:spcAft>
+              <a:spcPct val="35000"/>
+            </a:spcAft>
+            <a:buNone/>
+          </a:pPr>
+          <a:r>
+            <a:rPr lang="en-US" sz="1300" kern="1200" dirty="0"/>
+            <a:t>UI Tests</a:t>
+          </a:r>
+        </a:p>
+      </dsp:txBody>
+      <dsp:txXfrm>
+        <a:off x="3663104" y="1911629"/>
+        <a:ext cx="1005866" cy="670577"/>
+      </dsp:txXfrm>
+    </dsp:sp>
+    <dsp:sp modelId="{AB160012-684F-4531-A479-053872187715}">
+      <dsp:nvSpPr>
+        <dsp:cNvPr id="0" name=""/>
+        <dsp:cNvSpPr/>
+      </dsp:nvSpPr>
+      <dsp:spPr>
+        <a:xfrm>
+          <a:off x="4769557" y="1911629"/>
+          <a:ext cx="1676443" cy="670577"/>
+        </a:xfrm>
+        <a:prstGeom prst="chevron">
+          <a:avLst/>
+        </a:prstGeom>
+        <a:solidFill>
+          <a:schemeClr val="accent1">
+            <a:alpha val="90000"/>
+            <a:tint val="40000"/>
+            <a:hueOff val="0"/>
+            <a:satOff val="0"/>
+            <a:lumOff val="0"/>
+            <a:alphaOff val="0"/>
+          </a:schemeClr>
+        </a:solidFill>
+        <a:ln w="12700" cap="flat" cmpd="sng" algn="ctr">
+          <a:solidFill>
+            <a:schemeClr val="accent1">
+              <a:alpha val="90000"/>
+              <a:tint val="40000"/>
+              <a:hueOff val="0"/>
+              <a:satOff val="0"/>
+              <a:lumOff val="0"/>
+              <a:alphaOff val="0"/>
+            </a:schemeClr>
+          </a:solidFill>
+          <a:prstDash val="solid"/>
+          <a:miter lim="800000"/>
+        </a:ln>
+        <a:effectLst/>
+      </dsp:spPr>
+      <dsp:style>
+        <a:lnRef idx="2">
+          <a:scrgbClr r="0" g="0" b="0"/>
+        </a:lnRef>
+        <a:fillRef idx="1">
+          <a:scrgbClr r="0" g="0" b="0"/>
+        </a:fillRef>
+        <a:effectRef idx="0">
+          <a:scrgbClr r="0" g="0" b="0"/>
+        </a:effectRef>
+        <a:fontRef idx="minor"/>
+      </dsp:style>
+      <dsp:txBody>
+        <a:bodyPr spcFirstLastPara="0" vert="horz" wrap="square" lIns="16510" tIns="8255" rIns="0" bIns="8255" numCol="1" spcCol="1270" anchor="ctr" anchorCtr="0">
+          <a:noAutofit/>
+        </a:bodyPr>
+        <a:lstStyle/>
+        <a:p>
+          <a:pPr marL="0" lvl="0" indent="0" algn="ctr" defTabSz="577850">
+            <a:lnSpc>
+              <a:spcPct val="90000"/>
+            </a:lnSpc>
+            <a:spcBef>
+              <a:spcPct val="0"/>
+            </a:spcBef>
+            <a:spcAft>
+              <a:spcPct val="35000"/>
+            </a:spcAft>
+            <a:buNone/>
+          </a:pPr>
+          <a:r>
+            <a:rPr lang="en-US" sz="1300" kern="1200" dirty="0"/>
+            <a:t>DAST Tests</a:t>
+          </a:r>
+        </a:p>
+      </dsp:txBody>
+      <dsp:txXfrm>
+        <a:off x="5104846" y="1911629"/>
+        <a:ext cx="1005866" cy="670577"/>
+      </dsp:txXfrm>
+    </dsp:sp>
+    <dsp:sp modelId="{4BED7D82-F0AD-479A-BD69-67BE6B68C571}">
+      <dsp:nvSpPr>
+        <dsp:cNvPr id="0" name=""/>
+        <dsp:cNvSpPr/>
+      </dsp:nvSpPr>
+      <dsp:spPr>
+        <a:xfrm>
+          <a:off x="6211298" y="1911629"/>
+          <a:ext cx="1676443" cy="670577"/>
+        </a:xfrm>
+        <a:prstGeom prst="chevron">
+          <a:avLst/>
+        </a:prstGeom>
+        <a:solidFill>
+          <a:schemeClr val="accent1">
+            <a:alpha val="90000"/>
+            <a:tint val="40000"/>
+            <a:hueOff val="0"/>
+            <a:satOff val="0"/>
+            <a:lumOff val="0"/>
+            <a:alphaOff val="0"/>
+          </a:schemeClr>
+        </a:solidFill>
+        <a:ln w="12700" cap="flat" cmpd="sng" algn="ctr">
+          <a:solidFill>
+            <a:schemeClr val="accent1">
+              <a:alpha val="90000"/>
+              <a:tint val="40000"/>
+              <a:hueOff val="0"/>
+              <a:satOff val="0"/>
+              <a:lumOff val="0"/>
+              <a:alphaOff val="0"/>
+            </a:schemeClr>
+          </a:solidFill>
+          <a:prstDash val="solid"/>
+          <a:miter lim="800000"/>
+        </a:ln>
+        <a:effectLst/>
+      </dsp:spPr>
+      <dsp:style>
+        <a:lnRef idx="2">
+          <a:scrgbClr r="0" g="0" b="0"/>
+        </a:lnRef>
+        <a:fillRef idx="1">
+          <a:scrgbClr r="0" g="0" b="0"/>
+        </a:fillRef>
+        <a:effectRef idx="0">
+          <a:scrgbClr r="0" g="0" b="0"/>
+        </a:effectRef>
+        <a:fontRef idx="minor"/>
+      </dsp:style>
+      <dsp:txBody>
+        <a:bodyPr spcFirstLastPara="0" vert="horz" wrap="square" lIns="16510" tIns="8255" rIns="0" bIns="8255" numCol="1" spcCol="1270" anchor="ctr" anchorCtr="0">
+          <a:noAutofit/>
+        </a:bodyPr>
+        <a:lstStyle/>
+        <a:p>
+          <a:pPr marL="0" lvl="0" indent="0" algn="ctr" defTabSz="577850">
+            <a:lnSpc>
+              <a:spcPct val="90000"/>
+            </a:lnSpc>
+            <a:spcBef>
+              <a:spcPct val="0"/>
+            </a:spcBef>
+            <a:spcAft>
+              <a:spcPct val="35000"/>
+            </a:spcAft>
+            <a:buNone/>
+          </a:pPr>
+          <a:r>
+            <a:rPr lang="en-US" sz="1300" kern="1200" dirty="0"/>
+            <a:t>Demos &amp; UAT</a:t>
+          </a:r>
+        </a:p>
+      </dsp:txBody>
+      <dsp:txXfrm>
+        <a:off x="6546587" y="1911629"/>
+        <a:ext cx="1005866" cy="670577"/>
+      </dsp:txXfrm>
+    </dsp:sp>
+    <dsp:sp modelId="{140A3D0A-4926-4812-81C3-DB344738BDC8}">
+      <dsp:nvSpPr>
+        <dsp:cNvPr id="0" name=""/>
+        <dsp:cNvSpPr/>
+      </dsp:nvSpPr>
+      <dsp:spPr>
+        <a:xfrm>
+          <a:off x="128838" y="2763990"/>
+          <a:ext cx="2019811" cy="807924"/>
+        </a:xfrm>
+        <a:prstGeom prst="chevron">
+          <a:avLst/>
+        </a:prstGeom>
+        <a:solidFill>
+          <a:schemeClr val="accent1">
+            <a:hueOff val="0"/>
+            <a:satOff val="0"/>
+            <a:lumOff val="0"/>
+            <a:alphaOff val="0"/>
+          </a:schemeClr>
+        </a:solidFill>
+        <a:ln w="12700" cap="flat" cmpd="sng" algn="ctr">
+          <a:solidFill>
+            <a:schemeClr val="lt1">
+              <a:hueOff val="0"/>
+              <a:satOff val="0"/>
+              <a:lumOff val="0"/>
+              <a:alphaOff val="0"/>
+            </a:schemeClr>
+          </a:solidFill>
+          <a:prstDash val="solid"/>
+          <a:miter lim="800000"/>
+        </a:ln>
+        <a:effectLst/>
+      </dsp:spPr>
+      <dsp:style>
+        <a:lnRef idx="2">
+          <a:scrgbClr r="0" g="0" b="0"/>
+        </a:lnRef>
+        <a:fillRef idx="1">
+          <a:scrgbClr r="0" g="0" b="0"/>
+        </a:fillRef>
+        <a:effectRef idx="0">
+          <a:scrgbClr r="0" g="0" b="0"/>
+        </a:effectRef>
+        <a:fontRef idx="minor">
+          <a:schemeClr val="lt1"/>
+        </a:fontRef>
+      </dsp:style>
+      <dsp:txBody>
+        <a:bodyPr spcFirstLastPara="0" vert="horz" wrap="square" lIns="24130" tIns="12065" rIns="0" bIns="12065" numCol="1" spcCol="1270" anchor="ctr" anchorCtr="0">
+          <a:noAutofit/>
+        </a:bodyPr>
+        <a:lstStyle/>
+        <a:p>
+          <a:pPr marL="0" lvl="0" indent="0" algn="ctr" defTabSz="844550">
+            <a:lnSpc>
+              <a:spcPct val="90000"/>
+            </a:lnSpc>
+            <a:spcBef>
+              <a:spcPct val="0"/>
+            </a:spcBef>
+            <a:spcAft>
+              <a:spcPct val="35000"/>
+            </a:spcAft>
+            <a:buNone/>
+          </a:pPr>
+          <a:r>
+            <a:rPr lang="en-US" sz="1900" kern="1200" dirty="0"/>
+            <a:t>Deploy (Prod)</a:t>
+          </a:r>
+        </a:p>
+      </dsp:txBody>
+      <dsp:txXfrm>
+        <a:off x="532800" y="2763990"/>
+        <a:ext cx="1211887" cy="807924"/>
+      </dsp:txXfrm>
+    </dsp:sp>
+    <dsp:sp modelId="{2F464BB6-F823-4125-AE5D-C22EAADACFDC}">
+      <dsp:nvSpPr>
+        <dsp:cNvPr id="0" name=""/>
+        <dsp:cNvSpPr/>
+      </dsp:nvSpPr>
+      <dsp:spPr>
+        <a:xfrm>
+          <a:off x="1886074" y="2832663"/>
+          <a:ext cx="1676443" cy="670577"/>
+        </a:xfrm>
+        <a:prstGeom prst="chevron">
+          <a:avLst/>
+        </a:prstGeom>
+        <a:solidFill>
+          <a:schemeClr val="accent1">
+            <a:alpha val="90000"/>
+            <a:tint val="40000"/>
+            <a:hueOff val="0"/>
+            <a:satOff val="0"/>
+            <a:lumOff val="0"/>
+            <a:alphaOff val="0"/>
+          </a:schemeClr>
+        </a:solidFill>
+        <a:ln w="12700" cap="flat" cmpd="sng" algn="ctr">
+          <a:solidFill>
+            <a:schemeClr val="accent1">
+              <a:alpha val="90000"/>
+              <a:tint val="40000"/>
+              <a:hueOff val="0"/>
+              <a:satOff val="0"/>
+              <a:lumOff val="0"/>
+              <a:alphaOff val="0"/>
+            </a:schemeClr>
+          </a:solidFill>
+          <a:prstDash val="solid"/>
+          <a:miter lim="800000"/>
+        </a:ln>
+        <a:effectLst/>
+      </dsp:spPr>
+      <dsp:style>
+        <a:lnRef idx="2">
+          <a:scrgbClr r="0" g="0" b="0"/>
+        </a:lnRef>
+        <a:fillRef idx="1">
+          <a:scrgbClr r="0" g="0" b="0"/>
+        </a:fillRef>
+        <a:effectRef idx="0">
+          <a:scrgbClr r="0" g="0" b="0"/>
+        </a:effectRef>
+        <a:fontRef idx="minor"/>
+      </dsp:style>
+      <dsp:txBody>
+        <a:bodyPr spcFirstLastPara="0" vert="horz" wrap="square" lIns="16510" tIns="8255" rIns="0" bIns="8255" numCol="1" spcCol="1270" anchor="ctr" anchorCtr="0">
+          <a:noAutofit/>
+        </a:bodyPr>
+        <a:lstStyle/>
+        <a:p>
+          <a:pPr marL="0" lvl="0" indent="0" algn="ctr" defTabSz="577850">
+            <a:lnSpc>
+              <a:spcPct val="90000"/>
+            </a:lnSpc>
+            <a:spcBef>
+              <a:spcPct val="0"/>
+            </a:spcBef>
+            <a:spcAft>
+              <a:spcPct val="35000"/>
+            </a:spcAft>
+            <a:buNone/>
+          </a:pPr>
+          <a:r>
+            <a:rPr lang="en-US" sz="1300" kern="1200" dirty="0"/>
+            <a:t>Compliance Gates</a:t>
+          </a:r>
+        </a:p>
+      </dsp:txBody>
+      <dsp:txXfrm>
+        <a:off x="2221363" y="2832663"/>
+        <a:ext cx="1005866" cy="670577"/>
+      </dsp:txXfrm>
+    </dsp:sp>
+    <dsp:sp modelId="{66520B85-83CB-4A66-BCB3-74253A90145C}">
+      <dsp:nvSpPr>
+        <dsp:cNvPr id="0" name=""/>
+        <dsp:cNvSpPr/>
+      </dsp:nvSpPr>
+      <dsp:spPr>
+        <a:xfrm>
+          <a:off x="3327815" y="2832663"/>
+          <a:ext cx="1676443" cy="670577"/>
+        </a:xfrm>
+        <a:prstGeom prst="chevron">
+          <a:avLst/>
+        </a:prstGeom>
+        <a:solidFill>
+          <a:schemeClr val="accent1">
+            <a:alpha val="90000"/>
+            <a:tint val="40000"/>
+            <a:hueOff val="0"/>
+            <a:satOff val="0"/>
+            <a:lumOff val="0"/>
+            <a:alphaOff val="0"/>
+          </a:schemeClr>
+        </a:solidFill>
+        <a:ln w="12700" cap="flat" cmpd="sng" algn="ctr">
+          <a:solidFill>
+            <a:schemeClr val="accent1">
+              <a:alpha val="90000"/>
+              <a:tint val="40000"/>
+              <a:hueOff val="0"/>
+              <a:satOff val="0"/>
+              <a:lumOff val="0"/>
+              <a:alphaOff val="0"/>
+            </a:schemeClr>
+          </a:solidFill>
+          <a:prstDash val="solid"/>
+          <a:miter lim="800000"/>
+        </a:ln>
+        <a:effectLst/>
+      </dsp:spPr>
+      <dsp:style>
+        <a:lnRef idx="2">
+          <a:scrgbClr r="0" g="0" b="0"/>
+        </a:lnRef>
+        <a:fillRef idx="1">
+          <a:scrgbClr r="0" g="0" b="0"/>
+        </a:fillRef>
+        <a:effectRef idx="0">
+          <a:scrgbClr r="0" g="0" b="0"/>
+        </a:effectRef>
+        <a:fontRef idx="minor"/>
+      </dsp:style>
+      <dsp:txBody>
+        <a:bodyPr spcFirstLastPara="0" vert="horz" wrap="square" lIns="16510" tIns="8255" rIns="0" bIns="8255" numCol="1" spcCol="1270" anchor="ctr" anchorCtr="0">
+          <a:noAutofit/>
+        </a:bodyPr>
+        <a:lstStyle/>
+        <a:p>
+          <a:pPr marL="0" lvl="0" indent="0" algn="ctr" defTabSz="577850">
+            <a:lnSpc>
+              <a:spcPct val="90000"/>
+            </a:lnSpc>
+            <a:spcBef>
+              <a:spcPct val="0"/>
+            </a:spcBef>
+            <a:spcAft>
+              <a:spcPct val="35000"/>
+            </a:spcAft>
+            <a:buNone/>
+          </a:pPr>
+          <a:r>
+            <a:rPr lang="en-US" sz="1300" kern="1200" dirty="0"/>
+            <a:t>Change Management</a:t>
+          </a:r>
+        </a:p>
+      </dsp:txBody>
+      <dsp:txXfrm>
+        <a:off x="3663104" y="2832663"/>
+        <a:ext cx="1005866" cy="670577"/>
+      </dsp:txXfrm>
+    </dsp:sp>
+    <dsp:sp modelId="{87512E63-A0F0-456F-B37C-DB439B028388}">
+      <dsp:nvSpPr>
+        <dsp:cNvPr id="0" name=""/>
+        <dsp:cNvSpPr/>
+      </dsp:nvSpPr>
+      <dsp:spPr>
+        <a:xfrm>
+          <a:off x="4769557" y="2832663"/>
+          <a:ext cx="1676443" cy="670577"/>
+        </a:xfrm>
+        <a:prstGeom prst="chevron">
+          <a:avLst/>
+        </a:prstGeom>
+        <a:solidFill>
+          <a:schemeClr val="accent1">
+            <a:alpha val="90000"/>
+            <a:tint val="40000"/>
+            <a:hueOff val="0"/>
+            <a:satOff val="0"/>
+            <a:lumOff val="0"/>
+            <a:alphaOff val="0"/>
+          </a:schemeClr>
+        </a:solidFill>
+        <a:ln w="12700" cap="flat" cmpd="sng" algn="ctr">
+          <a:solidFill>
+            <a:schemeClr val="accent1">
+              <a:alpha val="90000"/>
+              <a:tint val="40000"/>
+              <a:hueOff val="0"/>
+              <a:satOff val="0"/>
+              <a:lumOff val="0"/>
+              <a:alphaOff val="0"/>
+            </a:schemeClr>
+          </a:solidFill>
+          <a:prstDash val="solid"/>
+          <a:miter lim="800000"/>
+        </a:ln>
+        <a:effectLst/>
+      </dsp:spPr>
+      <dsp:style>
+        <a:lnRef idx="2">
+          <a:scrgbClr r="0" g="0" b="0"/>
+        </a:lnRef>
+        <a:fillRef idx="1">
+          <a:scrgbClr r="0" g="0" b="0"/>
+        </a:fillRef>
+        <a:effectRef idx="0">
+          <a:scrgbClr r="0" g="0" b="0"/>
+        </a:effectRef>
+        <a:fontRef idx="minor"/>
+      </dsp:style>
+      <dsp:txBody>
+        <a:bodyPr spcFirstLastPara="0" vert="horz" wrap="square" lIns="16510" tIns="8255" rIns="0" bIns="8255" numCol="1" spcCol="1270" anchor="ctr" anchorCtr="0">
+          <a:noAutofit/>
+        </a:bodyPr>
+        <a:lstStyle/>
+        <a:p>
+          <a:pPr marL="0" lvl="0" indent="0" algn="ctr" defTabSz="577850">
+            <a:lnSpc>
+              <a:spcPct val="90000"/>
+            </a:lnSpc>
+            <a:spcBef>
+              <a:spcPct val="0"/>
+            </a:spcBef>
+            <a:spcAft>
+              <a:spcPct val="35000"/>
+            </a:spcAft>
+            <a:buNone/>
+          </a:pPr>
+          <a:r>
+            <a:rPr lang="en-US" sz="1300" kern="1200" dirty="0"/>
+            <a:t>Blue / Green or Rings</a:t>
+          </a:r>
+        </a:p>
+      </dsp:txBody>
+      <dsp:txXfrm>
+        <a:off x="5104846" y="2832663"/>
+        <a:ext cx="1005866" cy="670577"/>
+      </dsp:txXfrm>
+    </dsp:sp>
+    <dsp:sp modelId="{6601144A-98B9-4822-BC99-E9453AE7C7F2}">
+      <dsp:nvSpPr>
+        <dsp:cNvPr id="0" name=""/>
+        <dsp:cNvSpPr/>
+      </dsp:nvSpPr>
+      <dsp:spPr>
+        <a:xfrm>
+          <a:off x="6211298" y="2832663"/>
+          <a:ext cx="1676443" cy="670577"/>
+        </a:xfrm>
+        <a:prstGeom prst="chevron">
+          <a:avLst/>
+        </a:prstGeom>
+        <a:solidFill>
+          <a:schemeClr val="accent1">
+            <a:alpha val="90000"/>
+            <a:tint val="40000"/>
+            <a:hueOff val="0"/>
+            <a:satOff val="0"/>
+            <a:lumOff val="0"/>
+            <a:alphaOff val="0"/>
+          </a:schemeClr>
+        </a:solidFill>
+        <a:ln w="12700" cap="flat" cmpd="sng" algn="ctr">
+          <a:solidFill>
+            <a:schemeClr val="accent1">
+              <a:alpha val="90000"/>
+              <a:tint val="40000"/>
+              <a:hueOff val="0"/>
+              <a:satOff val="0"/>
+              <a:lumOff val="0"/>
+              <a:alphaOff val="0"/>
+            </a:schemeClr>
+          </a:solidFill>
+          <a:prstDash val="solid"/>
+          <a:miter lim="800000"/>
+        </a:ln>
+        <a:effectLst/>
+      </dsp:spPr>
+      <dsp:style>
+        <a:lnRef idx="2">
+          <a:scrgbClr r="0" g="0" b="0"/>
+        </a:lnRef>
+        <a:fillRef idx="1">
+          <a:scrgbClr r="0" g="0" b="0"/>
+        </a:fillRef>
+        <a:effectRef idx="0">
+          <a:scrgbClr r="0" g="0" b="0"/>
+        </a:effectRef>
+        <a:fontRef idx="minor"/>
+      </dsp:style>
+      <dsp:txBody>
+        <a:bodyPr spcFirstLastPara="0" vert="horz" wrap="square" lIns="16510" tIns="8255" rIns="0" bIns="8255" numCol="1" spcCol="1270" anchor="ctr" anchorCtr="0">
+          <a:noAutofit/>
+        </a:bodyPr>
+        <a:lstStyle/>
+        <a:p>
+          <a:pPr marL="0" lvl="0" indent="0" algn="ctr" defTabSz="577850">
+            <a:lnSpc>
+              <a:spcPct val="90000"/>
+            </a:lnSpc>
+            <a:spcBef>
+              <a:spcPct val="0"/>
+            </a:spcBef>
+            <a:spcAft>
+              <a:spcPct val="35000"/>
+            </a:spcAft>
+            <a:buNone/>
+          </a:pPr>
+          <a:r>
+            <a:rPr lang="en-US" sz="1300" kern="1200" dirty="0"/>
+            <a:t>Feature Flags</a:t>
+          </a:r>
+        </a:p>
+      </dsp:txBody>
+      <dsp:txXfrm>
+        <a:off x="6546587" y="2832663"/>
+        <a:ext cx="1005866" cy="670577"/>
+      </dsp:txXfrm>
+    </dsp:sp>
+    <dsp:sp modelId="{C27D356B-28CC-4F07-9FBC-45E153CB933A}">
+      <dsp:nvSpPr>
+        <dsp:cNvPr id="0" name=""/>
+        <dsp:cNvSpPr/>
+      </dsp:nvSpPr>
+      <dsp:spPr>
+        <a:xfrm>
+          <a:off x="128838" y="3685024"/>
+          <a:ext cx="2019811" cy="807924"/>
+        </a:xfrm>
+        <a:prstGeom prst="chevron">
+          <a:avLst/>
+        </a:prstGeom>
+        <a:solidFill>
+          <a:schemeClr val="accent1">
+            <a:hueOff val="0"/>
+            <a:satOff val="0"/>
+            <a:lumOff val="0"/>
+            <a:alphaOff val="0"/>
+          </a:schemeClr>
+        </a:solidFill>
+        <a:ln w="12700" cap="flat" cmpd="sng" algn="ctr">
+          <a:solidFill>
+            <a:schemeClr val="lt1">
+              <a:hueOff val="0"/>
+              <a:satOff val="0"/>
+              <a:lumOff val="0"/>
+              <a:alphaOff val="0"/>
+            </a:schemeClr>
+          </a:solidFill>
+          <a:prstDash val="solid"/>
+          <a:miter lim="800000"/>
+        </a:ln>
+        <a:effectLst/>
+      </dsp:spPr>
+      <dsp:style>
+        <a:lnRef idx="2">
+          <a:scrgbClr r="0" g="0" b="0"/>
+        </a:lnRef>
+        <a:fillRef idx="1">
+          <a:scrgbClr r="0" g="0" b="0"/>
+        </a:fillRef>
+        <a:effectRef idx="0">
+          <a:scrgbClr r="0" g="0" b="0"/>
+        </a:effectRef>
+        <a:fontRef idx="minor">
+          <a:schemeClr val="lt1"/>
+        </a:fontRef>
+      </dsp:style>
+      <dsp:txBody>
+        <a:bodyPr spcFirstLastPara="0" vert="horz" wrap="square" lIns="24130" tIns="12065" rIns="0" bIns="12065" numCol="1" spcCol="1270" anchor="ctr" anchorCtr="0">
+          <a:noAutofit/>
+        </a:bodyPr>
+        <a:lstStyle/>
+        <a:p>
+          <a:pPr marL="0" lvl="0" indent="0" algn="ctr" defTabSz="844550">
+            <a:lnSpc>
+              <a:spcPct val="90000"/>
+            </a:lnSpc>
+            <a:spcBef>
+              <a:spcPct val="0"/>
+            </a:spcBef>
+            <a:spcAft>
+              <a:spcPct val="35000"/>
+            </a:spcAft>
+            <a:buNone/>
+          </a:pPr>
+          <a:r>
+            <a:rPr lang="en-US" sz="1900" kern="1200" dirty="0"/>
+            <a:t>Operate</a:t>
+          </a:r>
+        </a:p>
+      </dsp:txBody>
+      <dsp:txXfrm>
+        <a:off x="532800" y="3685024"/>
+        <a:ext cx="1211887" cy="807924"/>
+      </dsp:txXfrm>
+    </dsp:sp>
+    <dsp:sp modelId="{0D97954F-9F29-437D-91CB-AE584B7E71E5}">
+      <dsp:nvSpPr>
+        <dsp:cNvPr id="0" name=""/>
+        <dsp:cNvSpPr/>
+      </dsp:nvSpPr>
+      <dsp:spPr>
+        <a:xfrm>
+          <a:off x="1886074" y="3753697"/>
+          <a:ext cx="1676443" cy="670577"/>
+        </a:xfrm>
+        <a:prstGeom prst="chevron">
+          <a:avLst/>
+        </a:prstGeom>
+        <a:solidFill>
+          <a:schemeClr val="accent1">
+            <a:alpha val="90000"/>
+            <a:tint val="40000"/>
+            <a:hueOff val="0"/>
+            <a:satOff val="0"/>
+            <a:lumOff val="0"/>
+            <a:alphaOff val="0"/>
+          </a:schemeClr>
+        </a:solidFill>
+        <a:ln w="12700" cap="flat" cmpd="sng" algn="ctr">
+          <a:solidFill>
+            <a:schemeClr val="accent1">
+              <a:alpha val="90000"/>
+              <a:tint val="40000"/>
+              <a:hueOff val="0"/>
+              <a:satOff val="0"/>
+              <a:lumOff val="0"/>
+              <a:alphaOff val="0"/>
+            </a:schemeClr>
+          </a:solidFill>
+          <a:prstDash val="solid"/>
+          <a:miter lim="800000"/>
+        </a:ln>
+        <a:effectLst/>
+      </dsp:spPr>
+      <dsp:style>
+        <a:lnRef idx="2">
+          <a:scrgbClr r="0" g="0" b="0"/>
+        </a:lnRef>
+        <a:fillRef idx="1">
+          <a:scrgbClr r="0" g="0" b="0"/>
+        </a:fillRef>
+        <a:effectRef idx="0">
+          <a:scrgbClr r="0" g="0" b="0"/>
+        </a:effectRef>
+        <a:fontRef idx="minor"/>
+      </dsp:style>
+      <dsp:txBody>
+        <a:bodyPr spcFirstLastPara="0" vert="horz" wrap="square" lIns="16510" tIns="8255" rIns="0" bIns="8255" numCol="1" spcCol="1270" anchor="ctr" anchorCtr="0">
+          <a:noAutofit/>
+        </a:bodyPr>
+        <a:lstStyle/>
+        <a:p>
+          <a:pPr marL="0" lvl="0" indent="0" algn="ctr" defTabSz="577850">
+            <a:lnSpc>
+              <a:spcPct val="90000"/>
+            </a:lnSpc>
+            <a:spcBef>
+              <a:spcPct val="0"/>
+            </a:spcBef>
+            <a:spcAft>
+              <a:spcPct val="35000"/>
+            </a:spcAft>
+            <a:buNone/>
+          </a:pPr>
+          <a:r>
+            <a:rPr lang="en-US" sz="1300" kern="1200" dirty="0"/>
+            <a:t>Infrastructure as Code</a:t>
+          </a:r>
+        </a:p>
+      </dsp:txBody>
+      <dsp:txXfrm>
+        <a:off x="2221363" y="3753697"/>
+        <a:ext cx="1005866" cy="670577"/>
+      </dsp:txXfrm>
+    </dsp:sp>
+    <dsp:sp modelId="{C58C75BA-BE9D-4855-B823-5A0DAF039C92}">
+      <dsp:nvSpPr>
+        <dsp:cNvPr id="0" name=""/>
+        <dsp:cNvSpPr/>
+      </dsp:nvSpPr>
+      <dsp:spPr>
+        <a:xfrm>
+          <a:off x="3327815" y="3753697"/>
+          <a:ext cx="1676443" cy="670577"/>
+        </a:xfrm>
+        <a:prstGeom prst="chevron">
+          <a:avLst/>
+        </a:prstGeom>
+        <a:solidFill>
+          <a:schemeClr val="accent1">
+            <a:alpha val="90000"/>
+            <a:tint val="40000"/>
+            <a:hueOff val="0"/>
+            <a:satOff val="0"/>
+            <a:lumOff val="0"/>
+            <a:alphaOff val="0"/>
+          </a:schemeClr>
+        </a:solidFill>
+        <a:ln w="12700" cap="flat" cmpd="sng" algn="ctr">
+          <a:solidFill>
+            <a:schemeClr val="accent1">
+              <a:alpha val="90000"/>
+              <a:tint val="40000"/>
+              <a:hueOff val="0"/>
+              <a:satOff val="0"/>
+              <a:lumOff val="0"/>
+              <a:alphaOff val="0"/>
+            </a:schemeClr>
+          </a:solidFill>
+          <a:prstDash val="solid"/>
+          <a:miter lim="800000"/>
+        </a:ln>
+        <a:effectLst/>
+      </dsp:spPr>
+      <dsp:style>
+        <a:lnRef idx="2">
+          <a:scrgbClr r="0" g="0" b="0"/>
+        </a:lnRef>
+        <a:fillRef idx="1">
+          <a:scrgbClr r="0" g="0" b="0"/>
+        </a:fillRef>
+        <a:effectRef idx="0">
+          <a:scrgbClr r="0" g="0" b="0"/>
+        </a:effectRef>
+        <a:fontRef idx="minor"/>
+      </dsp:style>
+      <dsp:txBody>
+        <a:bodyPr spcFirstLastPara="0" vert="horz" wrap="square" lIns="16510" tIns="8255" rIns="0" bIns="8255" numCol="1" spcCol="1270" anchor="ctr" anchorCtr="0">
+          <a:noAutofit/>
+        </a:bodyPr>
+        <a:lstStyle/>
+        <a:p>
+          <a:pPr marL="0" lvl="0" indent="0" algn="ctr" defTabSz="577850">
+            <a:lnSpc>
+              <a:spcPct val="90000"/>
+            </a:lnSpc>
+            <a:spcBef>
+              <a:spcPct val="0"/>
+            </a:spcBef>
+            <a:spcAft>
+              <a:spcPct val="35000"/>
+            </a:spcAft>
+            <a:buNone/>
+          </a:pPr>
+          <a:r>
+            <a:rPr lang="en-US" sz="1300" kern="1200" dirty="0"/>
+            <a:t>Metrics, Traces, Logs</a:t>
+          </a:r>
+        </a:p>
+      </dsp:txBody>
+      <dsp:txXfrm>
+        <a:off x="3663104" y="3753697"/>
+        <a:ext cx="1005866" cy="670577"/>
+      </dsp:txXfrm>
+    </dsp:sp>
+    <dsp:sp modelId="{67B01223-E9A4-41BE-9E83-1B1B40337858}">
+      <dsp:nvSpPr>
+        <dsp:cNvPr id="0" name=""/>
+        <dsp:cNvSpPr/>
+      </dsp:nvSpPr>
+      <dsp:spPr>
+        <a:xfrm>
+          <a:off x="4769557" y="3753697"/>
+          <a:ext cx="1676443" cy="670577"/>
+        </a:xfrm>
+        <a:prstGeom prst="chevron">
+          <a:avLst/>
+        </a:prstGeom>
+        <a:solidFill>
+          <a:schemeClr val="accent1">
+            <a:alpha val="90000"/>
+            <a:tint val="40000"/>
+            <a:hueOff val="0"/>
+            <a:satOff val="0"/>
+            <a:lumOff val="0"/>
+            <a:alphaOff val="0"/>
+          </a:schemeClr>
+        </a:solidFill>
+        <a:ln w="12700" cap="flat" cmpd="sng" algn="ctr">
+          <a:solidFill>
+            <a:schemeClr val="accent1">
+              <a:alpha val="90000"/>
+              <a:tint val="40000"/>
+              <a:hueOff val="0"/>
+              <a:satOff val="0"/>
+              <a:lumOff val="0"/>
+              <a:alphaOff val="0"/>
+            </a:schemeClr>
+          </a:solidFill>
+          <a:prstDash val="solid"/>
+          <a:miter lim="800000"/>
+        </a:ln>
+        <a:effectLst/>
+      </dsp:spPr>
+      <dsp:style>
+        <a:lnRef idx="2">
+          <a:scrgbClr r="0" g="0" b="0"/>
+        </a:lnRef>
+        <a:fillRef idx="1">
+          <a:scrgbClr r="0" g="0" b="0"/>
+        </a:fillRef>
+        <a:effectRef idx="0">
+          <a:scrgbClr r="0" g="0" b="0"/>
+        </a:effectRef>
+        <a:fontRef idx="minor"/>
+      </dsp:style>
+      <dsp:txBody>
+        <a:bodyPr spcFirstLastPara="0" vert="horz" wrap="square" lIns="16510" tIns="8255" rIns="0" bIns="8255" numCol="1" spcCol="1270" anchor="ctr" anchorCtr="0">
+          <a:noAutofit/>
+        </a:bodyPr>
+        <a:lstStyle/>
+        <a:p>
+          <a:pPr marL="0" lvl="0" indent="0" algn="ctr" defTabSz="577850">
+            <a:lnSpc>
+              <a:spcPct val="90000"/>
+            </a:lnSpc>
+            <a:spcBef>
+              <a:spcPct val="0"/>
+            </a:spcBef>
+            <a:spcAft>
+              <a:spcPct val="35000"/>
+            </a:spcAft>
+            <a:buNone/>
+          </a:pPr>
+          <a:r>
+            <a:rPr lang="en-US" sz="1300" kern="1200" dirty="0"/>
+            <a:t>Synthetics Transaction Monitoring</a:t>
+          </a:r>
+        </a:p>
+      </dsp:txBody>
+      <dsp:txXfrm>
+        <a:off x="5104846" y="3753697"/>
+        <a:ext cx="1005866" cy="670577"/>
+      </dsp:txXfrm>
+    </dsp:sp>
+    <dsp:sp modelId="{C6F4D5BF-4DA3-4122-B98B-DAC86D929E55}">
+      <dsp:nvSpPr>
+        <dsp:cNvPr id="0" name=""/>
+        <dsp:cNvSpPr/>
+      </dsp:nvSpPr>
+      <dsp:spPr>
+        <a:xfrm>
+          <a:off x="6211298" y="3753697"/>
+          <a:ext cx="1676443" cy="670577"/>
+        </a:xfrm>
+        <a:prstGeom prst="chevron">
+          <a:avLst/>
+        </a:prstGeom>
+        <a:solidFill>
+          <a:schemeClr val="accent1">
+            <a:alpha val="90000"/>
+            <a:tint val="40000"/>
+            <a:hueOff val="0"/>
+            <a:satOff val="0"/>
+            <a:lumOff val="0"/>
+            <a:alphaOff val="0"/>
+          </a:schemeClr>
+        </a:solidFill>
+        <a:ln w="12700" cap="flat" cmpd="sng" algn="ctr">
+          <a:solidFill>
+            <a:schemeClr val="accent1">
+              <a:alpha val="90000"/>
+              <a:tint val="40000"/>
+              <a:hueOff val="0"/>
+              <a:satOff val="0"/>
+              <a:lumOff val="0"/>
+              <a:alphaOff val="0"/>
+            </a:schemeClr>
+          </a:solidFill>
+          <a:prstDash val="solid"/>
+          <a:miter lim="800000"/>
+        </a:ln>
+        <a:effectLst/>
+      </dsp:spPr>
+      <dsp:style>
+        <a:lnRef idx="2">
+          <a:scrgbClr r="0" g="0" b="0"/>
+        </a:lnRef>
+        <a:fillRef idx="1">
+          <a:scrgbClr r="0" g="0" b="0"/>
+        </a:fillRef>
+        <a:effectRef idx="0">
+          <a:scrgbClr r="0" g="0" b="0"/>
+        </a:effectRef>
+        <a:fontRef idx="minor"/>
+      </dsp:style>
+      <dsp:txBody>
+        <a:bodyPr spcFirstLastPara="0" vert="horz" wrap="square" lIns="16510" tIns="8255" rIns="0" bIns="8255" numCol="1" spcCol="1270" anchor="ctr" anchorCtr="0">
+          <a:noAutofit/>
+        </a:bodyPr>
+        <a:lstStyle/>
+        <a:p>
+          <a:pPr marL="0" lvl="0" indent="0" algn="ctr" defTabSz="577850">
+            <a:lnSpc>
+              <a:spcPct val="90000"/>
+            </a:lnSpc>
+            <a:spcBef>
+              <a:spcPct val="0"/>
+            </a:spcBef>
+            <a:spcAft>
+              <a:spcPct val="35000"/>
+            </a:spcAft>
+            <a:buNone/>
+          </a:pPr>
+          <a:r>
+            <a:rPr lang="en-US" sz="1300" kern="1200" dirty="0"/>
+            <a:t>Auto Scaling</a:t>
+          </a:r>
+        </a:p>
+      </dsp:txBody>
+      <dsp:txXfrm>
+        <a:off x="6546587" y="3753697"/>
+        <a:ext cx="1005866" cy="670577"/>
+      </dsp:txXfrm>
+    </dsp:sp>
+    <dsp:sp modelId="{6A59F9CF-89AB-47B3-A37A-BE0101E1F3A0}">
+      <dsp:nvSpPr>
+        <dsp:cNvPr id="0" name=""/>
+        <dsp:cNvSpPr/>
+      </dsp:nvSpPr>
+      <dsp:spPr>
+        <a:xfrm>
+          <a:off x="7653039" y="3753697"/>
+          <a:ext cx="1676443" cy="670577"/>
+        </a:xfrm>
+        <a:prstGeom prst="chevron">
+          <a:avLst/>
+        </a:prstGeom>
+        <a:solidFill>
+          <a:schemeClr val="accent1">
+            <a:alpha val="90000"/>
+            <a:tint val="40000"/>
+            <a:hueOff val="0"/>
+            <a:satOff val="0"/>
+            <a:lumOff val="0"/>
+            <a:alphaOff val="0"/>
+          </a:schemeClr>
+        </a:solidFill>
+        <a:ln w="12700" cap="flat" cmpd="sng" algn="ctr">
+          <a:solidFill>
+            <a:schemeClr val="accent1">
+              <a:alpha val="90000"/>
+              <a:tint val="40000"/>
+              <a:hueOff val="0"/>
+              <a:satOff val="0"/>
+              <a:lumOff val="0"/>
+              <a:alphaOff val="0"/>
+            </a:schemeClr>
+          </a:solidFill>
+          <a:prstDash val="solid"/>
+          <a:miter lim="800000"/>
+        </a:ln>
+        <a:effectLst/>
+      </dsp:spPr>
+      <dsp:style>
+        <a:lnRef idx="2">
+          <a:scrgbClr r="0" g="0" b="0"/>
+        </a:lnRef>
+        <a:fillRef idx="1">
+          <a:scrgbClr r="0" g="0" b="0"/>
+        </a:fillRef>
+        <a:effectRef idx="0">
+          <a:scrgbClr r="0" g="0" b="0"/>
+        </a:effectRef>
+        <a:fontRef idx="minor"/>
+      </dsp:style>
+      <dsp:txBody>
+        <a:bodyPr spcFirstLastPara="0" vert="horz" wrap="square" lIns="16510" tIns="8255" rIns="0" bIns="8255" numCol="1" spcCol="1270" anchor="ctr" anchorCtr="0">
+          <a:noAutofit/>
+        </a:bodyPr>
+        <a:lstStyle/>
+        <a:p>
+          <a:pPr marL="0" lvl="0" indent="0" algn="ctr" defTabSz="577850">
+            <a:lnSpc>
+              <a:spcPct val="90000"/>
+            </a:lnSpc>
+            <a:spcBef>
+              <a:spcPct val="0"/>
+            </a:spcBef>
+            <a:spcAft>
+              <a:spcPct val="35000"/>
+            </a:spcAft>
+            <a:buNone/>
+          </a:pPr>
+          <a:r>
+            <a:rPr lang="en-US" sz="1300" kern="1200" dirty="0"/>
+            <a:t>Runbook Automation</a:t>
+          </a:r>
+        </a:p>
+      </dsp:txBody>
+      <dsp:txXfrm>
+        <a:off x="7988328" y="3753697"/>
+        <a:ext cx="1005866" cy="670577"/>
+      </dsp:txXfrm>
+    </dsp:sp>
+    <dsp:sp modelId="{945AF115-2AE2-4EF2-A5FB-DF0948F4E762}">
+      <dsp:nvSpPr>
+        <dsp:cNvPr id="0" name=""/>
+        <dsp:cNvSpPr/>
+      </dsp:nvSpPr>
+      <dsp:spPr>
+        <a:xfrm>
+          <a:off x="9094781" y="3753697"/>
+          <a:ext cx="1676443" cy="670577"/>
+        </a:xfrm>
+        <a:prstGeom prst="chevron">
+          <a:avLst/>
+        </a:prstGeom>
+        <a:solidFill>
+          <a:schemeClr val="accent1">
+            <a:alpha val="90000"/>
+            <a:tint val="40000"/>
+            <a:hueOff val="0"/>
+            <a:satOff val="0"/>
+            <a:lumOff val="0"/>
+            <a:alphaOff val="0"/>
+          </a:schemeClr>
+        </a:solidFill>
+        <a:ln w="12700" cap="flat" cmpd="sng" algn="ctr">
+          <a:solidFill>
+            <a:schemeClr val="accent1">
+              <a:alpha val="90000"/>
+              <a:tint val="40000"/>
+              <a:hueOff val="0"/>
+              <a:satOff val="0"/>
+              <a:lumOff val="0"/>
+              <a:alphaOff val="0"/>
+            </a:schemeClr>
+          </a:solidFill>
+          <a:prstDash val="solid"/>
+          <a:miter lim="800000"/>
+        </a:ln>
+        <a:effectLst/>
+      </dsp:spPr>
+      <dsp:style>
+        <a:lnRef idx="2">
+          <a:scrgbClr r="0" g="0" b="0"/>
+        </a:lnRef>
+        <a:fillRef idx="1">
+          <a:scrgbClr r="0" g="0" b="0"/>
+        </a:fillRef>
+        <a:effectRef idx="0">
+          <a:scrgbClr r="0" g="0" b="0"/>
+        </a:effectRef>
+        <a:fontRef idx="minor"/>
+      </dsp:style>
+      <dsp:txBody>
+        <a:bodyPr spcFirstLastPara="0" vert="horz" wrap="square" lIns="16510" tIns="8255" rIns="0" bIns="8255" numCol="1" spcCol="1270" anchor="ctr" anchorCtr="0">
+          <a:noAutofit/>
+        </a:bodyPr>
+        <a:lstStyle/>
+        <a:p>
+          <a:pPr marL="0" lvl="0" indent="0" algn="ctr" defTabSz="577850">
+            <a:lnSpc>
+              <a:spcPct val="90000"/>
+            </a:lnSpc>
+            <a:spcBef>
+              <a:spcPct val="0"/>
+            </a:spcBef>
+            <a:spcAft>
+              <a:spcPct val="35000"/>
+            </a:spcAft>
+            <a:buNone/>
+          </a:pPr>
+          <a:r>
+            <a:rPr lang="en-US" sz="1300" kern="1200" dirty="0"/>
+            <a:t>Business Metric Monitoring</a:t>
+          </a:r>
+        </a:p>
+      </dsp:txBody>
+      <dsp:txXfrm>
+        <a:off x="9430070" y="3753697"/>
+        <a:ext cx="1005866" cy="670577"/>
+      </dsp:txXfrm>
+    </dsp:sp>
+  </dsp:spTree>
+</dsp:drawing>
+</file>
+
+<file path=ppt/diagrams/layout1.xml><?xml version="1.0" encoding="utf-8"?>
+<dgm:layoutDef xmlns:dgm="http://schemas.openxmlformats.org/drawingml/2006/diagram" xmlns:a="http://schemas.openxmlformats.org/drawingml/2006/main" uniqueId="urn:microsoft.com/office/officeart/2005/8/layout/lProcess3">
+  <dgm:title val=""/>
+  <dgm:desc val=""/>
+  <dgm:catLst>
+    <dgm:cat type="process" pri="11000"/>
+    <dgm:cat type="convert" pri="12000"/>
+  </dgm:catLst>
+  <dgm:sampData>
+    <dgm:dataModel>
+      <dgm:ptLst>
+        <dgm:pt modelId="0" type="doc"/>
+        <dgm:pt modelId="1">
+          <dgm:prSet phldr="1"/>
+        </dgm:pt>
+        <dgm:pt modelId="11">
+          <dgm:prSet phldr="1"/>
+        </dgm:pt>
+        <dgm:pt modelId="12">
+          <dgm:prSet phldr="1"/>
+        </dgm:pt>
+        <dgm:pt modelId="2">
+          <dgm:prSet phldr="1"/>
+        </dgm:pt>
+        <dgm:pt modelId="21">
+          <dgm:prSet phldr="1"/>
+        </dgm:pt>
+        <dgm:pt modelId="22">
+          <dgm:prSet phldr="1"/>
+        </dgm:pt>
+        <dgm:pt modelId="3">
+          <dgm:prSet phldr="1"/>
+        </dgm:pt>
+        <dgm:pt modelId="31">
+          <dgm:prSet phldr="1"/>
+        </dgm:pt>
+        <dgm:pt modelId="32">
+          <dgm:prSet phldr="1"/>
+        </dgm:pt>
+      </dgm:ptLst>
+      <dgm:cxnLst>
+        <dgm:cxn modelId="4" srcId="0" destId="1" srcOrd="0" destOrd="0"/>
+        <dgm:cxn modelId="5" srcId="0" destId="2" srcOrd="1" destOrd="0"/>
+        <dgm:cxn modelId="6" srcId="0" destId="3" srcOrd="2" destOrd="0"/>
+        <dgm:cxn modelId="41" srcId="1" destId="11" srcOrd="0" destOrd="0"/>
+        <dgm:cxn modelId="42" srcId="1" destId="12" srcOrd="1" destOrd="0"/>
+        <dgm:cxn modelId="51" srcId="2" destId="21" srcOrd="0" destOrd="0"/>
+        <dgm:cxn modelId="52" srcId="2" destId="22" srcOrd="1" destOrd="0"/>
+        <dgm:cxn modelId="61" srcId="3" destId="31" srcOrd="0" destOrd="0"/>
+        <dgm:cxn modelId="62" srcId="3" destId="32" srcOrd="1" destOrd="0"/>
+      </dgm:cxnLst>
+      <dgm:bg/>
+      <dgm:whole/>
+    </dgm:dataModel>
+  </dgm:sampData>
+  <dgm:styleData>
+    <dgm:dataModel>
+      <dgm:ptLst>
+        <dgm:pt modelId="0" type="doc"/>
+        <dgm:pt modelId="1"/>
+        <dgm:pt modelId="2"/>
+      </dgm:ptLst>
+      <dgm:cxnLst>
+        <dgm:cxn modelId="4" srcId="0" destId="1" srcOrd="0" destOrd="0"/>
+        <dgm:cxn modelId="5" srcId="1" destId="2" srcOrd="0" destOrd="0"/>
+      </dgm:cxnLst>
+      <dgm:bg/>
+      <dgm:whole/>
+    </dgm:dataModel>
+  </dgm:styleData>
+  <dgm:clrData>
+    <dgm:dataModel>
+      <dgm:ptLst>
+        <dgm:pt modelId="0" type="doc"/>
+        <dgm:pt modelId="1"/>
+        <dgm:pt modelId="11"/>
+        <dgm:pt modelId="2"/>
+        <dgm:pt modelId="21"/>
+        <dgm:pt modelId="3"/>
+        <dgm:pt modelId="31"/>
+        <dgm:pt modelId="4"/>
+        <dgm:pt modelId="41"/>
+      </dgm:ptLst>
+      <dgm:cxnLst>
+        <dgm:cxn modelId="5" srcId="0" destId="1" srcOrd="0" destOrd="0"/>
+        <dgm:cxn modelId="6" srcId="0" destId="2" srcOrd="1" destOrd="0"/>
+        <dgm:cxn modelId="7" srcId="0" destId="3" srcOrd="2" destOrd="0"/>
+        <dgm:cxn modelId="8" srcId="0" destId="4" srcOrd="3" destOrd="0"/>
+        <dgm:cxn modelId="51" srcId="1" destId="11" srcOrd="0" destOrd="0"/>
+        <dgm:cxn modelId="61" srcId="2" destId="21" srcOrd="0" destOrd="0"/>
+        <dgm:cxn modelId="71" srcId="3" destId="31" srcOrd="0" destOrd="0"/>
+        <dgm:cxn modelId="81" srcId="4" destId="41" srcOrd="0" destOrd="0"/>
+      </dgm:cxnLst>
+      <dgm:bg/>
+      <dgm:whole/>
+    </dgm:dataModel>
+  </dgm:clrData>
+  <dgm:layoutNode name="Name0">
+    <dgm:varLst>
+      <dgm:chPref val="3"/>
+      <dgm:dir/>
+      <dgm:animLvl val="lvl"/>
+      <dgm:resizeHandles/>
+    </dgm:varLst>
+    <dgm:choose name="Name1">
+      <dgm:if name="Name2" func="var" arg="dir" op="equ" val="norm">
+        <dgm:alg type="lin">
+          <dgm:param type="linDir" val="fromT"/>
+          <dgm:param type="vertAlign" val="mid"/>
+          <dgm:param type="nodeHorzAlign" val="l"/>
+          <dgm:param type="nodeVertAlign" val="t"/>
+          <dgm:param type="fallback" val="2D"/>
+        </dgm:alg>
+      </dgm:if>
+      <dgm:else name="Name3">
+        <dgm:alg type="lin">
+          <dgm:param type="linDir" val="fromT"/>
+          <dgm:param type="vertAlign" val="mid"/>
+          <dgm:param type="nodeHorzAlign" val="r"/>
+          <dgm:param type="nodeVertAlign" val="t"/>
+          <dgm:param type="fallback" val="2D"/>
+        </dgm:alg>
+      </dgm:else>
+    </dgm:choose>
+    <dgm:shape xmlns:r="http://schemas.openxmlformats.org/officeDocument/2006/relationships" r:blip="">
+      <dgm:adjLst/>
+    </dgm:shape>
+    <dgm:presOf/>
+    <dgm:constrLst>
+      <dgm:constr type="w" for="des" forName="bigChev" refType="w"/>
+      <dgm:constr type="h" for="des" forName="bigChev" refType="w" refFor="des" refForName="bigChev" op="equ" fact="0.4"/>
+      <dgm:constr type="w" for="des" forName="node" refType="w" refFor="des" refForName="bigChev" fact="0.83"/>
+      <dgm:constr type="h" for="des" forName="node" refType="w" refFor="des" refForName="node" op="equ" fact="0.4"/>
+      <dgm:constr type="w" for="des" forName="parTrans" refType="w" refFor="des" refForName="bigChev" op="equ" fact="-0.13"/>
+      <dgm:constr type="w" for="des" forName="sibTrans" refType="w" refFor="des" refForName="node" op="equ" fact="-0.14"/>
+      <dgm:constr type="h" for="ch" forName="vSp" refType="h" refFor="des" refForName="bigChev" op="equ" fact="0.14"/>
+      <dgm:constr type="primFontSz" for="des" forName="node" op="equ"/>
+      <dgm:constr type="primFontSz" for="des" forName="bigChev" op="equ"/>
+    </dgm:constrLst>
+    <dgm:ruleLst/>
+    <dgm:forEach name="Name4" axis="ch" ptType="node">
+      <dgm:layoutNode name="horFlow">
+        <dgm:choose name="Name5">
+          <dgm:if name="Name6" func="var" arg="dir" op="equ" val="norm">
+            <dgm:alg type="lin">
+              <dgm:param type="linDir" val="fromL"/>
+              <dgm:param type="nodeHorzAlign" val="l"/>
+              <dgm:param type="nodeVertAlign" val="mid"/>
+              <dgm:param type="fallback" val="2D"/>
+            </dgm:alg>
+          </dgm:if>
+          <dgm:else name="Name7">
+            <dgm:alg type="lin">
+              <dgm:param type="linDir" val="fromR"/>
+              <dgm:param type="nodeHorzAlign" val="r"/>
+              <dgm:param type="nodeVertAlign" val="mid"/>
+              <dgm:param type="fallback" val="2D"/>
+            </dgm:alg>
+          </dgm:else>
+        </dgm:choose>
+        <dgm:shape xmlns:r="http://schemas.openxmlformats.org/officeDocument/2006/relationships" r:blip="">
+          <dgm:adjLst/>
+        </dgm:shape>
+        <dgm:presOf/>
+        <dgm:constrLst/>
+        <dgm:ruleLst/>
+        <dgm:layoutNode name="bigChev" styleLbl="node1">
+          <dgm:alg type="tx"/>
+          <dgm:choose name="Name8">
+            <dgm:if name="Name9" func="var" arg="dir" op="equ" val="norm">
+              <dgm:shape xmlns:r="http://schemas.openxmlformats.org/officeDocument/2006/relationships" type="chevron" r:blip="">
+                <dgm:adjLst/>
+              </dgm:shape>
+              <dgm:presOf axis="self"/>
+              <dgm:constrLst>
+                <dgm:constr type="primFontSz" val="65"/>
+                <dgm:constr type="rMarg"/>
+                <dgm:constr type="lMarg" refType="primFontSz" fact="0.1"/>
+                <dgm:constr type="tMarg" refType="primFontSz" fact="0.05"/>
+                <dgm:constr type="bMarg" refType="primFontSz" fact="0.05"/>
+              </dgm:constrLst>
+            </dgm:if>
+            <dgm:else name="Name10">
+              <dgm:shape xmlns:r="http://schemas.openxmlformats.org/officeDocument/2006/relationships" rot="180" type="chevron" r:blip="">
+                <dgm:adjLst/>
+              </dgm:shape>
+              <dgm:presOf axis="self"/>
+              <dgm:constrLst>
+                <dgm:constr type="primFontSz" val="65"/>
+                <dgm:constr type="lMarg"/>
+                <dgm:constr type="rMarg" refType="primFontSz" fact="0.1"/>
+                <dgm:constr type="tMarg" refType="primFontSz" fact="0.05"/>
+                <dgm:constr type="bMarg" refType="primFontSz" fact="0.05"/>
+              </dgm:constrLst>
+            </dgm:else>
+          </dgm:choose>
+          <dgm:ruleLst>
+            <dgm:rule type="primFontSz" val="5" fact="NaN" max="NaN"/>
+          </dgm:ruleLst>
+        </dgm:layoutNode>
+        <dgm:forEach name="parTransForEach" axis="ch" ptType="parTrans" cnt="1">
+          <dgm:layoutNode name="parTrans">
+            <dgm:alg type="sp"/>
+            <dgm:shape xmlns:r="http://schemas.openxmlformats.org/officeDocument/2006/relationships" r:blip="">
+              <dgm:adjLst/>
+            </dgm:shape>
+            <dgm:presOf/>
+            <dgm:constrLst/>
+            <dgm:ruleLst/>
+          </dgm:layoutNode>
+        </dgm:forEach>
+        <dgm:forEach name="Name11" axis="ch" ptType="node">
+          <dgm:layoutNode name="node" styleLbl="alignAccFollowNode1">
+            <dgm:varLst>
+              <dgm:bulletEnabled val="1"/>
+            </dgm:varLst>
+            <dgm:alg type="tx"/>
+            <dgm:choose name="Name12">
+              <dgm:if name="Name13" func="var" arg="dir" op="equ" val="norm">
+                <dgm:shape xmlns:r="http://schemas.openxmlformats.org/officeDocument/2006/relationships" type="chevron" r:blip="">
+                  <dgm:adjLst/>
+                </dgm:shape>
+                <dgm:presOf axis="desOrSelf" ptType="node"/>
+                <dgm:constrLst>
+                  <dgm:constr type="primFontSz" val="65"/>
+                  <dgm:constr type="rMarg"/>
+                  <dgm:constr type="lMarg" refType="primFontSz" fact="0.1"/>
+                  <dgm:constr type="tMarg" refType="primFontSz" fact="0.05"/>
+                  <dgm:constr type="bMarg" refType="primFontSz" fact="0.05"/>
+                </dgm:constrLst>
+              </dgm:if>
+              <dgm:else name="Name14">
+                <dgm:shape xmlns:r="http://schemas.openxmlformats.org/officeDocument/2006/relationships" rot="180" type="chevron" r:blip="">
+                  <dgm:adjLst/>
+                </dgm:shape>
+                <dgm:presOf axis="desOrSelf" ptType="node"/>
+                <dgm:constrLst>
+                  <dgm:constr type="primFontSz" val="65"/>
+                  <dgm:constr type="lMarg"/>
+                  <dgm:constr type="rMarg" refType="primFontSz" fact="0.1"/>
+                  <dgm:constr type="tMarg" refType="primFontSz" fact="0.05"/>
+                  <dgm:constr type="bMarg" refType="primFontSz" fact="0.05"/>
+                </dgm:constrLst>
+              </dgm:else>
+            </dgm:choose>
+            <dgm:ruleLst>
+              <dgm:rule type="primFontSz" val="5" fact="NaN" max="NaN"/>
+            </dgm:ruleLst>
+          </dgm:layoutNode>
+          <dgm:forEach name="sibTransForEach" axis="followSib" ptType="sibTrans" cnt="1">
+            <dgm:layoutNode name="sibTrans">
+              <dgm:alg type="sp"/>
+              <dgm:shape xmlns:r="http://schemas.openxmlformats.org/officeDocument/2006/relationships" r:blip="">
+                <dgm:adjLst/>
+              </dgm:shape>
+              <dgm:presOf/>
+              <dgm:constrLst/>
+              <dgm:ruleLst/>
+            </dgm:layoutNode>
+          </dgm:forEach>
+        </dgm:forEach>
+      </dgm:layoutNode>
+      <dgm:choose name="Name15">
+        <dgm:if name="Name16" axis="self" ptType="node" func="revPos" op="gte" val="2">
+          <dgm:layoutNode name="vSp">
+            <dgm:alg type="sp"/>
+            <dgm:shape xmlns:r="http://schemas.openxmlformats.org/officeDocument/2006/relationships" r:blip="">
+              <dgm:adjLst/>
+            </dgm:shape>
+            <dgm:presOf/>
+            <dgm:constrLst/>
+            <dgm:ruleLst/>
+          </dgm:layoutNode>
+        </dgm:if>
+        <dgm:else name="Name17"/>
+      </dgm:choose>
+    </dgm:forEach>
+  </dgm:layoutNode>
+</dgm:layoutDef>
+</file>
+
+<file path=ppt/diagrams/quickStyle1.xml><?xml version="1.0" encoding="utf-8"?>
+<dgm:styleDef xmlns:dgm="http://schemas.openxmlformats.org/drawingml/2006/diagram" xmlns:a="http://schemas.openxmlformats.org/drawingml/2006/main" uniqueId="urn:microsoft.com/office/officeart/2005/8/quickstyle/simple1">
+  <dgm:title val=""/>
+  <dgm:desc val=""/>
+  <dgm:catLst>
+    <dgm:cat type="simple" pri="10100"/>
+  </dgm:catLst>
+  <dgm:scene3d>
+    <a:camera prst="orthographicFront"/>
+    <a:lightRig rig="threePt" dir="t"/>
+  </dgm:scene3d>
+  <dgm:styleLbl name="node0">
+    <dgm:scene3d>
+      <a:camera prst="orthographicFront"/>
+      <a:lightRig rig="threePt" dir="t"/>
+    </dgm:scene3d>
+    <dgm:sp3d/>
+    <dgm:txPr/>
+    <dgm:style>
+      <a:lnRef idx="2">
+        <a:scrgbClr r="0" g="0" b="0"/>
+      </a:lnRef>
+      <a:fillRef idx="1">
+        <a:scrgbClr r="0" g="0" b="0"/>
+      </a:fillRef>
+      <a:effectRef idx="0">
+        <a:scrgbClr r="0" g="0" b="0"/>
+      </a:effectRef>
+      <a:fontRef idx="minor">
+        <a:schemeClr val="lt1"/>
+      </a:fontRef>
+    </dgm:style>
+  </dgm:styleLbl>
+  <dgm:styleLbl name="lnNode1">
+    <dgm:scene3d>
+      <a:camera prst="orthographicFront"/>
+      <a:lightRig rig="threePt" dir="t"/>
+    </dgm:scene3d>
+    <dgm:sp3d/>
+    <dgm:txPr/>
+    <dgm:style>
+      <a:lnRef idx="2">
+        <a:scrgbClr r="0" g="0" b="0"/>
+      </a:lnRef>
+      <a:fillRef idx="1">
+        <a:scrgbClr r="0" g="0" b="0"/>
+      </a:fillRef>
+      <a:effectRef idx="0">
+        <a:scrgbClr r="0" g="0" b="0"/>
+      </a:effectRef>
+      <a:fontRef idx="minor">
+        <a:schemeClr val="lt1"/>
+      </a:fontRef>
+    </dgm:style>
+  </dgm:styleLbl>
+  <dgm:styleLbl name="vennNode1">
+    <dgm:scene3d>
+      <a:camera prst="orthographicFront"/>
+      <a:lightRig rig="threePt" dir="t"/>
+    </dgm:scene3d>
+    <dgm:sp3d/>
+    <dgm:txPr/>
+    <dgm:style>
+      <a:lnRef idx="2">
+        <a:scrgbClr r="0" g="0" b="0"/>
+      </a:lnRef>
+      <a:fillRef idx="1">
+        <a:scrgbClr r="0" g="0" b="0"/>
+      </a:fillRef>
+      <a:effectRef idx="0">
+        <a:scrgbClr r="0" g="0" b="0"/>
+      </a:effectRef>
+      <a:fontRef idx="minor">
+        <a:schemeClr val="tx1"/>
+      </a:fontRef>
+    </dgm:style>
+  </dgm:styleLbl>
+  <dgm:styleLbl name="alignNode1">
+    <dgm:scene3d>
+      <a:camera prst="orthographicFront"/>
+      <a:lightRig rig="threePt" dir="t"/>
+    </dgm:scene3d>
+    <dgm:sp3d/>
+    <dgm:txPr/>
+    <dgm:style>
+      <a:lnRef idx="2">
+        <a:scrgbClr r="0" g="0" b="0"/>
+      </a:lnRef>
+      <a:fillRef idx="1">
+        <a:scrgbClr r="0" g="0" b="0"/>
+      </a:fillRef>
+      <a:effectRef idx="0">
+        <a:scrgbClr r="0" g="0" b="0"/>
+      </a:effectRef>
+      <a:fontRef idx="minor">
+        <a:schemeClr val="lt1"/>
+      </a:fontRef>
+    </dgm:style>
+  </dgm:styleLbl>
+  <dgm:styleLbl name="node1">
+    <dgm:scene3d>
+      <a:camera prst="orthographicFront"/>
+      <a:lightRig rig="threePt" dir="t"/>
+    </dgm:scene3d>
+    <dgm:sp3d/>
+    <dgm:txPr/>
+    <dgm:style>
+      <a:lnRef idx="2">
+        <a:scrgbClr r="0" g="0" b="0"/>
+      </a:lnRef>
+      <a:fillRef idx="1">
+        <a:scrgbClr r="0" g="0" b="0"/>
+      </a:fillRef>
+      <a:effectRef idx="0">
+        <a:scrgbClr r="0" g="0" b="0"/>
+      </a:effectRef>
+      <a:fontRef idx="minor">
+        <a:schemeClr val="lt1"/>
+      </a:fontRef>
+    </dgm:style>
+  </dgm:styleLbl>
+  <dgm:styleLbl name="node2">
+    <dgm:scene3d>
+      <a:camera prst="orthographicFront"/>
+      <a:lightRig rig="threePt" dir="t"/>
+    </dgm:scene3d>
+    <dgm:sp3d/>
+    <dgm:txPr/>
+    <dgm:style>
+      <a:lnRef idx="2">
+        <a:scrgbClr r="0" g="0" b="0"/>
+      </a:lnRef>
+      <a:fillRef idx="1">
+        <a:scrgbClr r="0" g="0" b="0"/>
+      </a:fillRef>
+      <a:effectRef idx="0">
+        <a:scrgbClr r="0" g="0" b="0"/>
+      </a:effectRef>
+      <a:fontRef idx="minor">
+        <a:schemeClr val="lt1"/>
+      </a:fontRef>
+    </dgm:style>
+  </dgm:styleLbl>
+  <dgm:styleLbl name="node3">
+    <dgm:scene3d>
+      <a:camera prst="orthographicFront"/>
+      <a:lightRig rig="threePt" dir="t"/>
+    </dgm:scene3d>
+    <dgm:sp3d/>
+    <dgm:txPr/>
+    <dgm:style>
+      <a:lnRef idx="2">
+        <a:scrgbClr r="0" g="0" b="0"/>
+      </a:lnRef>
+      <a:fillRef idx="1">
+        <a:scrgbClr r="0" g="0" b="0"/>
+      </a:fillRef>
+      <a:effectRef idx="0">
+        <a:scrgbClr r="0" g="0" b="0"/>
+      </a:effectRef>
+      <a:fontRef idx="minor">
+        <a:schemeClr val="lt1"/>
+      </a:fontRef>
+    </dgm:style>
+  </dgm:styleLbl>
+  <dgm:styleLbl name="node4">
+    <dgm:scene3d>
+      <a:camera prst="orthographicFront"/>
+      <a:lightRig rig="threePt" dir="t"/>
+    </dgm:scene3d>
+    <dgm:sp3d/>
+    <dgm:txPr/>
+    <dgm:style>
+      <a:lnRef idx="2">
+        <a:scrgbClr r="0" g="0" b="0"/>
+      </a:lnRef>
+      <a:fillRef idx="1">
+        <a:scrgbClr r="0" g="0" b="0"/>
+      </a:fillRef>
+      <a:effectRef idx="0">
+        <a:scrgbClr r="0" g="0" b="0"/>
+      </a:effectRef>
+      <a:fontRef idx="minor">
+        <a:schemeClr val="lt1"/>
+      </a:fontRef>
+    </dgm:style>
+  </dgm:styleLbl>
+  <dgm:styleLbl name="fgImgPlace1">
+    <dgm:scene3d>
+      <a:camera prst="orthographicFront"/>
+      <a:lightRig rig="threePt" dir="t"/>
+    </dgm:scene3d>
+    <dgm:sp3d/>
+    <dgm:txPr/>
+    <dgm:style>
+      <a:lnRef idx="2">
+        <a:scrgbClr r="0" g="0" b="0"/>
+      </a:lnRef>
+      <a:fillRef idx="1">
+        <a:scrgbClr r="0" g="0" b="0"/>
+      </a:fillRef>
+      <a:effectRef idx="0">
+        <a:scrgbClr r="0" g="0" b="0"/>
+      </a:effectRef>
+      <a:fontRef idx="minor"/>
+    </dgm:style>
+  </dgm:styleLbl>
+  <dgm:styleLbl name="alignImgPlace1">
+    <dgm:scene3d>
+      <a:camera prst="orthographicFront"/>
+      <a:lightRig rig="threePt" dir="t"/>
+    </dgm:scene3d>
+    <dgm:sp3d/>
+    <dgm:txPr/>
+    <dgm:style>
+      <a:lnRef idx="2">
+        <a:scrgbClr r="0" g="0" b="0"/>
+      </a:lnRef>
+      <a:fillRef idx="1">
+        <a:scrgbClr r="0" g="0" b="0"/>
+      </a:fillRef>
+      <a:effectRef idx="0">
+        <a:scrgbClr r="0" g="0" b="0"/>
+      </a:effectRef>
+      <a:fontRef idx="minor"/>
+    </dgm:style>
+  </dgm:styleLbl>
+  <dgm:styleLbl name="bgImgPlace1">
+    <dgm:scene3d>
+      <a:camera prst="orthographicFront"/>
+      <a:lightRig rig="threePt" dir="t"/>
+    </dgm:scene3d>
+    <dgm:sp3d/>
+    <dgm:txPr/>
+    <dgm:style>
+      <a:lnRef idx="2">
+        <a:scrgbClr r="0" g="0" b="0"/>
+      </a:lnRef>
+      <a:fillRef idx="1">
+        <a:scrgbClr r="0" g="0" b="0"/>
+      </a:fillRef>
+      <a:effectRef idx="0">
+        <a:scrgbClr r="0" g="0" b="0"/>
+      </a:effectRef>
+      <a:fontRef idx="minor"/>
+    </dgm:style>
+  </dgm:styleLbl>
+  <dgm:styleLbl name="sibTrans2D1">
+    <dgm:scene3d>
+      <a:camera prst="orthographicFront"/>
+      <a:lightRig rig="threePt" dir="t"/>
+    </dgm:scene3d>
+    <dgm:sp3d/>
+    <dgm:txPr/>
+    <dgm:style>
+      <a:lnRef idx="0">
+        <a:scrgbClr r="0" g="0" b="0"/>
+      </a:lnRef>
+      <a:fillRef idx="1">
+        <a:scrgbClr r="0" g="0" b="0"/>
+      </a:fillRef>
+      <a:effectRef idx="0">
+        <a:scrgbClr r="0" g="0" b="0"/>
+      </a:effectRef>
+      <a:fontRef idx="minor">
+        <a:schemeClr val="lt1"/>
+      </a:fontRef>
+    </dgm:style>
+  </dgm:styleLbl>
+  <dgm:styleLbl name="fgSibTrans2D1">
+    <dgm:scene3d>
+      <a:camera prst="orthographicFront"/>
+      <a:lightRig rig="threePt" dir="t"/>
+    </dgm:scene3d>
+    <dgm:sp3d/>
+    <dgm:txPr/>
+    <dgm:style>
+      <a:lnRef idx="0">
+        <a:scrgbClr r="0" g="0" b="0"/>
+      </a:lnRef>
+      <a:fillRef idx="1">
+        <a:scrgbClr r="0" g="0" b="0"/>
+      </a:fillRef>
+      <a:effectRef idx="0">
+        <a:scrgbClr r="0" g="0" b="0"/>
+      </a:effectRef>
+      <a:fontRef idx="minor">
+        <a:schemeClr val="lt1"/>
+      </a:fontRef>
+    </dgm:style>
+  </dgm:styleLbl>
+  <dgm:styleLbl name="bgSibTrans2D1">
+    <dgm:scene3d>
+      <a:camera prst="orthographicFront"/>
+      <a:lightRig rig="threePt" dir="t"/>
+    </dgm:scene3d>
+    <dgm:sp3d/>
+    <dgm:txPr/>
+    <dgm:style>
+      <a:lnRef idx="0">
+        <a:scrgbClr r="0" g="0" b="0"/>
+      </a:lnRef>
+      <a:fillRef idx="1">
+        <a:scrgbClr r="0" g="0" b="0"/>
+      </a:fillRef>
+      <a:effectRef idx="0">
+        <a:scrgbClr r="0" g="0" b="0"/>
+      </a:effectRef>
+      <a:fontRef idx="minor">
+        <a:schemeClr val="lt1"/>
+      </a:fontRef>
+    </dgm:style>
+  </dgm:styleLbl>
+  <dgm:styleLbl name="sibTrans1D1">
+    <dgm:scene3d>
+      <a:camera prst="orthographicFront"/>
+      <a:lightRig rig="threePt" dir="t"/>
+    </dgm:scene3d>
+    <dgm:sp3d/>
+    <dgm:txPr/>
+    <dgm:style>
+      <a:lnRef idx="1">
+        <a:scrgbClr r="0" g="0" b="0"/>
+      </a:lnRef>
+      <a:fillRef idx="0">
+        <a:scrgbClr r="0" g="0" b="0"/>
+      </a:fillRef>
+      <a:effectRef idx="0">
+        <a:scrgbClr r="0" g="0" b="0"/>
+      </a:effectRef>
+      <a:fontRef idx="minor"/>
+    </dgm:style>
+  </dgm:styleLbl>
+  <dgm:styleLbl name="callout">
+    <dgm:scene3d>
+      <a:camera prst="orthographicFront"/>
+      <a:lightRig rig="threePt" dir="t"/>
+    </dgm:scene3d>
+    <dgm:sp3d/>
+    <dgm:txPr/>
+    <dgm:style>
+      <a:lnRef idx="2">
+        <a:scrgbClr r="0" g="0" b="0"/>
+      </a:lnRef>
+      <a:fillRef idx="1">
+        <a:scrgbClr r="0" g="0" b="0"/>
+      </a:fillRef>
+      <a:effectRef idx="0">
+        <a:scrgbClr r="0" g="0" b="0"/>
+      </a:effectRef>
+      <a:fontRef idx="minor"/>
+    </dgm:style>
+  </dgm:styleLbl>
+  <dgm:styleLbl name="asst0">
+    <dgm:scene3d>
+      <a:camera prst="orthographicFront"/>
+      <a:lightRig rig="threePt" dir="t"/>
+    </dgm:scene3d>
+    <dgm:sp3d/>
+    <dgm:txPr/>
+    <dgm:style>
+      <a:lnRef idx="2">
+        <a:scrgbClr r="0" g="0" b="0"/>
+      </a:lnRef>
+      <a:fillRef idx="1">
+        <a:scrgbClr r="0" g="0" b="0"/>
+      </a:fillRef>
+      <a:effectRef idx="0">
+        <a:scrgbClr r="0" g="0" b="0"/>
+      </a:effectRef>
+      <a:fontRef idx="minor">
+        <a:schemeClr val="lt1"/>
+      </a:fontRef>
+    </dgm:style>
+  </dgm:styleLbl>
+  <dgm:styleLbl name="asst1">
+    <dgm:scene3d>
+      <a:camera prst="orthographicFront"/>
+      <a:lightRig rig="threePt" dir="t"/>
+    </dgm:scene3d>
+    <dgm:sp3d/>
+    <dgm:txPr/>
+    <dgm:style>
+      <a:lnRef idx="2">
+        <a:scrgbClr r="0" g="0" b="0"/>
+      </a:lnRef>
+      <a:fillRef idx="1">
+        <a:scrgbClr r="0" g="0" b="0"/>
+      </a:fillRef>
+      <a:effectRef idx="0">
+        <a:scrgbClr r="0" g="0" b="0"/>
+      </a:effectRef>
+      <a:fontRef idx="minor">
+        <a:schemeClr val="lt1"/>
+      </a:fontRef>
+    </dgm:style>
+  </dgm:styleLbl>
+  <dgm:styleLbl name="asst2">
+    <dgm:scene3d>
+      <a:camera prst="orthographicFront"/>
+      <a:lightRig rig="threePt" dir="t"/>
+    </dgm:scene3d>
+    <dgm:sp3d/>
+    <dgm:txPr/>
+    <dgm:style>
+      <a:lnRef idx="2">
+        <a:scrgbClr r="0" g="0" b="0"/>
+      </a:lnRef>
+      <a:fillRef idx="1">
+        <a:scrgbClr r="0" g="0" b="0"/>
+      </a:fillRef>
+      <a:effectRef idx="0">
+        <a:scrgbClr r="0" g="0" b="0"/>
+      </a:effectRef>
+      <a:fontRef idx="minor">
+        <a:schemeClr val="lt1"/>
+      </a:fontRef>
+    </dgm:style>
+  </dgm:styleLbl>
+  <dgm:styleLbl name="asst3">
+    <dgm:scene3d>
+      <a:camera prst="orthographicFront"/>
+      <a:lightRig rig="threePt" dir="t"/>
+    </dgm:scene3d>
+    <dgm:sp3d/>
+    <dgm:txPr/>
+    <dgm:style>
+      <a:lnRef idx="2">
+        <a:scrgbClr r="0" g="0" b="0"/>
+      </a:lnRef>
+      <a:fillRef idx="1">
+        <a:scrgbClr r="0" g="0" b="0"/>
+      </a:fillRef>
+      <a:effectRef idx="0">
+        <a:scrgbClr r="0" g="0" b="0"/>
+      </a:effectRef>
+      <a:fontRef idx="minor">
+        <a:schemeClr val="lt1"/>
+      </a:fontRef>
+    </dgm:style>
+  </dgm:styleLbl>
+  <dgm:styleLbl name="asst4">
+    <dgm:scene3d>
+      <a:camera prst="orthographicFront"/>
+      <a:lightRig rig="threePt" dir="t"/>
+    </dgm:scene3d>
+    <dgm:sp3d/>
+    <dgm:txPr/>
+    <dgm:style>
+      <a:lnRef idx="2">
+        <a:scrgbClr r="0" g="0" b="0"/>
+      </a:lnRef>
+      <a:fillRef idx="1">
+        <a:scrgbClr r="0" g="0" b="0"/>
+      </a:fillRef>
+      <a:effectRef idx="0">
+        <a:scrgbClr r="0" g="0" b="0"/>
+      </a:effectRef>
+      <a:fontRef idx="minor">
+        <a:schemeClr val="lt1"/>
+      </a:fontRef>
+    </dgm:style>
+  </dgm:styleLbl>
+  <dgm:styleLbl name="parChTrans2D1">
+    <dgm:scene3d>
+      <a:camera prst="orthographicFront"/>
+      <a:lightRig rig="threePt" dir="t"/>
+    </dgm:scene3d>
+    <dgm:sp3d/>
+    <dgm:txPr/>
+    <dgm:style>
+      <a:lnRef idx="2">
+        <a:scrgbClr r="0" g="0" b="0"/>
+      </a:lnRef>
+      <a:fillRef idx="1">
+        <a:scrgbClr r="0" g="0" b="0"/>
+      </a:fillRef>
+      <a:effectRef idx="0">
+        <a:scrgbClr r="0" g="0" b="0"/>
+      </a:effectRef>
+      <a:fontRef idx="minor">
+        <a:schemeClr val="lt1"/>
+      </a:fontRef>
+    </dgm:style>
+  </dgm:styleLbl>
+  <dgm:styleLbl name="parChTrans2D2">
+    <dgm:scene3d>
+      <a:camera prst="orthographicFront"/>
+      <a:lightRig rig="threePt" dir="t"/>
+    </dgm:scene3d>
+    <dgm:sp3d/>
+    <dgm:txPr/>
+    <dgm:style>
+      <a:lnRef idx="2">
+        <a:scrgbClr r="0" g="0" b="0"/>
+      </a:lnRef>
+      <a:fillRef idx="1">
+        <a:scrgbClr r="0" g="0" b="0"/>
+      </a:fillRef>
+      <a:effectRef idx="0">
+        <a:scrgbClr r="0" g="0" b="0"/>
+      </a:effectRef>
+      <a:fontRef idx="minor">
+        <a:schemeClr val="lt1"/>
+      </a:fontRef>
+    </dgm:style>
+  </dgm:styleLbl>
+  <dgm:styleLbl name="parChTrans2D3">
+    <dgm:scene3d>
+      <a:camera prst="orthographicFront"/>
+      <a:lightRig rig="threePt" dir="t"/>
+    </dgm:scene3d>
+    <dgm:sp3d/>
+    <dgm:txPr/>
+    <dgm:style>
+      <a:lnRef idx="2">
+        <a:scrgbClr r="0" g="0" b="0"/>
+      </a:lnRef>
+      <a:fillRef idx="1">
+        <a:scrgbClr r="0" g="0" b="0"/>
+      </a:fillRef>
+      <a:effectRef idx="0">
+        <a:scrgbClr r="0" g="0" b="0"/>
+      </a:effectRef>
+      <a:fontRef idx="minor">
+        <a:schemeClr val="lt1"/>
+      </a:fontRef>
+    </dgm:style>
+  </dgm:styleLbl>
+  <dgm:styleLbl name="parChTrans2D4">
+    <dgm:scene3d>
+      <a:camera prst="orthographicFront"/>
+      <a:lightRig rig="threePt" dir="t"/>
+    </dgm:scene3d>
+    <dgm:sp3d/>
+    <dgm:txPr/>
+    <dgm:style>
+      <a:lnRef idx="2">
+        <a:scrgbClr r="0" g="0" b="0"/>
+      </a:lnRef>
+      <a:fillRef idx="1">
+        <a:scrgbClr r="0" g="0" b="0"/>
+      </a:fillRef>
+      <a:effectRef idx="0">
+        <a:scrgbClr r="0" g="0" b="0"/>
+      </a:effectRef>
+      <a:fontRef idx="minor">
+        <a:schemeClr val="lt1"/>
+      </a:fontRef>
+    </dgm:style>
+  </dgm:styleLbl>
+  <dgm:styleLbl name="parChTrans1D1">
+    <dgm:scene3d>
+      <a:camera prst="orthographicFront"/>
+      <a:lightRig rig="threePt" dir="t"/>
+    </dgm:scene3d>
+    <dgm:sp3d/>
+    <dgm:txPr/>
+    <dgm:style>
+      <a:lnRef idx="2">
+        <a:scrgbClr r="0" g="0" b="0"/>
+      </a:lnRef>
+      <a:fillRef idx="0">
+        <a:scrgbClr r="0" g="0" b="0"/>
+      </a:fillRef>
+      <a:effectRef idx="0">
+        <a:scrgbClr r="0" g="0" b="0"/>
+      </a:effectRef>
+      <a:fontRef idx="minor"/>
+    </dgm:style>
+  </dgm:styleLbl>
+  <dgm:styleLbl name="parChTrans1D2">
+    <dgm:scene3d>
+      <a:camera prst="orthographicFront"/>
+      <a:lightRig rig="threePt" dir="t"/>
+    </dgm:scene3d>
+    <dgm:sp3d/>
+    <dgm:txPr/>
+    <dgm:style>
+      <a:lnRef idx="2">
+        <a:scrgbClr r="0" g="0" b="0"/>
+      </a:lnRef>
+      <a:fillRef idx="0">
+        <a:scrgbClr r="0" g="0" b="0"/>
+      </a:fillRef>
+      <a:effectRef idx="0">
+        <a:scrgbClr r="0" g="0" b="0"/>
+      </a:effectRef>
+      <a:fontRef idx="minor"/>
+    </dgm:style>
+  </dgm:styleLbl>
+  <dgm:styleLbl name="parChTrans1D3">
+    <dgm:scene3d>
+      <a:camera prst="orthographicFront"/>
+      <a:lightRig rig="threePt" dir="t"/>
+    </dgm:scene3d>
+    <dgm:sp3d/>
+    <dgm:txPr/>
+    <dgm:style>
+      <a:lnRef idx="2">
+        <a:scrgbClr r="0" g="0" b="0"/>
+      </a:lnRef>
+      <a:fillRef idx="0">
+        <a:scrgbClr r="0" g="0" b="0"/>
+      </a:fillRef>
+      <a:effectRef idx="0">
+        <a:scrgbClr r="0" g="0" b="0"/>
+      </a:effectRef>
+      <a:fontRef idx="minor"/>
+    </dgm:style>
+  </dgm:styleLbl>
+  <dgm:styleLbl name="parChTrans1D4">
+    <dgm:scene3d>
+      <a:camera prst="orthographicFront"/>
+      <a:lightRig rig="threePt" dir="t"/>
+    </dgm:scene3d>
+    <dgm:sp3d/>
+    <dgm:txPr/>
+    <dgm:style>
+      <a:lnRef idx="2">
+        <a:scrgbClr r="0" g="0" b="0"/>
+      </a:lnRef>
+      <a:fillRef idx="0">
+        <a:scrgbClr r="0" g="0" b="0"/>
+      </a:fillRef>
+      <a:effectRef idx="0">
+        <a:scrgbClr r="0" g="0" b="0"/>
+      </a:effectRef>
+      <a:fontRef idx="minor"/>
+    </dgm:style>
+  </dgm:styleLbl>
+  <dgm:styleLbl name="fgAcc1">
+    <dgm:scene3d>
+      <a:camera prst="orthographicFront"/>
+      <a:lightRig rig="threePt" dir="t"/>
+    </dgm:scene3d>
+    <dgm:sp3d/>
+    <dgm:txPr/>
+    <dgm:style>
+      <a:lnRef idx="2">
+        <a:scrgbClr r="0" g="0" b="0"/>
+      </a:lnRef>
+      <a:fillRef idx="1">
+        <a:scrgbClr r="0" g="0" b="0"/>
+      </a:fillRef>
+      <a:effectRef idx="0">
+        <a:scrgbClr r="0" g="0" b="0"/>
+      </a:effectRef>
+      <a:fontRef idx="minor"/>
+    </dgm:style>
+  </dgm:styleLbl>
+  <dgm:styleLbl name="conFgAcc1">
+    <dgm:scene3d>
+      <a:camera prst="orthographicFront"/>
+      <a:lightRig rig="threePt" dir="t"/>
+    </dgm:scene3d>
+    <dgm:sp3d/>
+    <dgm:txPr/>
+    <dgm:style>
+      <a:lnRef idx="2">
+        <a:scrgbClr r="0" g="0" b="0"/>
+      </a:lnRef>
+      <a:fillRef idx="1">
+        <a:scrgbClr r="0" g="0" b="0"/>
+      </a:fillRef>
+      <a:effectRef idx="0">
+        <a:scrgbClr r="0" g="0" b="0"/>
+      </a:effectRef>
+      <a:fontRef idx="minor"/>
+    </dgm:style>
+  </dgm:styleLbl>
+  <dgm:styleLbl name="alignAcc1">
+    <dgm:scene3d>
+      <a:camera prst="orthographicFront"/>
+      <a:lightRig rig="threePt" dir="t"/>
+    </dgm:scene3d>
+    <dgm:sp3d/>
+    <dgm:txPr/>
+    <dgm:style>
+      <a:lnRef idx="2">
+        <a:scrgbClr r="0" g="0" b="0"/>
+      </a:lnRef>
+      <a:fillRef idx="1">
+        <a:scrgbClr r="0" g="0" b="0"/>
+      </a:fillRef>
+      <a:effectRef idx="0">
+        <a:scrgbClr r="0" g="0" b="0"/>
+      </a:effectRef>
+      <a:fontRef idx="minor"/>
+    </dgm:style>
+  </dgm:styleLbl>
+  <dgm:styleLbl name="trAlignAcc1">
+    <dgm:scene3d>
+      <a:camera prst="orthographicFront"/>
+      <a:lightRig rig="threePt" dir="t"/>
+    </dgm:scene3d>
+    <dgm:sp3d/>
+    <dgm:txPr/>
+    <dgm:style>
+      <a:lnRef idx="1">
+        <a:scrgbClr r="0" g="0" b="0"/>
+      </a:lnRef>
+      <a:fillRef idx="1">
+        <a:scrgbClr r="0" g="0" b="0"/>
+      </a:fillRef>
+      <a:effectRef idx="0">
+        <a:scrgbClr r="0" g="0" b="0"/>
+      </a:effectRef>
+      <a:fontRef idx="minor"/>
+    </dgm:style>
+  </dgm:styleLbl>
+  <dgm:styleLbl name="bgAcc1">
+    <dgm:scene3d>
+      <a:camera prst="orthographicFront"/>
+      <a:lightRig rig="threePt" dir="t"/>
+    </dgm:scene3d>
+    <dgm:sp3d/>
+    <dgm:txPr/>
+    <dgm:style>
+      <a:lnRef idx="2">
+        <a:scrgbClr r="0" g="0" b="0"/>
+      </a:lnRef>
+      <a:fillRef idx="1">
+        <a:scrgbClr r="0" g="0" b="0"/>
+      </a:fillRef>
+      <a:effectRef idx="0">
+        <a:scrgbClr r="0" g="0" b="0"/>
+      </a:effectRef>
+      <a:fontRef idx="minor"/>
+    </dgm:style>
+  </dgm:styleLbl>
+  <dgm:styleLbl name="solidFgAcc1">
+    <dgm:scene3d>
+      <a:camera prst="orthographicFront"/>
+      <a:lightRig rig="threePt" dir="t"/>
+    </dgm:scene3d>
+    <dgm:sp3d/>
+    <dgm:txPr/>
+    <dgm:style>
+      <a:lnRef idx="2">
+        <a:scrgbClr r="0" g="0" b="0"/>
+      </a:lnRef>
+      <a:fillRef idx="1">
+        <a:scrgbClr r="0" g="0" b="0"/>
+      </a:fillRef>
+      <a:effectRef idx="0">
+        <a:scrgbClr r="0" g="0" b="0"/>
+      </a:effectRef>
+      <a:fontRef idx="minor"/>
+    </dgm:style>
+  </dgm:styleLbl>
+  <dgm:styleLbl name="solidAlignAcc1">
+    <dgm:scene3d>
+      <a:camera prst="orthographicFront"/>
+      <a:lightRig rig="threePt" dir="t"/>
+    </dgm:scene3d>
+    <dgm:sp3d/>
+    <dgm:txPr/>
+    <dgm:style>
+      <a:lnRef idx="2">
+        <a:scrgbClr r="0" g="0" b="0"/>
+      </a:lnRef>
+      <a:fillRef idx="1">
+        <a:scrgbClr r="0" g="0" b="0"/>
+      </a:fillRef>
+      <a:effectRef idx="0">
+        <a:scrgbClr r="0" g="0" b="0"/>
+      </a:effectRef>
+      <a:fontRef idx="minor"/>
+    </dgm:style>
+  </dgm:styleLbl>
+  <dgm:styleLbl name="solidBgAcc1">
+    <dgm:scene3d>
+      <a:camera prst="orthographicFront"/>
+      <a:lightRig rig="threePt" dir="t"/>
+    </dgm:scene3d>
+    <dgm:sp3d/>
+    <dgm:txPr/>
+    <dgm:style>
+      <a:lnRef idx="2">
+        <a:scrgbClr r="0" g="0" b="0"/>
+      </a:lnRef>
+      <a:fillRef idx="1">
+        <a:scrgbClr r="0" g="0" b="0"/>
+      </a:fillRef>
+      <a:effectRef idx="0">
+        <a:scrgbClr r="0" g="0" b="0"/>
+      </a:effectRef>
+      <a:fontRef idx="minor"/>
+    </dgm:style>
+  </dgm:styleLbl>
+  <dgm:styleLbl name="fgAccFollowNode1">
+    <dgm:scene3d>
+      <a:camera prst="orthographicFront"/>
+      <a:lightRig rig="threePt" dir="t"/>
+    </dgm:scene3d>
+    <dgm:sp3d/>
+    <dgm:txPr/>
+    <dgm:style>
+      <a:lnRef idx="2">
+        <a:scrgbClr r="0" g="0" b="0"/>
+      </a:lnRef>
+      <a:fillRef idx="1">
+        <a:scrgbClr r="0" g="0" b="0"/>
+      </a:fillRef>
+      <a:effectRef idx="0">
+        <a:scrgbClr r="0" g="0" b="0"/>
+      </a:effectRef>
+      <a:fontRef idx="minor"/>
+    </dgm:style>
+  </dgm:styleLbl>
+  <dgm:styleLbl name="alignAccFollowNode1">
+    <dgm:scene3d>
+      <a:camera prst="orthographicFront"/>
+      <a:lightRig rig="threePt" dir="t"/>
+    </dgm:scene3d>
+    <dgm:sp3d/>
+    <dgm:txPr/>
+    <dgm:style>
+      <a:lnRef idx="2">
+        <a:scrgbClr r="0" g="0" b="0"/>
+      </a:lnRef>
+      <a:fillRef idx="1">
+        <a:scrgbClr r="0" g="0" b="0"/>
+      </a:fillRef>
+      <a:effectRef idx="0">
+        <a:scrgbClr r="0" g="0" b="0"/>
+      </a:effectRef>
+      <a:fontRef idx="minor"/>
+    </dgm:style>
+  </dgm:styleLbl>
+  <dgm:styleLbl name="bgAccFollowNode1">
+    <dgm:scene3d>
+      <a:camera prst="orthographicFront"/>
+      <a:lightRig rig="threePt" dir="t"/>
+    </dgm:scene3d>
+    <dgm:sp3d/>
+    <dgm:txPr/>
+    <dgm:style>
+      <a:lnRef idx="2">
+        <a:scrgbClr r="0" g="0" b="0"/>
+      </a:lnRef>
+      <a:fillRef idx="1">
+        <a:scrgbClr r="0" g="0" b="0"/>
+      </a:fillRef>
+      <a:effectRef idx="0">
+        <a:scrgbClr r="0" g="0" b="0"/>
+      </a:effectRef>
+      <a:fontRef idx="minor"/>
+    </dgm:style>
+  </dgm:styleLbl>
+  <dgm:styleLbl name="fgAcc0">
+    <dgm:scene3d>
+      <a:camera prst="orthographicFront"/>
+      <a:lightRig rig="threePt" dir="t"/>
+    </dgm:scene3d>
+    <dgm:sp3d/>
+    <dgm:txPr/>
+    <dgm:style>
+      <a:lnRef idx="2">
+        <a:scrgbClr r="0" g="0" b="0"/>
+      </a:lnRef>
+      <a:fillRef idx="1">
+        <a:scrgbClr r="0" g="0" b="0"/>
+      </a:fillRef>
+      <a:effectRef idx="0">
+        <a:scrgbClr r="0" g="0" b="0"/>
+      </a:effectRef>
+      <a:fontRef idx="minor"/>
+    </dgm:style>
+  </dgm:styleLbl>
+  <dgm:styleLbl name="fgAcc2">
+    <dgm:scene3d>
+      <a:camera prst="orthographicFront"/>
+      <a:lightRig rig="threePt" dir="t"/>
+    </dgm:scene3d>
+    <dgm:sp3d/>
+    <dgm:txPr/>
+    <dgm:style>
+      <a:lnRef idx="2">
+        <a:scrgbClr r="0" g="0" b="0"/>
+      </a:lnRef>
+      <a:fillRef idx="1">
+        <a:scrgbClr r="0" g="0" b="0"/>
+      </a:fillRef>
+      <a:effectRef idx="0">
+        <a:scrgbClr r="0" g="0" b="0"/>
+      </a:effectRef>
+      <a:fontRef idx="minor"/>
+    </dgm:style>
+  </dgm:styleLbl>
+  <dgm:styleLbl name="fgAcc3">
+    <dgm:scene3d>
+      <a:camera prst="orthographicFront"/>
+      <a:lightRig rig="threePt" dir="t"/>
+    </dgm:scene3d>
+    <dgm:sp3d/>
+    <dgm:txPr/>
+    <dgm:style>
+      <a:lnRef idx="2">
+        <a:scrgbClr r="0" g="0" b="0"/>
+      </a:lnRef>
+      <a:fillRef idx="1">
+        <a:scrgbClr r="0" g="0" b="0"/>
+      </a:fillRef>
+      <a:effectRef idx="0">
+        <a:scrgbClr r="0" g="0" b="0"/>
+      </a:effectRef>
+      <a:fontRef idx="minor"/>
+    </dgm:style>
+  </dgm:styleLbl>
+  <dgm:styleLbl name="fgAcc4">
+    <dgm:scene3d>
+      <a:camera prst="orthographicFront"/>
+      <a:lightRig rig="threePt" dir="t"/>
+    </dgm:scene3d>
+    <dgm:sp3d/>
+    <dgm:txPr/>
+    <dgm:style>
+      <a:lnRef idx="2">
+        <a:scrgbClr r="0" g="0" b="0"/>
+      </a:lnRef>
+      <a:fillRef idx="1">
+        <a:scrgbClr r="0" g="0" b="0"/>
+      </a:fillRef>
+      <a:effectRef idx="0">
+        <a:scrgbClr r="0" g="0" b="0"/>
+      </a:effectRef>
+      <a:fontRef idx="minor"/>
+    </dgm:style>
+  </dgm:styleLbl>
+  <dgm:styleLbl name="bgShp">
+    <dgm:scene3d>
+      <a:camera prst="orthographicFront"/>
+      <a:lightRig rig="threePt" dir="t"/>
+    </dgm:scene3d>
+    <dgm:sp3d/>
+    <dgm:txPr/>
+    <dgm:style>
+      <a:lnRef idx="0">
+        <a:scrgbClr r="0" g="0" b="0"/>
+      </a:lnRef>
+      <a:fillRef idx="1">
+        <a:scrgbClr r="0" g="0" b="0"/>
+      </a:fillRef>
+      <a:effectRef idx="0">
+        <a:scrgbClr r="0" g="0" b="0"/>
+      </a:effectRef>
+      <a:fontRef idx="minor"/>
+    </dgm:style>
+  </dgm:styleLbl>
+  <dgm:styleLbl name="dkBgShp">
+    <dgm:scene3d>
+      <a:camera prst="orthographicFront"/>
+      <a:lightRig rig="threePt" dir="t"/>
+    </dgm:scene3d>
+    <dgm:sp3d/>
+    <dgm:txPr/>
+    <dgm:style>
+      <a:lnRef idx="0">
+        <a:scrgbClr r="0" g="0" b="0"/>
+      </a:lnRef>
+      <a:fillRef idx="1">
+        <a:scrgbClr r="0" g="0" b="0"/>
+      </a:fillRef>
+      <a:effectRef idx="0">
+        <a:scrgbClr r="0" g="0" b="0"/>
+      </a:effectRef>
+      <a:fontRef idx="minor"/>
+    </dgm:style>
+  </dgm:styleLbl>
+  <dgm:styleLbl name="trBgShp">
+    <dgm:scene3d>
+      <a:camera prst="orthographicFront"/>
+      <a:lightRig rig="threePt" dir="t"/>
+    </dgm:scene3d>
+    <dgm:sp3d/>
+    <dgm:txPr/>
+    <dgm:style>
+      <a:lnRef idx="0">
+        <a:scrgbClr r="0" g="0" b="0"/>
+      </a:lnRef>
+      <a:fillRef idx="1">
+        <a:scrgbClr r="0" g="0" b="0"/>
+      </a:fillRef>
+      <a:effectRef idx="0">
+        <a:scrgbClr r="0" g="0" b="0"/>
+      </a:effectRef>
+      <a:fontRef idx="minor"/>
+    </dgm:style>
+  </dgm:styleLbl>
+  <dgm:styleLbl name="fgShp">
+    <dgm:scene3d>
+      <a:camera prst="orthographicFront"/>
+      <a:lightRig rig="threePt" dir="t"/>
+    </dgm:scene3d>
+    <dgm:sp3d/>
+    <dgm:txPr/>
+    <dgm:style>
+      <a:lnRef idx="2">
+        <a:scrgbClr r="0" g="0" b="0"/>
+      </a:lnRef>
+      <a:fillRef idx="1">
+        <a:scrgbClr r="0" g="0" b="0"/>
+      </a:fillRef>
+      <a:effectRef idx="0">
+        <a:scrgbClr r="0" g="0" b="0"/>
+      </a:effectRef>
+      <a:fontRef idx="minor"/>
+    </dgm:style>
+  </dgm:styleLbl>
+  <dgm:styleLbl name="revTx">
+    <dgm:scene3d>
+      <a:camera prst="orthographicFront"/>
+      <a:lightRig rig="threePt" dir="t"/>
+    </dgm:scene3d>
+    <dgm:sp3d/>
+    <dgm:txPr/>
+    <dgm:style>
+      <a:lnRef idx="0">
+        <a:scrgbClr r="0" g="0" b="0"/>
+      </a:lnRef>
+      <a:fillRef idx="0">
+        <a:scrgbClr r="0" g="0" b="0"/>
+      </a:fillRef>
+      <a:effectRef idx="0">
+        <a:scrgbClr r="0" g="0" b="0"/>
+      </a:effectRef>
+      <a:fontRef idx="minor"/>
+    </dgm:style>
+  </dgm:styleLbl>
+</dgm:styleDef>
 </file>
 
 <file path=ppt/notesMasters/notesMaster1.xml><?xml version="1.0" encoding="utf-8"?>
@@ -12444,6 +17869,379 @@
             <p:ph type="title"/>
           </p:nvPr>
         </p:nvSpPr>
+        <p:spPr/>
+        <p:txBody>
+          <a:bodyPr/>
+          <a:lstStyle/>
+          <a:p>
+            <a:r>
+              <a:rPr lang="en-MY" dirty="0">
+                <a:latin typeface="Roboto Light" panose="02000000000000000000" pitchFamily="2" charset="0"/>
+                <a:ea typeface="Roboto Light" panose="02000000000000000000" pitchFamily="2" charset="0"/>
+                <a:cs typeface="Roboto Light" panose="02000000000000000000" pitchFamily="2" charset="0"/>
+              </a:rPr>
+              <a:t>Branching Strategy</a:t>
+            </a:r>
+          </a:p>
+        </p:txBody>
+      </p:sp>
+      <p:sp>
+        <p:nvSpPr>
+          <p:cNvPr id="9" name="Subtitle 2">
+            <a:extLst>
+              <a:ext uri="{FF2B5EF4-FFF2-40B4-BE49-F238E27FC236}">
+                <a16:creationId xmlns:a16="http://schemas.microsoft.com/office/drawing/2014/main" id="{A22E2BFE-DC52-A063-DAF8-06E03F7EE63B}"/>
+              </a:ext>
+            </a:extLst>
+          </p:cNvPr>
+          <p:cNvSpPr>
+            <a:spLocks noGrp="1"/>
+          </p:cNvSpPr>
+          <p:nvPr>
+            <p:ph type="subTitle" idx="1"/>
+          </p:nvPr>
+        </p:nvSpPr>
+        <p:spPr>
+          <a:xfrm>
+            <a:off x="1524000" y="1439449"/>
+            <a:ext cx="9144000" cy="624588"/>
+          </a:xfrm>
+        </p:spPr>
+        <p:txBody>
+          <a:bodyPr>
+            <a:normAutofit fontScale="85000" lnSpcReduction="20000"/>
+          </a:bodyPr>
+          <a:lstStyle/>
+          <a:p>
+            <a:pPr>
+              <a:lnSpc>
+                <a:spcPct val="120000"/>
+              </a:lnSpc>
+            </a:pPr>
+            <a:r>
+              <a:rPr lang="en-US" dirty="0">
+                <a:latin typeface="Roboto Light" panose="02000000000000000000" pitchFamily="2" charset="0"/>
+                <a:ea typeface="Roboto Light" panose="02000000000000000000" pitchFamily="2" charset="0"/>
+                <a:cs typeface="Roboto Light" panose="02000000000000000000" pitchFamily="2" charset="0"/>
+              </a:rPr>
+              <a:t>Perfection is achieved, not when there is nothing more to add, </a:t>
+            </a:r>
+            <a:br>
+              <a:rPr lang="en-US" dirty="0">
+                <a:latin typeface="Roboto Light" panose="02000000000000000000" pitchFamily="2" charset="0"/>
+                <a:ea typeface="Roboto Light" panose="02000000000000000000" pitchFamily="2" charset="0"/>
+                <a:cs typeface="Roboto Light" panose="02000000000000000000" pitchFamily="2" charset="0"/>
+              </a:rPr>
+            </a:br>
+            <a:r>
+              <a:rPr lang="en-US" dirty="0">
+                <a:latin typeface="Roboto Light" panose="02000000000000000000" pitchFamily="2" charset="0"/>
+                <a:ea typeface="Roboto Light" panose="02000000000000000000" pitchFamily="2" charset="0"/>
+                <a:cs typeface="Roboto Light" panose="02000000000000000000" pitchFamily="2" charset="0"/>
+              </a:rPr>
+              <a:t>but when there is nothing left to take away.</a:t>
+            </a:r>
+          </a:p>
+        </p:txBody>
+      </p:sp>
+      <p:pic>
+        <p:nvPicPr>
+          <p:cNvPr id="1026" name="Picture 2" descr="GitHub Flow">
+            <a:extLst>
+              <a:ext uri="{FF2B5EF4-FFF2-40B4-BE49-F238E27FC236}">
+                <a16:creationId xmlns:a16="http://schemas.microsoft.com/office/drawing/2014/main" id="{33554C66-D8FE-3DAB-FC16-76AFC8667F56}"/>
+              </a:ext>
+            </a:extLst>
+          </p:cNvPr>
+          <p:cNvPicPr>
+            <a:picLocks noChangeAspect="1" noChangeArrowheads="1"/>
+          </p:cNvPicPr>
+          <p:nvPr/>
+        </p:nvPicPr>
+        <p:blipFill>
+          <a:blip r:embed="rId2">
+            <a:extLst>
+              <a:ext uri="{28A0092B-C50C-407E-A947-70E740481C1C}">
+                <a14:useLocalDpi xmlns:a14="http://schemas.microsoft.com/office/drawing/2010/main" val="0"/>
+              </a:ext>
+            </a:extLst>
+          </a:blip>
+          <a:srcRect/>
+          <a:stretch>
+            <a:fillRect/>
+          </a:stretch>
+        </p:blipFill>
+        <p:spPr bwMode="auto">
+          <a:xfrm>
+            <a:off x="1035627" y="2208377"/>
+            <a:ext cx="10120745" cy="3210174"/>
+          </a:xfrm>
+          <a:prstGeom prst="rect">
+            <a:avLst/>
+          </a:prstGeom>
+          <a:noFill/>
+          <a:extLst>
+            <a:ext uri="{909E8E84-426E-40DD-AFC4-6F175D3DCCD1}">
+              <a14:hiddenFill xmlns:a14="http://schemas.microsoft.com/office/drawing/2010/main">
+                <a:solidFill>
+                  <a:srgbClr val="FFFFFF"/>
+                </a:solidFill>
+              </a14:hiddenFill>
+            </a:ext>
+          </a:extLst>
+        </p:spPr>
+      </p:pic>
+    </p:spTree>
+    <p:extLst>
+      <p:ext uri="{BB962C8B-B14F-4D97-AF65-F5344CB8AC3E}">
+        <p14:creationId xmlns:p14="http://schemas.microsoft.com/office/powerpoint/2010/main" val="2768686784"/>
+      </p:ext>
+    </p:extLst>
+  </p:cSld>
+  <p:clrMapOvr>
+    <a:masterClrMapping/>
+  </p:clrMapOvr>
+  <mc:AlternateContent xmlns:mc="http://schemas.openxmlformats.org/markup-compatibility/2006">
+    <mc:Choice xmlns:p14="http://schemas.microsoft.com/office/powerpoint/2010/main" Requires="p14">
+      <p:transition p14:dur="0" advClick="0" advTm="3000"/>
+    </mc:Choice>
+    <mc:Fallback>
+      <p:transition advClick="0" advTm="3000"/>
+    </mc:Fallback>
+  </mc:AlternateContent>
+</p:sld>
+</file>
+
+<file path=ppt/slides/slide16.xml><?xml version="1.0" encoding="utf-8"?>
+<p:sld xmlns:a="http://schemas.openxmlformats.org/drawingml/2006/main" xmlns:r="http://schemas.openxmlformats.org/officeDocument/2006/relationships" xmlns:p="http://schemas.openxmlformats.org/presentationml/2006/main">
+  <p:cSld>
+    <p:spTree>
+      <p:nvGrpSpPr>
+        <p:cNvPr id="1" name=""/>
+        <p:cNvGrpSpPr/>
+        <p:nvPr/>
+      </p:nvGrpSpPr>
+      <p:grpSpPr>
+        <a:xfrm>
+          <a:off x="0" y="0"/>
+          <a:ext cx="0" cy="0"/>
+          <a:chOff x="0" y="0"/>
+          <a:chExt cx="0" cy="0"/>
+        </a:xfrm>
+      </p:grpSpPr>
+      <p:sp>
+        <p:nvSpPr>
+          <p:cNvPr id="2" name="Title 1"/>
+          <p:cNvSpPr>
+            <a:spLocks noGrp="1"/>
+          </p:cNvSpPr>
+          <p:nvPr>
+            <p:ph type="title"/>
+          </p:nvPr>
+        </p:nvSpPr>
+        <p:spPr/>
+        <p:txBody>
+          <a:bodyPr/>
+          <a:lstStyle/>
+          <a:p>
+            <a:r>
+              <a:rPr lang="en-MY" dirty="0">
+                <a:latin typeface="Roboto Light" panose="02000000000000000000" pitchFamily="2" charset="0"/>
+                <a:ea typeface="Roboto Light" panose="02000000000000000000" pitchFamily="2" charset="0"/>
+                <a:cs typeface="Roboto Light" panose="02000000000000000000" pitchFamily="2" charset="0"/>
+              </a:rPr>
+              <a:t>Ideal Pipeline</a:t>
+            </a:r>
+          </a:p>
+        </p:txBody>
+      </p:sp>
+      <p:graphicFrame>
+        <p:nvGraphicFramePr>
+          <p:cNvPr id="4" name="Diagram 3">
+            <a:extLst>
+              <a:ext uri="{FF2B5EF4-FFF2-40B4-BE49-F238E27FC236}">
+                <a16:creationId xmlns:a16="http://schemas.microsoft.com/office/drawing/2014/main" id="{2000C275-2A3D-B714-988D-E516D41D9E58}"/>
+              </a:ext>
+            </a:extLst>
+          </p:cNvPr>
+          <p:cNvGraphicFramePr/>
+          <p:nvPr>
+            <p:extLst>
+              <p:ext uri="{D42A27DB-BD31-4B8C-83A1-F6EECF244321}">
+                <p14:modId xmlns:p14="http://schemas.microsoft.com/office/powerpoint/2010/main" val="505718399"/>
+              </p:ext>
+            </p:extLst>
+          </p:nvPr>
+        </p:nvGraphicFramePr>
+        <p:xfrm>
+          <a:off x="645968" y="1402773"/>
+          <a:ext cx="10900063" cy="4493837"/>
+        </p:xfrm>
+        <a:graphic>
+          <a:graphicData uri="http://schemas.openxmlformats.org/drawingml/2006/diagram">
+            <dgm:relIds xmlns:dgm="http://schemas.openxmlformats.org/drawingml/2006/diagram" xmlns:r="http://schemas.openxmlformats.org/officeDocument/2006/relationships" r:dm="rId2" r:lo="rId3" r:qs="rId4" r:cs="rId5"/>
+          </a:graphicData>
+        </a:graphic>
+      </p:graphicFrame>
+    </p:spTree>
+    <p:extLst>
+      <p:ext uri="{BB962C8B-B14F-4D97-AF65-F5344CB8AC3E}">
+        <p14:creationId xmlns:p14="http://schemas.microsoft.com/office/powerpoint/2010/main" val="2893456070"/>
+      </p:ext>
+    </p:extLst>
+  </p:cSld>
+  <p:clrMapOvr>
+    <a:masterClrMapping/>
+  </p:clrMapOvr>
+  <mc:AlternateContent xmlns:mc="http://schemas.openxmlformats.org/markup-compatibility/2006">
+    <mc:Choice xmlns:p14="http://schemas.microsoft.com/office/powerpoint/2010/main" Requires="p14">
+      <p:transition p14:dur="0" advClick="0" advTm="3000"/>
+    </mc:Choice>
+    <mc:Fallback>
+      <p:transition advClick="0" advTm="3000"/>
+    </mc:Fallback>
+  </mc:AlternateContent>
+</p:sld>
+</file>
+
+<file path=ppt/slides/slide17.xml><?xml version="1.0" encoding="utf-8"?>
+<p:sld xmlns:a="http://schemas.openxmlformats.org/drawingml/2006/main" xmlns:r="http://schemas.openxmlformats.org/officeDocument/2006/relationships" xmlns:p="http://schemas.openxmlformats.org/presentationml/2006/main">
+  <p:cSld>
+    <p:spTree>
+      <p:nvGrpSpPr>
+        <p:cNvPr id="1" name=""/>
+        <p:cNvGrpSpPr/>
+        <p:nvPr/>
+      </p:nvGrpSpPr>
+      <p:grpSpPr>
+        <a:xfrm>
+          <a:off x="0" y="0"/>
+          <a:ext cx="0" cy="0"/>
+          <a:chOff x="0" y="0"/>
+          <a:chExt cx="0" cy="0"/>
+        </a:xfrm>
+      </p:grpSpPr>
+      <p:sp>
+        <p:nvSpPr>
+          <p:cNvPr id="2" name="Title 1"/>
+          <p:cNvSpPr>
+            <a:spLocks noGrp="1"/>
+          </p:cNvSpPr>
+          <p:nvPr>
+            <p:ph type="title"/>
+          </p:nvPr>
+        </p:nvSpPr>
+        <p:spPr/>
+        <p:txBody>
+          <a:bodyPr/>
+          <a:lstStyle/>
+          <a:p>
+            <a:r>
+              <a:rPr lang="en-MY" dirty="0">
+                <a:latin typeface="Roboto Light" panose="02000000000000000000" pitchFamily="2" charset="0"/>
+                <a:ea typeface="Roboto Light" panose="02000000000000000000" pitchFamily="2" charset="0"/>
+                <a:cs typeface="Roboto Light" panose="02000000000000000000" pitchFamily="2" charset="0"/>
+              </a:rPr>
+              <a:t>Testing Pyramid</a:t>
+            </a:r>
+          </a:p>
+        </p:txBody>
+      </p:sp>
+      <p:pic>
+        <p:nvPicPr>
+          <p:cNvPr id="2052" name="Picture 4">
+            <a:extLst>
+              <a:ext uri="{FF2B5EF4-FFF2-40B4-BE49-F238E27FC236}">
+                <a16:creationId xmlns:a16="http://schemas.microsoft.com/office/drawing/2014/main" id="{6F184161-6055-3FEE-5A3C-7D859AD34D4A}"/>
+              </a:ext>
+            </a:extLst>
+          </p:cNvPr>
+          <p:cNvPicPr>
+            <a:picLocks noChangeAspect="1" noChangeArrowheads="1"/>
+          </p:cNvPicPr>
+          <p:nvPr/>
+        </p:nvPicPr>
+        <p:blipFill>
+          <a:blip r:embed="rId2">
+            <a:extLst>
+              <a:ext uri="{28A0092B-C50C-407E-A947-70E740481C1C}">
+                <a14:useLocalDpi xmlns:a14="http://schemas.microsoft.com/office/drawing/2010/main" val="0"/>
+              </a:ext>
+            </a:extLst>
+          </a:blip>
+          <a:srcRect/>
+          <a:stretch>
+            <a:fillRect/>
+          </a:stretch>
+        </p:blipFill>
+        <p:spPr bwMode="auto">
+          <a:xfrm>
+            <a:off x="1942667" y="1647824"/>
+            <a:ext cx="8306666" cy="4142257"/>
+          </a:xfrm>
+          <a:prstGeom prst="rect">
+            <a:avLst/>
+          </a:prstGeom>
+          <a:noFill/>
+          <a:extLst>
+            <a:ext uri="{909E8E84-426E-40DD-AFC4-6F175D3DCCD1}">
+              <a14:hiddenFill xmlns:a14="http://schemas.microsoft.com/office/drawing/2010/main">
+                <a:solidFill>
+                  <a:srgbClr val="FFFFFF"/>
+                </a:solidFill>
+              </a14:hiddenFill>
+            </a:ext>
+          </a:extLst>
+        </p:spPr>
+      </p:pic>
+    </p:spTree>
+    <p:extLst>
+      <p:ext uri="{BB962C8B-B14F-4D97-AF65-F5344CB8AC3E}">
+        <p14:creationId xmlns:p14="http://schemas.microsoft.com/office/powerpoint/2010/main" val="1943929079"/>
+      </p:ext>
+    </p:extLst>
+  </p:cSld>
+  <p:clrMapOvr>
+    <a:masterClrMapping/>
+  </p:clrMapOvr>
+  <mc:AlternateContent xmlns:mc="http://schemas.openxmlformats.org/markup-compatibility/2006">
+    <mc:Choice xmlns:p14="http://schemas.microsoft.com/office/powerpoint/2010/main" Requires="p14">
+      <p:transition p14:dur="0" advClick="0" advTm="3000"/>
+    </mc:Choice>
+    <mc:Fallback>
+      <p:transition advClick="0" advTm="3000"/>
+    </mc:Fallback>
+  </mc:AlternateContent>
+</p:sld>
+</file>
+
+<file path=ppt/slides/slide18.xml><?xml version="1.0" encoding="utf-8"?>
+<p:sld xmlns:a="http://schemas.openxmlformats.org/drawingml/2006/main" xmlns:r="http://schemas.openxmlformats.org/officeDocument/2006/relationships" xmlns:p="http://schemas.openxmlformats.org/presentationml/2006/main">
+  <p:cSld>
+    <p:spTree>
+      <p:nvGrpSpPr>
+        <p:cNvPr id="1" name=""/>
+        <p:cNvGrpSpPr/>
+        <p:nvPr/>
+      </p:nvGrpSpPr>
+      <p:grpSpPr>
+        <a:xfrm>
+          <a:off x="0" y="0"/>
+          <a:ext cx="0" cy="0"/>
+          <a:chOff x="0" y="0"/>
+          <a:chExt cx="0" cy="0"/>
+        </a:xfrm>
+      </p:grpSpPr>
+      <p:sp>
+        <p:nvSpPr>
+          <p:cNvPr id="2" name="Title 1"/>
+          <p:cNvSpPr>
+            <a:spLocks noGrp="1"/>
+          </p:cNvSpPr>
+          <p:nvPr>
+            <p:ph type="title"/>
+          </p:nvPr>
+        </p:nvSpPr>
         <p:spPr>
           <a:xfrm>
             <a:off x="838200" y="248446"/>
@@ -12455,18 +18253,21 @@
           <a:lstStyle/>
           <a:p>
             <a:r>
-              <a:rPr lang="en-MY">
+              <a:rPr lang="en-MY" dirty="0" err="1">
                 <a:latin typeface="Roboto" panose="02000000000000000000" pitchFamily="2" charset="0"/>
                 <a:ea typeface="Roboto" panose="02000000000000000000" pitchFamily="2" charset="0"/>
                 <a:cs typeface="Roboto" panose="02000000000000000000" pitchFamily="2" charset="0"/>
               </a:rPr>
-              <a:t>CodeQL Vulnerability</a:t>
-            </a:r>
-            <a:endParaRPr lang="en-MY" dirty="0">
-              <a:latin typeface="Roboto" panose="02000000000000000000" pitchFamily="2" charset="0"/>
-              <a:ea typeface="Roboto" panose="02000000000000000000" pitchFamily="2" charset="0"/>
-              <a:cs typeface="Roboto" panose="02000000000000000000" pitchFamily="2" charset="0"/>
-            </a:endParaRPr>
+              <a:t>CodeQL</a:t>
+            </a:r>
+            <a:r>
+              <a:rPr lang="en-MY" dirty="0">
+                <a:latin typeface="Roboto" panose="02000000000000000000" pitchFamily="2" charset="0"/>
+                <a:ea typeface="Roboto" panose="02000000000000000000" pitchFamily="2" charset="0"/>
+                <a:cs typeface="Roboto" panose="02000000000000000000" pitchFamily="2" charset="0"/>
+              </a:rPr>
+              <a:t> Vulnerability (SAST)</a:t>
+            </a:r>
           </a:p>
         </p:txBody>
       </p:sp>
@@ -12521,6 +18322,143 @@
 </p:sld>
 </file>
 
+<file path=ppt/slides/slide19.xml><?xml version="1.0" encoding="utf-8"?>
+<p:sld xmlns:a="http://schemas.openxmlformats.org/drawingml/2006/main" xmlns:r="http://schemas.openxmlformats.org/officeDocument/2006/relationships" xmlns:p="http://schemas.openxmlformats.org/presentationml/2006/main">
+  <p:cSld>
+    <p:spTree>
+      <p:nvGrpSpPr>
+        <p:cNvPr id="1" name=""/>
+        <p:cNvGrpSpPr/>
+        <p:nvPr/>
+      </p:nvGrpSpPr>
+      <p:grpSpPr>
+        <a:xfrm>
+          <a:off x="0" y="0"/>
+          <a:ext cx="0" cy="0"/>
+          <a:chOff x="0" y="0"/>
+          <a:chExt cx="0" cy="0"/>
+        </a:xfrm>
+      </p:grpSpPr>
+      <p:sp>
+        <p:nvSpPr>
+          <p:cNvPr id="2" name="Title 1"/>
+          <p:cNvSpPr>
+            <a:spLocks noGrp="1"/>
+          </p:cNvSpPr>
+          <p:nvPr>
+            <p:ph type="title"/>
+          </p:nvPr>
+        </p:nvSpPr>
+        <p:spPr>
+          <a:xfrm>
+            <a:off x="838200" y="248446"/>
+            <a:ext cx="10515600" cy="886732"/>
+          </a:xfrm>
+        </p:spPr>
+        <p:txBody>
+          <a:bodyPr/>
+          <a:lstStyle/>
+          <a:p>
+            <a:r>
+              <a:rPr lang="en-MY" dirty="0" err="1">
+                <a:latin typeface="Roboto" panose="02000000000000000000" pitchFamily="2" charset="0"/>
+                <a:ea typeface="Roboto" panose="02000000000000000000" pitchFamily="2" charset="0"/>
+                <a:cs typeface="Roboto" panose="02000000000000000000" pitchFamily="2" charset="0"/>
+              </a:rPr>
+              <a:t>Snyk</a:t>
+            </a:r>
+            <a:r>
+              <a:rPr lang="en-MY" dirty="0">
+                <a:latin typeface="Roboto" panose="02000000000000000000" pitchFamily="2" charset="0"/>
+                <a:ea typeface="Roboto" panose="02000000000000000000" pitchFamily="2" charset="0"/>
+                <a:cs typeface="Roboto" panose="02000000000000000000" pitchFamily="2" charset="0"/>
+              </a:rPr>
+              <a:t> Vulnerability (SCA)</a:t>
+            </a:r>
+          </a:p>
+        </p:txBody>
+      </p:sp>
+      <p:pic>
+        <p:nvPicPr>
+          <p:cNvPr id="4" name="Picture 3">
+            <a:extLst>
+              <a:ext uri="{FF2B5EF4-FFF2-40B4-BE49-F238E27FC236}">
+                <a16:creationId xmlns:a16="http://schemas.microsoft.com/office/drawing/2014/main" id="{E4301565-56DE-4047-71D4-83289707C092}"/>
+              </a:ext>
+            </a:extLst>
+          </p:cNvPr>
+          <p:cNvPicPr>
+            <a:picLocks noChangeAspect="1"/>
+          </p:cNvPicPr>
+          <p:nvPr/>
+        </p:nvPicPr>
+        <p:blipFill>
+          <a:blip r:embed="rId2"/>
+          <a:stretch>
+            <a:fillRect/>
+          </a:stretch>
+        </p:blipFill>
+        <p:spPr>
+          <a:xfrm>
+            <a:off x="419100" y="1135178"/>
+            <a:ext cx="11353800" cy="3888473"/>
+          </a:xfrm>
+          <a:prstGeom prst="rect">
+            <a:avLst/>
+          </a:prstGeom>
+        </p:spPr>
+      </p:pic>
+      <p:pic>
+        <p:nvPicPr>
+          <p:cNvPr id="6" name="Picture 5">
+            <a:extLst>
+              <a:ext uri="{FF2B5EF4-FFF2-40B4-BE49-F238E27FC236}">
+                <a16:creationId xmlns:a16="http://schemas.microsoft.com/office/drawing/2014/main" id="{60E0A7FA-AA18-2D22-7743-685A6C34E69E}"/>
+              </a:ext>
+            </a:extLst>
+          </p:cNvPr>
+          <p:cNvPicPr>
+            <a:picLocks noChangeAspect="1"/>
+          </p:cNvPicPr>
+          <p:nvPr/>
+        </p:nvPicPr>
+        <p:blipFill>
+          <a:blip r:embed="rId3"/>
+          <a:stretch>
+            <a:fillRect/>
+          </a:stretch>
+        </p:blipFill>
+        <p:spPr>
+          <a:xfrm>
+            <a:off x="6611477" y="3177188"/>
+            <a:ext cx="5161423" cy="3033468"/>
+          </a:xfrm>
+          <a:prstGeom prst="rect">
+            <a:avLst/>
+          </a:prstGeom>
+        </p:spPr>
+      </p:pic>
+    </p:spTree>
+    <p:extLst>
+      <p:ext uri="{BB962C8B-B14F-4D97-AF65-F5344CB8AC3E}">
+        <p14:creationId xmlns:p14="http://schemas.microsoft.com/office/powerpoint/2010/main" val="2107614047"/>
+      </p:ext>
+    </p:extLst>
+  </p:cSld>
+  <p:clrMapOvr>
+    <a:masterClrMapping/>
+  </p:clrMapOvr>
+  <mc:AlternateContent xmlns:mc="http://schemas.openxmlformats.org/markup-compatibility/2006">
+    <mc:Choice xmlns:p14="http://schemas.microsoft.com/office/powerpoint/2010/main" Requires="p14">
+      <p:transition p14:dur="0" advClick="0" advTm="3000"/>
+    </mc:Choice>
+    <mc:Fallback>
+      <p:transition advClick="0" advTm="3000"/>
+    </mc:Fallback>
+  </mc:AlternateContent>
+</p:sld>
+</file>
+
 <file path=ppt/slides/slide2.xml><?xml version="1.0" encoding="utf-8"?>
 <p:sld xmlns:a="http://schemas.openxmlformats.org/drawingml/2006/main" xmlns:r="http://schemas.openxmlformats.org/officeDocument/2006/relationships" xmlns:p="http://schemas.openxmlformats.org/presentationml/2006/main">
   <p:cSld>
@@ -13145,6 +19083,165 @@
       <p:transition p14:dur="0" advClick="0" advTm="3000"/>
     </mc:Choice>
     <mc:Fallback xmlns="">
+      <p:transition advClick="0" advTm="3000"/>
+    </mc:Fallback>
+  </mc:AlternateContent>
+</p:sld>
+</file>
+
+<file path=ppt/slides/slide20.xml><?xml version="1.0" encoding="utf-8"?>
+<p:sld xmlns:a="http://schemas.openxmlformats.org/drawingml/2006/main" xmlns:r="http://schemas.openxmlformats.org/officeDocument/2006/relationships" xmlns:p="http://schemas.openxmlformats.org/presentationml/2006/main">
+  <p:cSld>
+    <p:spTree>
+      <p:nvGrpSpPr>
+        <p:cNvPr id="1" name=""/>
+        <p:cNvGrpSpPr/>
+        <p:nvPr/>
+      </p:nvGrpSpPr>
+      <p:grpSpPr>
+        <a:xfrm>
+          <a:off x="0" y="0"/>
+          <a:ext cx="0" cy="0"/>
+          <a:chOff x="0" y="0"/>
+          <a:chExt cx="0" cy="0"/>
+        </a:xfrm>
+      </p:grpSpPr>
+      <p:sp>
+        <p:nvSpPr>
+          <p:cNvPr id="2" name="Title 1"/>
+          <p:cNvSpPr>
+            <a:spLocks noGrp="1"/>
+          </p:cNvSpPr>
+          <p:nvPr>
+            <p:ph type="title"/>
+          </p:nvPr>
+        </p:nvSpPr>
+        <p:spPr>
+          <a:xfrm>
+            <a:off x="838200" y="248446"/>
+            <a:ext cx="10515600" cy="886732"/>
+          </a:xfrm>
+        </p:spPr>
+        <p:txBody>
+          <a:bodyPr/>
+          <a:lstStyle/>
+          <a:p>
+            <a:r>
+              <a:rPr lang="en-MY" dirty="0">
+                <a:latin typeface="Roboto" panose="02000000000000000000" pitchFamily="2" charset="0"/>
+                <a:ea typeface="Roboto" panose="02000000000000000000" pitchFamily="2" charset="0"/>
+                <a:cs typeface="Roboto" panose="02000000000000000000" pitchFamily="2" charset="0"/>
+              </a:rPr>
+              <a:t>SCA Vulnerability</a:t>
+            </a:r>
+          </a:p>
+        </p:txBody>
+      </p:sp>
+      <p:pic>
+        <p:nvPicPr>
+          <p:cNvPr id="3" name="Picture 2">
+            <a:extLst>
+              <a:ext uri="{FF2B5EF4-FFF2-40B4-BE49-F238E27FC236}">
+                <a16:creationId xmlns:a16="http://schemas.microsoft.com/office/drawing/2014/main" id="{256B9B73-DD2D-9B26-4839-EE77A343C28A}"/>
+              </a:ext>
+            </a:extLst>
+          </p:cNvPr>
+          <p:cNvPicPr>
+            <a:picLocks noChangeAspect="1"/>
+          </p:cNvPicPr>
+          <p:nvPr/>
+        </p:nvPicPr>
+        <p:blipFill>
+          <a:blip r:embed="rId2"/>
+          <a:stretch>
+            <a:fillRect/>
+          </a:stretch>
+        </p:blipFill>
+        <p:spPr>
+          <a:xfrm>
+            <a:off x="436685" y="1538328"/>
+            <a:ext cx="7204241" cy="2416753"/>
+          </a:xfrm>
+          <a:prstGeom prst="rect">
+            <a:avLst/>
+          </a:prstGeom>
+        </p:spPr>
+      </p:pic>
+      <p:pic>
+        <p:nvPicPr>
+          <p:cNvPr id="5" name="Picture 4">
+            <a:extLst>
+              <a:ext uri="{FF2B5EF4-FFF2-40B4-BE49-F238E27FC236}">
+                <a16:creationId xmlns:a16="http://schemas.microsoft.com/office/drawing/2014/main" id="{25C463AA-890F-0697-8038-26EE2C7955F9}"/>
+              </a:ext>
+            </a:extLst>
+          </p:cNvPr>
+          <p:cNvPicPr>
+            <a:picLocks noChangeAspect="1"/>
+          </p:cNvPicPr>
+          <p:nvPr/>
+        </p:nvPicPr>
+        <p:blipFill>
+          <a:blip r:embed="rId3"/>
+          <a:stretch>
+            <a:fillRect/>
+          </a:stretch>
+        </p:blipFill>
+        <p:spPr>
+          <a:xfrm>
+            <a:off x="7709187" y="1538328"/>
+            <a:ext cx="4167195" cy="2416753"/>
+          </a:xfrm>
+          <a:prstGeom prst="rect">
+            <a:avLst/>
+          </a:prstGeom>
+        </p:spPr>
+      </p:pic>
+      <p:pic>
+        <p:nvPicPr>
+          <p:cNvPr id="7" name="Picture 6">
+            <a:extLst>
+              <a:ext uri="{FF2B5EF4-FFF2-40B4-BE49-F238E27FC236}">
+                <a16:creationId xmlns:a16="http://schemas.microsoft.com/office/drawing/2014/main" id="{D96F2C2D-3CFF-A666-681B-688A5CFE50E1}"/>
+              </a:ext>
+            </a:extLst>
+          </p:cNvPr>
+          <p:cNvPicPr>
+            <a:picLocks noChangeAspect="1"/>
+          </p:cNvPicPr>
+          <p:nvPr/>
+        </p:nvPicPr>
+        <p:blipFill>
+          <a:blip r:embed="rId4"/>
+          <a:stretch>
+            <a:fillRect/>
+          </a:stretch>
+        </p:blipFill>
+        <p:spPr>
+          <a:xfrm>
+            <a:off x="414212" y="4021754"/>
+            <a:ext cx="11462170" cy="1717483"/>
+          </a:xfrm>
+          <a:prstGeom prst="rect">
+            <a:avLst/>
+          </a:prstGeom>
+        </p:spPr>
+      </p:pic>
+    </p:spTree>
+    <p:extLst>
+      <p:ext uri="{BB962C8B-B14F-4D97-AF65-F5344CB8AC3E}">
+        <p14:creationId xmlns:p14="http://schemas.microsoft.com/office/powerpoint/2010/main" val="512116331"/>
+      </p:ext>
+    </p:extLst>
+  </p:cSld>
+  <p:clrMapOvr>
+    <a:masterClrMapping/>
+  </p:clrMapOvr>
+  <mc:AlternateContent xmlns:mc="http://schemas.openxmlformats.org/markup-compatibility/2006">
+    <mc:Choice xmlns:p14="http://schemas.microsoft.com/office/powerpoint/2010/main" Requires="p14">
+      <p:transition p14:dur="0" advClick="0" advTm="3000"/>
+    </mc:Choice>
+    <mc:Fallback>
       <p:transition advClick="0" advTm="3000"/>
     </mc:Fallback>
   </mc:AlternateContent>
@@ -14416,7 +20513,28 @@
                 <a:ea typeface="Roboto Light" panose="02000000000000000000" pitchFamily="2" charset="0"/>
                 <a:cs typeface="Roboto Light" panose="02000000000000000000" pitchFamily="2" charset="0"/>
               </a:rPr>
-              <a:t>Unit Tests</a:t>
+              <a:t>Automated</a:t>
+            </a:r>
+            <a:br>
+              <a:rPr lang="en-US" sz="1467" dirty="0">
+                <a:solidFill>
+                  <a:schemeClr val="bg1"/>
+                </a:solidFill>
+                <a:latin typeface="Roboto Light" panose="02000000000000000000" pitchFamily="2" charset="0"/>
+                <a:ea typeface="Roboto Light" panose="02000000000000000000" pitchFamily="2" charset="0"/>
+                <a:cs typeface="Roboto Light" panose="02000000000000000000" pitchFamily="2" charset="0"/>
+              </a:rPr>
+            </a:br>
+            <a:r>
+              <a:rPr lang="en-US" sz="1467" dirty="0">
+                <a:solidFill>
+                  <a:schemeClr val="bg1"/>
+                </a:solidFill>
+                <a:latin typeface="Roboto Light" panose="02000000000000000000" pitchFamily="2" charset="0"/>
+                <a:ea typeface="Roboto Light" panose="02000000000000000000" pitchFamily="2" charset="0"/>
+                <a:cs typeface="Roboto Light" panose="02000000000000000000" pitchFamily="2" charset="0"/>
+              </a:rPr>
+              <a:t>Testing</a:t>
             </a:r>
           </a:p>
         </p:txBody>
@@ -14738,8 +20856,8 @@
         </p:nvSpPr>
         <p:spPr>
           <a:xfrm>
-            <a:off x="2504209" y="2168282"/>
-            <a:ext cx="1519074" cy="646331"/>
+            <a:off x="2504209" y="1983614"/>
+            <a:ext cx="1519074" cy="830997"/>
           </a:xfrm>
           <a:prstGeom prst="rect">
             <a:avLst/>
@@ -14759,7 +20877,7 @@
                 <a:ea typeface="Roboto Light" panose="02000000000000000000" pitchFamily="2" charset="0"/>
                 <a:cs typeface="Roboto Light" panose="02000000000000000000" pitchFamily="2" charset="0"/>
               </a:rPr>
-              <a:t>Run all unit tests and ensure they pass</a:t>
+              <a:t>Ensure they passing of all unit tests, SAST, and SCA.</a:t>
             </a:r>
           </a:p>
         </p:txBody>
